--- a/Licenta2019BacaoanuCamelia/licenta-ppt.pptx
+++ b/Licenta2019BacaoanuCamelia/licenta-ppt.pptx
@@ -2,7 +2,7 @@
 <file path=ppt/presentation.xml><?xml version="1.0" encoding="utf-8"?>
 <p:presentation xmlns:a="http://schemas.openxmlformats.org/drawingml/2006/main" xmlns:r="http://schemas.openxmlformats.org/officeDocument/2006/relationships" xmlns:p="http://schemas.openxmlformats.org/presentationml/2006/main" saveSubsetFonts="1">
   <p:sldMasterIdLst>
-    <p:sldMasterId id="2147483648" r:id="rId1"/>
+    <p:sldMasterId id="2147483738" r:id="rId1"/>
   </p:sldMasterIdLst>
   <p:sldIdLst>
     <p:sldId id="256" r:id="rId2"/>
@@ -11,6 +11,9 @@
     <p:sldId id="259" r:id="rId5"/>
     <p:sldId id="260" r:id="rId6"/>
     <p:sldId id="261" r:id="rId7"/>
+    <p:sldId id="262" r:id="rId8"/>
+    <p:sldId id="263" r:id="rId9"/>
+    <p:sldId id="264" r:id="rId10"/>
   </p:sldIdLst>
   <p:sldSz cx="12192000" cy="6858000"/>
   <p:notesSz cx="6858000" cy="9144000"/>
@@ -18,7 +21,7 @@
     <a:defPPr>
       <a:defRPr lang="en-US"/>
     </a:defPPr>
-    <a:lvl1pPr marL="0" algn="l" defTabSz="914400" rtl="0" eaLnBrk="1" latinLnBrk="0" hangingPunct="1">
+    <a:lvl1pPr marL="0" algn="l" defTabSz="457200" rtl="0" eaLnBrk="1" latinLnBrk="0" hangingPunct="1">
       <a:defRPr sz="1800" kern="1200">
         <a:solidFill>
           <a:schemeClr val="tx1"/>
@@ -28,7 +31,7 @@
         <a:cs typeface="+mn-cs"/>
       </a:defRPr>
     </a:lvl1pPr>
-    <a:lvl2pPr marL="457200" algn="l" defTabSz="914400" rtl="0" eaLnBrk="1" latinLnBrk="0" hangingPunct="1">
+    <a:lvl2pPr marL="457200" algn="l" defTabSz="457200" rtl="0" eaLnBrk="1" latinLnBrk="0" hangingPunct="1">
       <a:defRPr sz="1800" kern="1200">
         <a:solidFill>
           <a:schemeClr val="tx1"/>
@@ -38,7 +41,7 @@
         <a:cs typeface="+mn-cs"/>
       </a:defRPr>
     </a:lvl2pPr>
-    <a:lvl3pPr marL="914400" algn="l" defTabSz="914400" rtl="0" eaLnBrk="1" latinLnBrk="0" hangingPunct="1">
+    <a:lvl3pPr marL="914400" algn="l" defTabSz="457200" rtl="0" eaLnBrk="1" latinLnBrk="0" hangingPunct="1">
       <a:defRPr sz="1800" kern="1200">
         <a:solidFill>
           <a:schemeClr val="tx1"/>
@@ -48,7 +51,7 @@
         <a:cs typeface="+mn-cs"/>
       </a:defRPr>
     </a:lvl3pPr>
-    <a:lvl4pPr marL="1371600" algn="l" defTabSz="914400" rtl="0" eaLnBrk="1" latinLnBrk="0" hangingPunct="1">
+    <a:lvl4pPr marL="1371600" algn="l" defTabSz="457200" rtl="0" eaLnBrk="1" latinLnBrk="0" hangingPunct="1">
       <a:defRPr sz="1800" kern="1200">
         <a:solidFill>
           <a:schemeClr val="tx1"/>
@@ -58,7 +61,7 @@
         <a:cs typeface="+mn-cs"/>
       </a:defRPr>
     </a:lvl4pPr>
-    <a:lvl5pPr marL="1828800" algn="l" defTabSz="914400" rtl="0" eaLnBrk="1" latinLnBrk="0" hangingPunct="1">
+    <a:lvl5pPr marL="1828800" algn="l" defTabSz="457200" rtl="0" eaLnBrk="1" latinLnBrk="0" hangingPunct="1">
       <a:defRPr sz="1800" kern="1200">
         <a:solidFill>
           <a:schemeClr val="tx1"/>
@@ -68,7 +71,7 @@
         <a:cs typeface="+mn-cs"/>
       </a:defRPr>
     </a:lvl5pPr>
-    <a:lvl6pPr marL="2286000" algn="l" defTabSz="914400" rtl="0" eaLnBrk="1" latinLnBrk="0" hangingPunct="1">
+    <a:lvl6pPr marL="2286000" algn="l" defTabSz="457200" rtl="0" eaLnBrk="1" latinLnBrk="0" hangingPunct="1">
       <a:defRPr sz="1800" kern="1200">
         <a:solidFill>
           <a:schemeClr val="tx1"/>
@@ -78,7 +81,7 @@
         <a:cs typeface="+mn-cs"/>
       </a:defRPr>
     </a:lvl6pPr>
-    <a:lvl7pPr marL="2743200" algn="l" defTabSz="914400" rtl="0" eaLnBrk="1" latinLnBrk="0" hangingPunct="1">
+    <a:lvl7pPr marL="2743200" algn="l" defTabSz="457200" rtl="0" eaLnBrk="1" latinLnBrk="0" hangingPunct="1">
       <a:defRPr sz="1800" kern="1200">
         <a:solidFill>
           <a:schemeClr val="tx1"/>
@@ -88,7 +91,7 @@
         <a:cs typeface="+mn-cs"/>
       </a:defRPr>
     </a:lvl7pPr>
-    <a:lvl8pPr marL="3200400" algn="l" defTabSz="914400" rtl="0" eaLnBrk="1" latinLnBrk="0" hangingPunct="1">
+    <a:lvl8pPr marL="3200400" algn="l" defTabSz="457200" rtl="0" eaLnBrk="1" latinLnBrk="0" hangingPunct="1">
       <a:defRPr sz="1800" kern="1200">
         <a:solidFill>
           <a:schemeClr val="tx1"/>
@@ -98,7 +101,7 @@
         <a:cs typeface="+mn-cs"/>
       </a:defRPr>
     </a:lvl8pPr>
-    <a:lvl9pPr marL="3657600" algn="l" defTabSz="914400" rtl="0" eaLnBrk="1" latinLnBrk="0" hangingPunct="1">
+    <a:lvl9pPr marL="3657600" algn="l" defTabSz="457200" rtl="0" eaLnBrk="1" latinLnBrk="0" hangingPunct="1">
       <a:defRPr sz="1800" kern="1200">
         <a:solidFill>
           <a:schemeClr val="tx1"/>
@@ -109,11 +112,16 @@
       </a:defRPr>
     </a:lvl9pPr>
   </p:defaultTextStyle>
+  <p:extLst>
+    <p:ext uri="{EFAFB233-063F-42B5-8137-9DF3F51BA10A}">
+      <p15:sldGuideLst xmlns:p15="http://schemas.microsoft.com/office/powerpoint/2012/main"/>
+    </p:ext>
+  </p:extLst>
 </p:presentation>
 </file>
 
 <file path=ppt/slideLayouts/slideLayout1.xml><?xml version="1.0" encoding="utf-8"?>
-<p:sldLayout xmlns:a="http://schemas.openxmlformats.org/drawingml/2006/main" xmlns:r="http://schemas.openxmlformats.org/officeDocument/2006/relationships" xmlns:p="http://schemas.openxmlformats.org/presentationml/2006/main" type="title" preserve="1">
+<p:sldLayout xmlns:a="http://schemas.openxmlformats.org/drawingml/2006/main" xmlns:r="http://schemas.openxmlformats.org/officeDocument/2006/relationships" xmlns:p="http://schemas.openxmlformats.org/presentationml/2006/main" showMasterSp="0" type="title" preserve="1">
   <p:cSld name="Title Slide">
     <p:spTree>
       <p:nvGrpSpPr>
@@ -129,15 +137,322 @@
           <a:chExt cx="0" cy="0"/>
         </a:xfrm>
       </p:grpSpPr>
-      <p:sp>
-        <p:nvSpPr>
-          <p:cNvPr id="2" name="Title 1">
-            <a:extLst>
-              <a:ext uri="{FF2B5EF4-FFF2-40B4-BE49-F238E27FC236}">
-                <a16:creationId xmlns:a16="http://schemas.microsoft.com/office/drawing/2014/main" id="{8665951D-4E0F-407C-A538-1F2A0E672B81}"/>
-              </a:ext>
-            </a:extLst>
-          </p:cNvPr>
+      <p:grpSp>
+        <p:nvGrpSpPr>
+          <p:cNvPr id="19" name="Group 18"/>
+          <p:cNvGrpSpPr/>
+          <p:nvPr/>
+        </p:nvGrpSpPr>
+        <p:grpSpPr>
+          <a:xfrm>
+            <a:off x="546100" y="-4763"/>
+            <a:ext cx="5014912" cy="6862763"/>
+            <a:chOff x="2928938" y="-4763"/>
+            <a:chExt cx="5014912" cy="6862763"/>
+          </a:xfrm>
+        </p:grpSpPr>
+        <p:sp>
+          <p:nvSpPr>
+            <p:cNvPr id="22" name="Freeform 6"/>
+            <p:cNvSpPr/>
+            <p:nvPr/>
+          </p:nvSpPr>
+          <p:spPr bwMode="auto">
+            <a:xfrm>
+              <a:off x="3367088" y="-4763"/>
+              <a:ext cx="1063625" cy="2782888"/>
+            </a:xfrm>
+            <a:custGeom>
+              <a:avLst/>
+              <a:gdLst/>
+              <a:ahLst/>
+              <a:cxnLst/>
+              <a:rect l="0" t="0" r="r" b="b"/>
+              <a:pathLst>
+                <a:path w="670" h="1753">
+                  <a:moveTo>
+                    <a:pt x="0" y="1696"/>
+                  </a:moveTo>
+                  <a:lnTo>
+                    <a:pt x="225" y="1753"/>
+                  </a:lnTo>
+                  <a:lnTo>
+                    <a:pt x="670" y="0"/>
+                  </a:lnTo>
+                  <a:lnTo>
+                    <a:pt x="430" y="0"/>
+                  </a:lnTo>
+                  <a:lnTo>
+                    <a:pt x="0" y="1696"/>
+                  </a:lnTo>
+                  <a:close/>
+                </a:path>
+              </a:pathLst>
+            </a:custGeom>
+            <a:solidFill>
+              <a:schemeClr val="accent1"/>
+            </a:solidFill>
+            <a:ln>
+              <a:noFill/>
+            </a:ln>
+          </p:spPr>
+        </p:sp>
+        <p:sp>
+          <p:nvSpPr>
+            <p:cNvPr id="23" name="Freeform 7"/>
+            <p:cNvSpPr/>
+            <p:nvPr/>
+          </p:nvSpPr>
+          <p:spPr bwMode="auto">
+            <a:xfrm>
+              <a:off x="2928938" y="-4763"/>
+              <a:ext cx="1035050" cy="2673350"/>
+            </a:xfrm>
+            <a:custGeom>
+              <a:avLst/>
+              <a:gdLst/>
+              <a:ahLst/>
+              <a:cxnLst/>
+              <a:rect l="0" t="0" r="r" b="b"/>
+              <a:pathLst>
+                <a:path w="652" h="1684">
+                  <a:moveTo>
+                    <a:pt x="225" y="1684"/>
+                  </a:moveTo>
+                  <a:lnTo>
+                    <a:pt x="652" y="0"/>
+                  </a:lnTo>
+                  <a:lnTo>
+                    <a:pt x="411" y="0"/>
+                  </a:lnTo>
+                  <a:lnTo>
+                    <a:pt x="0" y="1627"/>
+                  </a:lnTo>
+                  <a:lnTo>
+                    <a:pt x="219" y="1681"/>
+                  </a:lnTo>
+                  <a:lnTo>
+                    <a:pt x="225" y="1684"/>
+                  </a:lnTo>
+                  <a:close/>
+                </a:path>
+              </a:pathLst>
+            </a:custGeom>
+            <a:solidFill>
+              <a:schemeClr val="tx1">
+                <a:lumMod val="65000"/>
+                <a:lumOff val="35000"/>
+              </a:schemeClr>
+            </a:solidFill>
+            <a:ln>
+              <a:noFill/>
+            </a:ln>
+          </p:spPr>
+        </p:sp>
+        <p:sp>
+          <p:nvSpPr>
+            <p:cNvPr id="24" name="Freeform 9"/>
+            <p:cNvSpPr/>
+            <p:nvPr/>
+          </p:nvSpPr>
+          <p:spPr bwMode="auto">
+            <a:xfrm>
+              <a:off x="2928938" y="2582862"/>
+              <a:ext cx="2693987" cy="4275138"/>
+            </a:xfrm>
+            <a:custGeom>
+              <a:avLst/>
+              <a:gdLst/>
+              <a:ahLst/>
+              <a:cxnLst/>
+              <a:rect l="0" t="0" r="r" b="b"/>
+              <a:pathLst>
+                <a:path w="1697" h="2693">
+                  <a:moveTo>
+                    <a:pt x="0" y="0"/>
+                  </a:moveTo>
+                  <a:lnTo>
+                    <a:pt x="1622" y="2693"/>
+                  </a:lnTo>
+                  <a:lnTo>
+                    <a:pt x="1697" y="2693"/>
+                  </a:lnTo>
+                  <a:lnTo>
+                    <a:pt x="0" y="0"/>
+                  </a:lnTo>
+                  <a:close/>
+                </a:path>
+              </a:pathLst>
+            </a:custGeom>
+            <a:solidFill>
+              <a:schemeClr val="tx1">
+                <a:lumMod val="85000"/>
+                <a:lumOff val="15000"/>
+              </a:schemeClr>
+            </a:solidFill>
+            <a:ln>
+              <a:noFill/>
+            </a:ln>
+          </p:spPr>
+        </p:sp>
+        <p:sp>
+          <p:nvSpPr>
+            <p:cNvPr id="25" name="Freeform 10"/>
+            <p:cNvSpPr/>
+            <p:nvPr/>
+          </p:nvSpPr>
+          <p:spPr bwMode="auto">
+            <a:xfrm>
+              <a:off x="3371850" y="2692400"/>
+              <a:ext cx="3332162" cy="4165600"/>
+            </a:xfrm>
+            <a:custGeom>
+              <a:avLst/>
+              <a:gdLst/>
+              <a:ahLst/>
+              <a:cxnLst/>
+              <a:rect l="0" t="0" r="r" b="b"/>
+              <a:pathLst>
+                <a:path w="2099" h="2624">
+                  <a:moveTo>
+                    <a:pt x="2099" y="2624"/>
+                  </a:moveTo>
+                  <a:lnTo>
+                    <a:pt x="0" y="0"/>
+                  </a:lnTo>
+                  <a:lnTo>
+                    <a:pt x="2021" y="2624"/>
+                  </a:lnTo>
+                  <a:lnTo>
+                    <a:pt x="2099" y="2624"/>
+                  </a:lnTo>
+                  <a:close/>
+                </a:path>
+              </a:pathLst>
+            </a:custGeom>
+            <a:solidFill>
+              <a:schemeClr val="accent1">
+                <a:lumMod val="50000"/>
+              </a:schemeClr>
+            </a:solidFill>
+            <a:ln>
+              <a:noFill/>
+            </a:ln>
+          </p:spPr>
+        </p:sp>
+        <p:sp>
+          <p:nvSpPr>
+            <p:cNvPr id="26" name="Freeform 11"/>
+            <p:cNvSpPr/>
+            <p:nvPr/>
+          </p:nvSpPr>
+          <p:spPr bwMode="auto">
+            <a:xfrm>
+              <a:off x="3367088" y="2687637"/>
+              <a:ext cx="4576762" cy="4170363"/>
+            </a:xfrm>
+            <a:custGeom>
+              <a:avLst/>
+              <a:gdLst/>
+              <a:ahLst/>
+              <a:cxnLst/>
+              <a:rect l="0" t="0" r="r" b="b"/>
+              <a:pathLst>
+                <a:path w="2883" h="2627">
+                  <a:moveTo>
+                    <a:pt x="0" y="0"/>
+                  </a:moveTo>
+                  <a:lnTo>
+                    <a:pt x="3" y="3"/>
+                  </a:lnTo>
+                  <a:lnTo>
+                    <a:pt x="2102" y="2627"/>
+                  </a:lnTo>
+                  <a:lnTo>
+                    <a:pt x="2883" y="2627"/>
+                  </a:lnTo>
+                  <a:lnTo>
+                    <a:pt x="225" y="57"/>
+                  </a:lnTo>
+                  <a:lnTo>
+                    <a:pt x="0" y="0"/>
+                  </a:lnTo>
+                  <a:close/>
+                </a:path>
+              </a:pathLst>
+            </a:custGeom>
+            <a:solidFill>
+              <a:schemeClr val="accent1">
+                <a:lumMod val="75000"/>
+              </a:schemeClr>
+            </a:solidFill>
+            <a:ln>
+              <a:noFill/>
+            </a:ln>
+          </p:spPr>
+        </p:sp>
+        <p:sp>
+          <p:nvSpPr>
+            <p:cNvPr id="27" name="Freeform 12"/>
+            <p:cNvSpPr/>
+            <p:nvPr/>
+          </p:nvSpPr>
+          <p:spPr bwMode="auto">
+            <a:xfrm>
+              <a:off x="2928938" y="2578100"/>
+              <a:ext cx="3584575" cy="4279900"/>
+            </a:xfrm>
+            <a:custGeom>
+              <a:avLst/>
+              <a:gdLst/>
+              <a:ahLst/>
+              <a:cxnLst/>
+              <a:rect l="0" t="0" r="r" b="b"/>
+              <a:pathLst>
+                <a:path w="2258" h="2696">
+                  <a:moveTo>
+                    <a:pt x="2258" y="2696"/>
+                  </a:moveTo>
+                  <a:lnTo>
+                    <a:pt x="264" y="111"/>
+                  </a:lnTo>
+                  <a:lnTo>
+                    <a:pt x="228" y="60"/>
+                  </a:lnTo>
+                  <a:lnTo>
+                    <a:pt x="225" y="57"/>
+                  </a:lnTo>
+                  <a:lnTo>
+                    <a:pt x="0" y="0"/>
+                  </a:lnTo>
+                  <a:lnTo>
+                    <a:pt x="0" y="3"/>
+                  </a:lnTo>
+                  <a:lnTo>
+                    <a:pt x="1697" y="2696"/>
+                  </a:lnTo>
+                  <a:lnTo>
+                    <a:pt x="2258" y="2696"/>
+                  </a:lnTo>
+                  <a:close/>
+                </a:path>
+              </a:pathLst>
+            </a:custGeom>
+            <a:solidFill>
+              <a:schemeClr val="tx1">
+                <a:lumMod val="75000"/>
+                <a:lumOff val="25000"/>
+              </a:schemeClr>
+            </a:solidFill>
+            <a:ln>
+              <a:noFill/>
+            </a:ln>
+          </p:spPr>
+        </p:sp>
+      </p:grpSp>
+      <p:sp>
+        <p:nvSpPr>
+          <p:cNvPr id="2" name="Title 1"/>
           <p:cNvSpPr>
             <a:spLocks noGrp="1"/>
           </p:cNvSpPr>
@@ -147,15 +462,19 @@
         </p:nvSpPr>
         <p:spPr>
           <a:xfrm>
-            <a:off x="1524000" y="1122363"/>
-            <a:ext cx="9144000" cy="2387600"/>
+            <a:off x="2928401" y="1380068"/>
+            <a:ext cx="8574622" cy="2616199"/>
           </a:xfrm>
         </p:spPr>
         <p:txBody>
-          <a:bodyPr anchor="b"/>
+          <a:bodyPr anchor="b">
+            <a:normAutofit/>
+          </a:bodyPr>
           <a:lstStyle>
-            <a:lvl1pPr algn="ctr">
-              <a:defRPr sz="6000"/>
+            <a:lvl1pPr algn="r">
+              <a:defRPr sz="6000">
+                <a:effectLst/>
+              </a:defRPr>
             </a:lvl1pPr>
           </a:lstStyle>
           <a:p>
@@ -163,18 +482,13 @@
               <a:rPr lang="en-US"/>
               <a:t>Click to edit Master title style</a:t>
             </a:r>
-          </a:p>
-        </p:txBody>
-      </p:sp>
-      <p:sp>
-        <p:nvSpPr>
-          <p:cNvPr id="3" name="Subtitle 2">
-            <a:extLst>
-              <a:ext uri="{FF2B5EF4-FFF2-40B4-BE49-F238E27FC236}">
-                <a16:creationId xmlns:a16="http://schemas.microsoft.com/office/drawing/2014/main" id="{0868FAEE-1355-40EB-BC6C-832BFA8444D1}"/>
-              </a:ext>
-            </a:extLst>
-          </p:cNvPr>
+            <a:endParaRPr lang="en-US" dirty="0"/>
+          </a:p>
+        </p:txBody>
+      </p:sp>
+      <p:sp>
+        <p:nvSpPr>
+          <p:cNvPr id="3" name="Subtitle 2"/>
           <p:cNvSpPr>
             <a:spLocks noGrp="1"/>
           </p:cNvSpPr>
@@ -184,48 +498,102 @@
         </p:nvSpPr>
         <p:spPr>
           <a:xfrm>
-            <a:off x="1524000" y="3602038"/>
-            <a:ext cx="9144000" cy="1655762"/>
+            <a:off x="4515377" y="3996267"/>
+            <a:ext cx="6987645" cy="1388534"/>
           </a:xfrm>
         </p:spPr>
         <p:txBody>
-          <a:bodyPr/>
+          <a:bodyPr anchor="t">
+            <a:normAutofit/>
+          </a:bodyPr>
           <a:lstStyle>
-            <a:lvl1pPr marL="0" indent="0" algn="ctr">
-              <a:buNone/>
-              <a:defRPr sz="2400"/>
+            <a:lvl1pPr marL="0" indent="0" algn="r">
+              <a:buNone/>
+              <a:defRPr sz="2100">
+                <a:solidFill>
+                  <a:schemeClr val="tx1"/>
+                </a:solidFill>
+              </a:defRPr>
             </a:lvl1pPr>
             <a:lvl2pPr marL="457200" indent="0" algn="ctr">
               <a:buNone/>
-              <a:defRPr sz="2000"/>
+              <a:defRPr>
+                <a:solidFill>
+                  <a:schemeClr val="tx1">
+                    <a:tint val="75000"/>
+                  </a:schemeClr>
+                </a:solidFill>
+              </a:defRPr>
             </a:lvl2pPr>
             <a:lvl3pPr marL="914400" indent="0" algn="ctr">
               <a:buNone/>
-              <a:defRPr sz="1800"/>
+              <a:defRPr>
+                <a:solidFill>
+                  <a:schemeClr val="tx1">
+                    <a:tint val="75000"/>
+                  </a:schemeClr>
+                </a:solidFill>
+              </a:defRPr>
             </a:lvl3pPr>
             <a:lvl4pPr marL="1371600" indent="0" algn="ctr">
               <a:buNone/>
-              <a:defRPr sz="1600"/>
+              <a:defRPr>
+                <a:solidFill>
+                  <a:schemeClr val="tx1">
+                    <a:tint val="75000"/>
+                  </a:schemeClr>
+                </a:solidFill>
+              </a:defRPr>
             </a:lvl4pPr>
             <a:lvl5pPr marL="1828800" indent="0" algn="ctr">
               <a:buNone/>
-              <a:defRPr sz="1600"/>
+              <a:defRPr>
+                <a:solidFill>
+                  <a:schemeClr val="tx1">
+                    <a:tint val="75000"/>
+                  </a:schemeClr>
+                </a:solidFill>
+              </a:defRPr>
             </a:lvl5pPr>
             <a:lvl6pPr marL="2286000" indent="0" algn="ctr">
               <a:buNone/>
-              <a:defRPr sz="1600"/>
+              <a:defRPr>
+                <a:solidFill>
+                  <a:schemeClr val="tx1">
+                    <a:tint val="75000"/>
+                  </a:schemeClr>
+                </a:solidFill>
+              </a:defRPr>
             </a:lvl6pPr>
             <a:lvl7pPr marL="2743200" indent="0" algn="ctr">
               <a:buNone/>
-              <a:defRPr sz="1600"/>
+              <a:defRPr>
+                <a:solidFill>
+                  <a:schemeClr val="tx1">
+                    <a:tint val="75000"/>
+                  </a:schemeClr>
+                </a:solidFill>
+              </a:defRPr>
             </a:lvl7pPr>
             <a:lvl8pPr marL="3200400" indent="0" algn="ctr">
               <a:buNone/>
-              <a:defRPr sz="1600"/>
+              <a:defRPr>
+                <a:solidFill>
+                  <a:schemeClr val="tx1">
+                    <a:tint val="75000"/>
+                  </a:schemeClr>
+                </a:solidFill>
+              </a:defRPr>
             </a:lvl8pPr>
             <a:lvl9pPr marL="3657600" indent="0" algn="ctr">
               <a:buNone/>
-              <a:defRPr sz="1600"/>
+              <a:defRPr>
+                <a:solidFill>
+                  <a:schemeClr val="tx1">
+                    <a:tint val="75000"/>
+                  </a:schemeClr>
+                </a:solidFill>
+              </a:defRPr>
             </a:lvl9pPr>
           </a:lstStyle>
           <a:p>
@@ -233,18 +601,13 @@
               <a:rPr lang="en-US"/>
               <a:t>Click to edit Master subtitle style</a:t>
             </a:r>
-          </a:p>
-        </p:txBody>
-      </p:sp>
-      <p:sp>
-        <p:nvSpPr>
-          <p:cNvPr id="4" name="Date Placeholder 3">
-            <a:extLst>
-              <a:ext uri="{FF2B5EF4-FFF2-40B4-BE49-F238E27FC236}">
-                <a16:creationId xmlns:a16="http://schemas.microsoft.com/office/drawing/2014/main" id="{CFF3030C-F56A-41DF-B000-556E929A372C}"/>
-              </a:ext>
-            </a:extLst>
-          </p:cNvPr>
+            <a:endParaRPr lang="en-US" dirty="0"/>
+          </a:p>
+        </p:txBody>
+      </p:sp>
+      <p:sp>
+        <p:nvSpPr>
+          <p:cNvPr id="4" name="Date Placeholder 3"/>
           <p:cNvSpPr>
             <a:spLocks noGrp="1"/>
           </p:cNvSpPr>
@@ -259,7 +622,7 @@
           <a:p>
             <a:fld id="{9C960552-60F5-48AF-A3A9-38C0A7F49CF6}" type="datetimeFigureOut">
               <a:rPr lang="en-US" smtClean="0"/>
-              <a:t>6/26/2019</a:t>
+              <a:t>6/29/2019</a:t>
             </a:fld>
             <a:endParaRPr lang="en-US"/>
           </a:p>
@@ -267,13 +630,7 @@
       </p:sp>
       <p:sp>
         <p:nvSpPr>
-          <p:cNvPr id="5" name="Footer Placeholder 4">
-            <a:extLst>
-              <a:ext uri="{FF2B5EF4-FFF2-40B4-BE49-F238E27FC236}">
-                <a16:creationId xmlns:a16="http://schemas.microsoft.com/office/drawing/2014/main" id="{04D83CC5-9782-4A07-96A1-23B8DDD983A8}"/>
-              </a:ext>
-            </a:extLst>
-          </p:cNvPr>
+          <p:cNvPr id="5" name="Footer Placeholder 4"/>
           <p:cNvSpPr>
             <a:spLocks noGrp="1"/>
           </p:cNvSpPr>
@@ -281,7 +638,12 @@
             <p:ph type="ftr" sz="quarter" idx="11"/>
           </p:nvPr>
         </p:nvSpPr>
-        <p:spPr/>
+        <p:spPr>
+          <a:xfrm>
+            <a:off x="5332412" y="5883275"/>
+            <a:ext cx="4324044" cy="365125"/>
+          </a:xfrm>
+        </p:spPr>
         <p:txBody>
           <a:bodyPr/>
           <a:lstStyle/>
@@ -292,13 +654,7 @@
       </p:sp>
       <p:sp>
         <p:nvSpPr>
-          <p:cNvPr id="6" name="Slide Number Placeholder 5">
-            <a:extLst>
-              <a:ext uri="{FF2B5EF4-FFF2-40B4-BE49-F238E27FC236}">
-                <a16:creationId xmlns:a16="http://schemas.microsoft.com/office/drawing/2014/main" id="{F12AFE41-849D-424C-B6F8-4161DB13E49A}"/>
-              </a:ext>
-            </a:extLst>
-          </p:cNvPr>
+          <p:cNvPr id="6" name="Slide Number Placeholder 5"/>
           <p:cNvSpPr>
             <a:spLocks noGrp="1"/>
           </p:cNvSpPr>
@@ -322,7 +678,7 @@
     </p:spTree>
     <p:extLst>
       <p:ext uri="{BB962C8B-B14F-4D97-AF65-F5344CB8AC3E}">
-        <p14:creationId xmlns:p14="http://schemas.microsoft.com/office/powerpoint/2010/main" val="2227548054"/>
+        <p14:creationId xmlns:p14="http://schemas.microsoft.com/office/powerpoint/2010/main" val="957340324"/>
       </p:ext>
     </p:extLst>
   </p:cSld>
@@ -333,6 +689,2162 @@
 </file>
 
 <file path=ppt/slideLayouts/slideLayout10.xml><?xml version="1.0" encoding="utf-8"?>
+<p:sldLayout xmlns:a="http://schemas.openxmlformats.org/drawingml/2006/main" xmlns:r="http://schemas.openxmlformats.org/officeDocument/2006/relationships" xmlns:p="http://schemas.openxmlformats.org/presentationml/2006/main" preserve="1">
+  <p:cSld name="Panoramic Picture with Caption">
+    <p:spTree>
+      <p:nvGrpSpPr>
+        <p:cNvPr id="1" name=""/>
+        <p:cNvGrpSpPr/>
+        <p:nvPr/>
+      </p:nvGrpSpPr>
+      <p:grpSpPr>
+        <a:xfrm>
+          <a:off x="0" y="0"/>
+          <a:ext cx="0" cy="0"/>
+          <a:chOff x="0" y="0"/>
+          <a:chExt cx="0" cy="0"/>
+        </a:xfrm>
+      </p:grpSpPr>
+      <p:sp>
+        <p:nvSpPr>
+          <p:cNvPr id="2" name="Title 1"/>
+          <p:cNvSpPr>
+            <a:spLocks noGrp="1"/>
+          </p:cNvSpPr>
+          <p:nvPr>
+            <p:ph type="title"/>
+          </p:nvPr>
+        </p:nvSpPr>
+        <p:spPr>
+          <a:xfrm>
+            <a:off x="1484311" y="4732865"/>
+            <a:ext cx="10018711" cy="566738"/>
+          </a:xfrm>
+        </p:spPr>
+        <p:txBody>
+          <a:bodyPr anchor="b">
+            <a:normAutofit/>
+          </a:bodyPr>
+          <a:lstStyle>
+            <a:lvl1pPr algn="ctr">
+              <a:defRPr sz="2400" b="0"/>
+            </a:lvl1pPr>
+          </a:lstStyle>
+          <a:p>
+            <a:r>
+              <a:rPr lang="en-US"/>
+              <a:t>Click to edit Master title style</a:t>
+            </a:r>
+            <a:endParaRPr lang="en-US" dirty="0"/>
+          </a:p>
+        </p:txBody>
+      </p:sp>
+      <p:sp>
+        <p:nvSpPr>
+          <p:cNvPr id="3" name="Picture Placeholder 2"/>
+          <p:cNvSpPr>
+            <a:spLocks noGrp="1" noChangeAspect="1"/>
+          </p:cNvSpPr>
+          <p:nvPr>
+            <p:ph type="pic" idx="1"/>
+          </p:nvPr>
+        </p:nvSpPr>
+        <p:spPr>
+          <a:xfrm>
+            <a:off x="2386012" y="932112"/>
+            <a:ext cx="8225944" cy="3164976"/>
+          </a:xfrm>
+          <a:prstGeom prst="roundRect">
+            <a:avLst>
+              <a:gd name="adj" fmla="val 4380"/>
+            </a:avLst>
+          </a:prstGeom>
+          <a:ln w="38100">
+            <a:gradFill flip="none" rotWithShape="1">
+              <a:gsLst>
+                <a:gs pos="0">
+                  <a:schemeClr val="bg2"/>
+                </a:gs>
+                <a:gs pos="100000">
+                  <a:schemeClr val="bg2">
+                    <a:lumMod val="75000"/>
+                  </a:schemeClr>
+                </a:gs>
+              </a:gsLst>
+              <a:lin ang="5400000" scaled="0"/>
+              <a:tileRect/>
+            </a:gradFill>
+          </a:ln>
+          <a:effectLst>
+            <a:innerShdw blurRad="57150" dist="38100" dir="14460000">
+              <a:srgbClr val="000000">
+                <a:alpha val="70000"/>
+              </a:srgbClr>
+            </a:innerShdw>
+          </a:effectLst>
+        </p:spPr>
+        <p:txBody>
+          <a:bodyPr anchor="t">
+            <a:normAutofit/>
+          </a:bodyPr>
+          <a:lstStyle>
+            <a:lvl1pPr marL="0" indent="0" algn="ctr">
+              <a:buNone/>
+              <a:defRPr sz="1600"/>
+            </a:lvl1pPr>
+            <a:lvl2pPr marL="457200" indent="0">
+              <a:buNone/>
+              <a:defRPr sz="1600"/>
+            </a:lvl2pPr>
+            <a:lvl3pPr marL="914400" indent="0">
+              <a:buNone/>
+              <a:defRPr sz="1600"/>
+            </a:lvl3pPr>
+            <a:lvl4pPr marL="1371600" indent="0">
+              <a:buNone/>
+              <a:defRPr sz="1600"/>
+            </a:lvl4pPr>
+            <a:lvl5pPr marL="1828800" indent="0">
+              <a:buNone/>
+              <a:defRPr sz="1600"/>
+            </a:lvl5pPr>
+            <a:lvl6pPr marL="2286000" indent="0">
+              <a:buNone/>
+              <a:defRPr sz="1600"/>
+            </a:lvl6pPr>
+            <a:lvl7pPr marL="2743200" indent="0">
+              <a:buNone/>
+              <a:defRPr sz="1600"/>
+            </a:lvl7pPr>
+            <a:lvl8pPr marL="3200400" indent="0">
+              <a:buNone/>
+              <a:defRPr sz="1600"/>
+            </a:lvl8pPr>
+            <a:lvl9pPr marL="3657600" indent="0">
+              <a:buNone/>
+              <a:defRPr sz="1600"/>
+            </a:lvl9pPr>
+          </a:lstStyle>
+          <a:p>
+            <a:r>
+              <a:rPr lang="en-US"/>
+              <a:t>Click icon to add picture</a:t>
+            </a:r>
+            <a:endParaRPr lang="en-US" dirty="0"/>
+          </a:p>
+        </p:txBody>
+      </p:sp>
+      <p:sp>
+        <p:nvSpPr>
+          <p:cNvPr id="4" name="Text Placeholder 3"/>
+          <p:cNvSpPr>
+            <a:spLocks noGrp="1"/>
+          </p:cNvSpPr>
+          <p:nvPr>
+            <p:ph type="body" sz="half" idx="2"/>
+          </p:nvPr>
+        </p:nvSpPr>
+        <p:spPr>
+          <a:xfrm>
+            <a:off x="1484311" y="5299603"/>
+            <a:ext cx="10018711" cy="493712"/>
+          </a:xfrm>
+        </p:spPr>
+        <p:txBody>
+          <a:bodyPr>
+            <a:normAutofit/>
+          </a:bodyPr>
+          <a:lstStyle>
+            <a:lvl1pPr marL="0" indent="0" algn="ctr">
+              <a:buNone/>
+              <a:defRPr sz="1400"/>
+            </a:lvl1pPr>
+            <a:lvl2pPr marL="457200" indent="0">
+              <a:buNone/>
+              <a:defRPr sz="1200"/>
+            </a:lvl2pPr>
+            <a:lvl3pPr marL="914400" indent="0">
+              <a:buNone/>
+              <a:defRPr sz="1000"/>
+            </a:lvl3pPr>
+            <a:lvl4pPr marL="1371600" indent="0">
+              <a:buNone/>
+              <a:defRPr sz="900"/>
+            </a:lvl4pPr>
+            <a:lvl5pPr marL="1828800" indent="0">
+              <a:buNone/>
+              <a:defRPr sz="900"/>
+            </a:lvl5pPr>
+            <a:lvl6pPr marL="2286000" indent="0">
+              <a:buNone/>
+              <a:defRPr sz="900"/>
+            </a:lvl6pPr>
+            <a:lvl7pPr marL="2743200" indent="0">
+              <a:buNone/>
+              <a:defRPr sz="900"/>
+            </a:lvl7pPr>
+            <a:lvl8pPr marL="3200400" indent="0">
+              <a:buNone/>
+              <a:defRPr sz="900"/>
+            </a:lvl8pPr>
+            <a:lvl9pPr marL="3657600" indent="0">
+              <a:buNone/>
+              <a:defRPr sz="900"/>
+            </a:lvl9pPr>
+          </a:lstStyle>
+          <a:p>
+            <a:pPr lvl="0"/>
+            <a:r>
+              <a:rPr lang="en-US"/>
+              <a:t>Click to edit Master text styles</a:t>
+            </a:r>
+          </a:p>
+        </p:txBody>
+      </p:sp>
+      <p:sp>
+        <p:nvSpPr>
+          <p:cNvPr id="5" name="Date Placeholder 4"/>
+          <p:cNvSpPr>
+            <a:spLocks noGrp="1"/>
+          </p:cNvSpPr>
+          <p:nvPr>
+            <p:ph type="dt" sz="half" idx="10"/>
+          </p:nvPr>
+        </p:nvSpPr>
+        <p:spPr/>
+        <p:txBody>
+          <a:bodyPr/>
+          <a:lstStyle/>
+          <a:p>
+            <a:fld id="{9C960552-60F5-48AF-A3A9-38C0A7F49CF6}" type="datetimeFigureOut">
+              <a:rPr lang="en-US" smtClean="0"/>
+              <a:t>6/29/2019</a:t>
+            </a:fld>
+            <a:endParaRPr lang="en-US"/>
+          </a:p>
+        </p:txBody>
+      </p:sp>
+      <p:sp>
+        <p:nvSpPr>
+          <p:cNvPr id="6" name="Footer Placeholder 5"/>
+          <p:cNvSpPr>
+            <a:spLocks noGrp="1"/>
+          </p:cNvSpPr>
+          <p:nvPr>
+            <p:ph type="ftr" sz="quarter" idx="11"/>
+          </p:nvPr>
+        </p:nvSpPr>
+        <p:spPr/>
+        <p:txBody>
+          <a:bodyPr/>
+          <a:lstStyle/>
+          <a:p>
+            <a:endParaRPr lang="en-US"/>
+          </a:p>
+        </p:txBody>
+      </p:sp>
+      <p:sp>
+        <p:nvSpPr>
+          <p:cNvPr id="7" name="Slide Number Placeholder 6"/>
+          <p:cNvSpPr>
+            <a:spLocks noGrp="1"/>
+          </p:cNvSpPr>
+          <p:nvPr>
+            <p:ph type="sldNum" sz="quarter" idx="12"/>
+          </p:nvPr>
+        </p:nvSpPr>
+        <p:spPr/>
+        <p:txBody>
+          <a:bodyPr/>
+          <a:lstStyle/>
+          <a:p>
+            <a:fld id="{8E2924BD-83AC-4C3F-9B36-FF4E80586CCF}" type="slidenum">
+              <a:rPr lang="en-US" smtClean="0"/>
+              <a:t>‹#›</a:t>
+            </a:fld>
+            <a:endParaRPr lang="en-US"/>
+          </a:p>
+        </p:txBody>
+      </p:sp>
+    </p:spTree>
+    <p:extLst>
+      <p:ext uri="{BB962C8B-B14F-4D97-AF65-F5344CB8AC3E}">
+        <p14:creationId xmlns:p14="http://schemas.microsoft.com/office/powerpoint/2010/main" val="1363029840"/>
+      </p:ext>
+    </p:extLst>
+  </p:cSld>
+  <p:clrMapOvr>
+    <a:masterClrMapping/>
+  </p:clrMapOvr>
+</p:sldLayout>
+</file>
+
+<file path=ppt/slideLayouts/slideLayout11.xml><?xml version="1.0" encoding="utf-8"?>
+<p:sldLayout xmlns:a="http://schemas.openxmlformats.org/drawingml/2006/main" xmlns:r="http://schemas.openxmlformats.org/officeDocument/2006/relationships" xmlns:p="http://schemas.openxmlformats.org/presentationml/2006/main" preserve="1">
+  <p:cSld name="Title and Caption">
+    <p:spTree>
+      <p:nvGrpSpPr>
+        <p:cNvPr id="1" name=""/>
+        <p:cNvGrpSpPr/>
+        <p:nvPr/>
+      </p:nvGrpSpPr>
+      <p:grpSpPr>
+        <a:xfrm>
+          <a:off x="0" y="0"/>
+          <a:ext cx="0" cy="0"/>
+          <a:chOff x="0" y="0"/>
+          <a:chExt cx="0" cy="0"/>
+        </a:xfrm>
+      </p:grpSpPr>
+      <p:sp>
+        <p:nvSpPr>
+          <p:cNvPr id="2" name="Title 1"/>
+          <p:cNvSpPr>
+            <a:spLocks noGrp="1"/>
+          </p:cNvSpPr>
+          <p:nvPr>
+            <p:ph type="title"/>
+          </p:nvPr>
+        </p:nvSpPr>
+        <p:spPr>
+          <a:xfrm>
+            <a:off x="1484312" y="685800"/>
+            <a:ext cx="10018711" cy="3048000"/>
+          </a:xfrm>
+        </p:spPr>
+        <p:txBody>
+          <a:bodyPr anchor="ctr">
+            <a:normAutofit/>
+          </a:bodyPr>
+          <a:lstStyle>
+            <a:lvl1pPr algn="ctr">
+              <a:defRPr sz="3200" b="0" cap="none"/>
+            </a:lvl1pPr>
+          </a:lstStyle>
+          <a:p>
+            <a:r>
+              <a:rPr lang="en-US"/>
+              <a:t>Click to edit Master title style</a:t>
+            </a:r>
+            <a:endParaRPr lang="en-US" dirty="0"/>
+          </a:p>
+        </p:txBody>
+      </p:sp>
+      <p:sp>
+        <p:nvSpPr>
+          <p:cNvPr id="3" name="Text Placeholder 2"/>
+          <p:cNvSpPr>
+            <a:spLocks noGrp="1"/>
+          </p:cNvSpPr>
+          <p:nvPr>
+            <p:ph type="body" idx="1"/>
+          </p:nvPr>
+        </p:nvSpPr>
+        <p:spPr>
+          <a:xfrm>
+            <a:off x="1484312" y="4343400"/>
+            <a:ext cx="10018713" cy="1447800"/>
+          </a:xfrm>
+        </p:spPr>
+        <p:txBody>
+          <a:bodyPr anchor="ctr">
+            <a:normAutofit/>
+          </a:bodyPr>
+          <a:lstStyle>
+            <a:lvl1pPr marL="0" indent="0" algn="ctr">
+              <a:buNone/>
+              <a:defRPr sz="2000">
+                <a:solidFill>
+                  <a:schemeClr val="tx1"/>
+                </a:solidFill>
+              </a:defRPr>
+            </a:lvl1pPr>
+            <a:lvl2pPr marL="457200" indent="0">
+              <a:buNone/>
+              <a:defRPr sz="1800">
+                <a:solidFill>
+                  <a:schemeClr val="tx1">
+                    <a:tint val="75000"/>
+                  </a:schemeClr>
+                </a:solidFill>
+              </a:defRPr>
+            </a:lvl2pPr>
+            <a:lvl3pPr marL="914400" indent="0">
+              <a:buNone/>
+              <a:defRPr sz="1600">
+                <a:solidFill>
+                  <a:schemeClr val="tx1">
+                    <a:tint val="75000"/>
+                  </a:schemeClr>
+                </a:solidFill>
+              </a:defRPr>
+            </a:lvl3pPr>
+            <a:lvl4pPr marL="1371600" indent="0">
+              <a:buNone/>
+              <a:defRPr sz="1400">
+                <a:solidFill>
+                  <a:schemeClr val="tx1">
+                    <a:tint val="75000"/>
+                  </a:schemeClr>
+                </a:solidFill>
+              </a:defRPr>
+            </a:lvl4pPr>
+            <a:lvl5pPr marL="1828800" indent="0">
+              <a:buNone/>
+              <a:defRPr sz="1400">
+                <a:solidFill>
+                  <a:schemeClr val="tx1">
+                    <a:tint val="75000"/>
+                  </a:schemeClr>
+                </a:solidFill>
+              </a:defRPr>
+            </a:lvl5pPr>
+            <a:lvl6pPr marL="2286000" indent="0">
+              <a:buNone/>
+              <a:defRPr sz="1400">
+                <a:solidFill>
+                  <a:schemeClr val="tx1">
+                    <a:tint val="75000"/>
+                  </a:schemeClr>
+                </a:solidFill>
+              </a:defRPr>
+            </a:lvl6pPr>
+            <a:lvl7pPr marL="2743200" indent="0">
+              <a:buNone/>
+              <a:defRPr sz="1400">
+                <a:solidFill>
+                  <a:schemeClr val="tx1">
+                    <a:tint val="75000"/>
+                  </a:schemeClr>
+                </a:solidFill>
+              </a:defRPr>
+            </a:lvl7pPr>
+            <a:lvl8pPr marL="3200400" indent="0">
+              <a:buNone/>
+              <a:defRPr sz="1400">
+                <a:solidFill>
+                  <a:schemeClr val="tx1">
+                    <a:tint val="75000"/>
+                  </a:schemeClr>
+                </a:solidFill>
+              </a:defRPr>
+            </a:lvl8pPr>
+            <a:lvl9pPr marL="3657600" indent="0">
+              <a:buNone/>
+              <a:defRPr sz="1400">
+                <a:solidFill>
+                  <a:schemeClr val="tx1">
+                    <a:tint val="75000"/>
+                  </a:schemeClr>
+                </a:solidFill>
+              </a:defRPr>
+            </a:lvl9pPr>
+          </a:lstStyle>
+          <a:p>
+            <a:pPr lvl="0"/>
+            <a:r>
+              <a:rPr lang="en-US"/>
+              <a:t>Click to edit Master text styles</a:t>
+            </a:r>
+          </a:p>
+        </p:txBody>
+      </p:sp>
+      <p:sp>
+        <p:nvSpPr>
+          <p:cNvPr id="4" name="Date Placeholder 3"/>
+          <p:cNvSpPr>
+            <a:spLocks noGrp="1"/>
+          </p:cNvSpPr>
+          <p:nvPr>
+            <p:ph type="dt" sz="half" idx="10"/>
+          </p:nvPr>
+        </p:nvSpPr>
+        <p:spPr/>
+        <p:txBody>
+          <a:bodyPr/>
+          <a:lstStyle/>
+          <a:p>
+            <a:fld id="{9C960552-60F5-48AF-A3A9-38C0A7F49CF6}" type="datetimeFigureOut">
+              <a:rPr lang="en-US" smtClean="0"/>
+              <a:t>6/29/2019</a:t>
+            </a:fld>
+            <a:endParaRPr lang="en-US"/>
+          </a:p>
+        </p:txBody>
+      </p:sp>
+      <p:sp>
+        <p:nvSpPr>
+          <p:cNvPr id="5" name="Footer Placeholder 4"/>
+          <p:cNvSpPr>
+            <a:spLocks noGrp="1"/>
+          </p:cNvSpPr>
+          <p:nvPr>
+            <p:ph type="ftr" sz="quarter" idx="11"/>
+          </p:nvPr>
+        </p:nvSpPr>
+        <p:spPr/>
+        <p:txBody>
+          <a:bodyPr/>
+          <a:lstStyle/>
+          <a:p>
+            <a:endParaRPr lang="en-US"/>
+          </a:p>
+        </p:txBody>
+      </p:sp>
+      <p:sp>
+        <p:nvSpPr>
+          <p:cNvPr id="6" name="Slide Number Placeholder 5"/>
+          <p:cNvSpPr>
+            <a:spLocks noGrp="1"/>
+          </p:cNvSpPr>
+          <p:nvPr>
+            <p:ph type="sldNum" sz="quarter" idx="12"/>
+          </p:nvPr>
+        </p:nvSpPr>
+        <p:spPr/>
+        <p:txBody>
+          <a:bodyPr/>
+          <a:lstStyle/>
+          <a:p>
+            <a:fld id="{8E2924BD-83AC-4C3F-9B36-FF4E80586CCF}" type="slidenum">
+              <a:rPr lang="en-US" smtClean="0"/>
+              <a:t>‹#›</a:t>
+            </a:fld>
+            <a:endParaRPr lang="en-US"/>
+          </a:p>
+        </p:txBody>
+      </p:sp>
+    </p:spTree>
+    <p:extLst>
+      <p:ext uri="{BB962C8B-B14F-4D97-AF65-F5344CB8AC3E}">
+        <p14:creationId xmlns:p14="http://schemas.microsoft.com/office/powerpoint/2010/main" val="2851291254"/>
+      </p:ext>
+    </p:extLst>
+  </p:cSld>
+  <p:clrMapOvr>
+    <a:masterClrMapping/>
+  </p:clrMapOvr>
+</p:sldLayout>
+</file>
+
+<file path=ppt/slideLayouts/slideLayout12.xml><?xml version="1.0" encoding="utf-8"?>
+<p:sldLayout xmlns:a="http://schemas.openxmlformats.org/drawingml/2006/main" xmlns:r="http://schemas.openxmlformats.org/officeDocument/2006/relationships" xmlns:p="http://schemas.openxmlformats.org/presentationml/2006/main" preserve="1">
+  <p:cSld name="Quote with Caption">
+    <p:spTree>
+      <p:nvGrpSpPr>
+        <p:cNvPr id="1" name=""/>
+        <p:cNvGrpSpPr/>
+        <p:nvPr/>
+      </p:nvGrpSpPr>
+      <p:grpSpPr>
+        <a:xfrm>
+          <a:off x="0" y="0"/>
+          <a:ext cx="0" cy="0"/>
+          <a:chOff x="0" y="0"/>
+          <a:chExt cx="0" cy="0"/>
+        </a:xfrm>
+      </p:grpSpPr>
+      <p:sp>
+        <p:nvSpPr>
+          <p:cNvPr id="14" name="TextBox 13"/>
+          <p:cNvSpPr txBox="1"/>
+          <p:nvPr/>
+        </p:nvSpPr>
+        <p:spPr>
+          <a:xfrm>
+            <a:off x="1598612" y="863023"/>
+            <a:ext cx="609600" cy="584776"/>
+          </a:xfrm>
+          <a:prstGeom prst="rect">
+            <a:avLst/>
+          </a:prstGeom>
+        </p:spPr>
+        <p:txBody>
+          <a:bodyPr vert="horz" lIns="91440" tIns="45720" rIns="91440" bIns="45720" rtlCol="0" anchor="ctr">
+            <a:noAutofit/>
+          </a:bodyPr>
+          <a:lstStyle>
+            <a:lvl1pPr>
+              <a:spcBef>
+                <a:spcPct val="0"/>
+              </a:spcBef>
+              <a:buNone/>
+              <a:defRPr sz="3200" b="0" cap="all">
+                <a:ln w="3175" cmpd="sng">
+                  <a:noFill/>
+                </a:ln>
+                <a:effectLst>
+                  <a:glow rad="38100">
+                    <a:schemeClr val="bg1">
+                      <a:lumMod val="65000"/>
+                      <a:lumOff val="35000"/>
+                      <a:alpha val="40000"/>
+                    </a:schemeClr>
+                  </a:glow>
+                  <a:outerShdw blurRad="28575" dist="38100" dir="14040000" algn="tl" rotWithShape="0">
+                    <a:srgbClr val="000000">
+                      <a:alpha val="25000"/>
+                    </a:srgbClr>
+                  </a:outerShdw>
+                </a:effectLst>
+              </a:defRPr>
+            </a:lvl1pPr>
+            <a:lvl2pPr>
+              <a:defRPr>
+                <a:solidFill>
+                  <a:schemeClr val="tx2"/>
+                </a:solidFill>
+              </a:defRPr>
+            </a:lvl2pPr>
+            <a:lvl3pPr>
+              <a:defRPr>
+                <a:solidFill>
+                  <a:schemeClr val="tx2"/>
+                </a:solidFill>
+              </a:defRPr>
+            </a:lvl3pPr>
+            <a:lvl4pPr>
+              <a:defRPr>
+                <a:solidFill>
+                  <a:schemeClr val="tx2"/>
+                </a:solidFill>
+              </a:defRPr>
+            </a:lvl4pPr>
+            <a:lvl5pPr>
+              <a:defRPr>
+                <a:solidFill>
+                  <a:schemeClr val="tx2"/>
+                </a:solidFill>
+              </a:defRPr>
+            </a:lvl5pPr>
+            <a:lvl6pPr>
+              <a:defRPr>
+                <a:solidFill>
+                  <a:schemeClr val="tx2"/>
+                </a:solidFill>
+              </a:defRPr>
+            </a:lvl6pPr>
+            <a:lvl7pPr>
+              <a:defRPr>
+                <a:solidFill>
+                  <a:schemeClr val="tx2"/>
+                </a:solidFill>
+              </a:defRPr>
+            </a:lvl7pPr>
+            <a:lvl8pPr>
+              <a:defRPr>
+                <a:solidFill>
+                  <a:schemeClr val="tx2"/>
+                </a:solidFill>
+              </a:defRPr>
+            </a:lvl8pPr>
+            <a:lvl9pPr>
+              <a:defRPr>
+                <a:solidFill>
+                  <a:schemeClr val="tx2"/>
+                </a:solidFill>
+              </a:defRPr>
+            </a:lvl9pPr>
+          </a:lstStyle>
+          <a:p>
+            <a:pPr lvl="0"/>
+            <a:r>
+              <a:rPr lang="en-US" sz="8000" dirty="0">
+                <a:solidFill>
+                  <a:schemeClr val="tx1"/>
+                </a:solidFill>
+                <a:effectLst/>
+              </a:rPr>
+              <a:t>“</a:t>
+            </a:r>
+          </a:p>
+        </p:txBody>
+      </p:sp>
+      <p:sp>
+        <p:nvSpPr>
+          <p:cNvPr id="15" name="TextBox 14"/>
+          <p:cNvSpPr txBox="1"/>
+          <p:nvPr/>
+        </p:nvSpPr>
+        <p:spPr>
+          <a:xfrm>
+            <a:off x="10893425" y="2819399"/>
+            <a:ext cx="609600" cy="584776"/>
+          </a:xfrm>
+          <a:prstGeom prst="rect">
+            <a:avLst/>
+          </a:prstGeom>
+        </p:spPr>
+        <p:txBody>
+          <a:bodyPr vert="horz" lIns="91440" tIns="45720" rIns="91440" bIns="45720" rtlCol="0" anchor="ctr">
+            <a:noAutofit/>
+          </a:bodyPr>
+          <a:lstStyle>
+            <a:lvl1pPr>
+              <a:spcBef>
+                <a:spcPct val="0"/>
+              </a:spcBef>
+              <a:buNone/>
+              <a:defRPr sz="3200" b="0" cap="all">
+                <a:ln w="3175" cmpd="sng">
+                  <a:noFill/>
+                </a:ln>
+                <a:effectLst>
+                  <a:glow rad="38100">
+                    <a:schemeClr val="bg1">
+                      <a:lumMod val="65000"/>
+                      <a:lumOff val="35000"/>
+                      <a:alpha val="40000"/>
+                    </a:schemeClr>
+                  </a:glow>
+                  <a:outerShdw blurRad="28575" dist="38100" dir="14040000" algn="tl" rotWithShape="0">
+                    <a:srgbClr val="000000">
+                      <a:alpha val="25000"/>
+                    </a:srgbClr>
+                  </a:outerShdw>
+                </a:effectLst>
+              </a:defRPr>
+            </a:lvl1pPr>
+            <a:lvl2pPr>
+              <a:defRPr>
+                <a:solidFill>
+                  <a:schemeClr val="tx2"/>
+                </a:solidFill>
+              </a:defRPr>
+            </a:lvl2pPr>
+            <a:lvl3pPr>
+              <a:defRPr>
+                <a:solidFill>
+                  <a:schemeClr val="tx2"/>
+                </a:solidFill>
+              </a:defRPr>
+            </a:lvl3pPr>
+            <a:lvl4pPr>
+              <a:defRPr>
+                <a:solidFill>
+                  <a:schemeClr val="tx2"/>
+                </a:solidFill>
+              </a:defRPr>
+            </a:lvl4pPr>
+            <a:lvl5pPr>
+              <a:defRPr>
+                <a:solidFill>
+                  <a:schemeClr val="tx2"/>
+                </a:solidFill>
+              </a:defRPr>
+            </a:lvl5pPr>
+            <a:lvl6pPr>
+              <a:defRPr>
+                <a:solidFill>
+                  <a:schemeClr val="tx2"/>
+                </a:solidFill>
+              </a:defRPr>
+            </a:lvl6pPr>
+            <a:lvl7pPr>
+              <a:defRPr>
+                <a:solidFill>
+                  <a:schemeClr val="tx2"/>
+                </a:solidFill>
+              </a:defRPr>
+            </a:lvl7pPr>
+            <a:lvl8pPr>
+              <a:defRPr>
+                <a:solidFill>
+                  <a:schemeClr val="tx2"/>
+                </a:solidFill>
+              </a:defRPr>
+            </a:lvl8pPr>
+            <a:lvl9pPr>
+              <a:defRPr>
+                <a:solidFill>
+                  <a:schemeClr val="tx2"/>
+                </a:solidFill>
+              </a:defRPr>
+            </a:lvl9pPr>
+          </a:lstStyle>
+          <a:p>
+            <a:pPr lvl="0" algn="r"/>
+            <a:r>
+              <a:rPr lang="en-US" sz="8000" dirty="0">
+                <a:solidFill>
+                  <a:schemeClr val="tx1"/>
+                </a:solidFill>
+                <a:effectLst/>
+              </a:rPr>
+              <a:t>”</a:t>
+            </a:r>
+          </a:p>
+        </p:txBody>
+      </p:sp>
+      <p:sp>
+        <p:nvSpPr>
+          <p:cNvPr id="2" name="Title 1"/>
+          <p:cNvSpPr>
+            <a:spLocks noGrp="1"/>
+          </p:cNvSpPr>
+          <p:nvPr>
+            <p:ph type="title"/>
+          </p:nvPr>
+        </p:nvSpPr>
+        <p:spPr>
+          <a:xfrm>
+            <a:off x="2208212" y="685800"/>
+            <a:ext cx="8990012" cy="2743199"/>
+          </a:xfrm>
+        </p:spPr>
+        <p:txBody>
+          <a:bodyPr anchor="ctr">
+            <a:normAutofit/>
+          </a:bodyPr>
+          <a:lstStyle>
+            <a:lvl1pPr algn="ctr">
+              <a:defRPr sz="3200" b="0" cap="none">
+                <a:solidFill>
+                  <a:schemeClr val="tx1"/>
+                </a:solidFill>
+              </a:defRPr>
+            </a:lvl1pPr>
+          </a:lstStyle>
+          <a:p>
+            <a:r>
+              <a:rPr lang="en-US"/>
+              <a:t>Click to edit Master title style</a:t>
+            </a:r>
+            <a:endParaRPr lang="en-US" dirty="0"/>
+          </a:p>
+        </p:txBody>
+      </p:sp>
+      <p:sp>
+        <p:nvSpPr>
+          <p:cNvPr id="10" name="Text Placeholder 9"/>
+          <p:cNvSpPr>
+            <a:spLocks noGrp="1"/>
+          </p:cNvSpPr>
+          <p:nvPr>
+            <p:ph type="body" sz="quarter" idx="13"/>
+          </p:nvPr>
+        </p:nvSpPr>
+        <p:spPr>
+          <a:xfrm>
+            <a:off x="2436811" y="3428999"/>
+            <a:ext cx="8532815" cy="381000"/>
+          </a:xfrm>
+        </p:spPr>
+        <p:txBody>
+          <a:bodyPr anchor="ctr">
+            <a:normAutofit/>
+          </a:bodyPr>
+          <a:lstStyle>
+            <a:lvl1pPr marL="0" indent="0">
+              <a:buFontTx/>
+              <a:buNone/>
+              <a:defRPr sz="1800"/>
+            </a:lvl1pPr>
+            <a:lvl2pPr marL="457200" indent="0">
+              <a:buFontTx/>
+              <a:buNone/>
+              <a:defRPr/>
+            </a:lvl2pPr>
+            <a:lvl3pPr marL="914400" indent="0">
+              <a:buFontTx/>
+              <a:buNone/>
+              <a:defRPr/>
+            </a:lvl3pPr>
+            <a:lvl4pPr marL="1371600" indent="0">
+              <a:buFontTx/>
+              <a:buNone/>
+              <a:defRPr/>
+            </a:lvl4pPr>
+            <a:lvl5pPr marL="1828800" indent="0">
+              <a:buFontTx/>
+              <a:buNone/>
+              <a:defRPr/>
+            </a:lvl5pPr>
+          </a:lstStyle>
+          <a:p>
+            <a:pPr lvl="0"/>
+            <a:r>
+              <a:rPr lang="en-US"/>
+              <a:t>Click to edit Master text styles</a:t>
+            </a:r>
+          </a:p>
+        </p:txBody>
+      </p:sp>
+      <p:sp>
+        <p:nvSpPr>
+          <p:cNvPr id="3" name="Text Placeholder 2"/>
+          <p:cNvSpPr>
+            <a:spLocks noGrp="1"/>
+          </p:cNvSpPr>
+          <p:nvPr>
+            <p:ph type="body" idx="1"/>
+          </p:nvPr>
+        </p:nvSpPr>
+        <p:spPr>
+          <a:xfrm>
+            <a:off x="1484311" y="4343400"/>
+            <a:ext cx="10018711" cy="1447800"/>
+          </a:xfrm>
+        </p:spPr>
+        <p:txBody>
+          <a:bodyPr anchor="ctr">
+            <a:normAutofit/>
+          </a:bodyPr>
+          <a:lstStyle>
+            <a:lvl1pPr marL="0" indent="0" algn="ctr">
+              <a:buNone/>
+              <a:defRPr sz="2000">
+                <a:solidFill>
+                  <a:schemeClr val="tx1"/>
+                </a:solidFill>
+              </a:defRPr>
+            </a:lvl1pPr>
+            <a:lvl2pPr marL="457200" indent="0">
+              <a:buNone/>
+              <a:defRPr sz="1800">
+                <a:solidFill>
+                  <a:schemeClr val="tx1">
+                    <a:tint val="75000"/>
+                  </a:schemeClr>
+                </a:solidFill>
+              </a:defRPr>
+            </a:lvl2pPr>
+            <a:lvl3pPr marL="914400" indent="0">
+              <a:buNone/>
+              <a:defRPr sz="1600">
+                <a:solidFill>
+                  <a:schemeClr val="tx1">
+                    <a:tint val="75000"/>
+                  </a:schemeClr>
+                </a:solidFill>
+              </a:defRPr>
+            </a:lvl3pPr>
+            <a:lvl4pPr marL="1371600" indent="0">
+              <a:buNone/>
+              <a:defRPr sz="1400">
+                <a:solidFill>
+                  <a:schemeClr val="tx1">
+                    <a:tint val="75000"/>
+                  </a:schemeClr>
+                </a:solidFill>
+              </a:defRPr>
+            </a:lvl4pPr>
+            <a:lvl5pPr marL="1828800" indent="0">
+              <a:buNone/>
+              <a:defRPr sz="1400">
+                <a:solidFill>
+                  <a:schemeClr val="tx1">
+                    <a:tint val="75000"/>
+                  </a:schemeClr>
+                </a:solidFill>
+              </a:defRPr>
+            </a:lvl5pPr>
+            <a:lvl6pPr marL="2286000" indent="0">
+              <a:buNone/>
+              <a:defRPr sz="1400">
+                <a:solidFill>
+                  <a:schemeClr val="tx1">
+                    <a:tint val="75000"/>
+                  </a:schemeClr>
+                </a:solidFill>
+              </a:defRPr>
+            </a:lvl6pPr>
+            <a:lvl7pPr marL="2743200" indent="0">
+              <a:buNone/>
+              <a:defRPr sz="1400">
+                <a:solidFill>
+                  <a:schemeClr val="tx1">
+                    <a:tint val="75000"/>
+                  </a:schemeClr>
+                </a:solidFill>
+              </a:defRPr>
+            </a:lvl7pPr>
+            <a:lvl8pPr marL="3200400" indent="0">
+              <a:buNone/>
+              <a:defRPr sz="1400">
+                <a:solidFill>
+                  <a:schemeClr val="tx1">
+                    <a:tint val="75000"/>
+                  </a:schemeClr>
+                </a:solidFill>
+              </a:defRPr>
+            </a:lvl8pPr>
+            <a:lvl9pPr marL="3657600" indent="0">
+              <a:buNone/>
+              <a:defRPr sz="1400">
+                <a:solidFill>
+                  <a:schemeClr val="tx1">
+                    <a:tint val="75000"/>
+                  </a:schemeClr>
+                </a:solidFill>
+              </a:defRPr>
+            </a:lvl9pPr>
+          </a:lstStyle>
+          <a:p>
+            <a:pPr lvl="0"/>
+            <a:r>
+              <a:rPr lang="en-US"/>
+              <a:t>Click to edit Master text styles</a:t>
+            </a:r>
+          </a:p>
+        </p:txBody>
+      </p:sp>
+      <p:sp>
+        <p:nvSpPr>
+          <p:cNvPr id="4" name="Date Placeholder 3"/>
+          <p:cNvSpPr>
+            <a:spLocks noGrp="1"/>
+          </p:cNvSpPr>
+          <p:nvPr>
+            <p:ph type="dt" sz="half" idx="10"/>
+          </p:nvPr>
+        </p:nvSpPr>
+        <p:spPr/>
+        <p:txBody>
+          <a:bodyPr/>
+          <a:lstStyle/>
+          <a:p>
+            <a:fld id="{9C960552-60F5-48AF-A3A9-38C0A7F49CF6}" type="datetimeFigureOut">
+              <a:rPr lang="en-US" smtClean="0"/>
+              <a:t>6/29/2019</a:t>
+            </a:fld>
+            <a:endParaRPr lang="en-US"/>
+          </a:p>
+        </p:txBody>
+      </p:sp>
+      <p:sp>
+        <p:nvSpPr>
+          <p:cNvPr id="5" name="Footer Placeholder 4"/>
+          <p:cNvSpPr>
+            <a:spLocks noGrp="1"/>
+          </p:cNvSpPr>
+          <p:nvPr>
+            <p:ph type="ftr" sz="quarter" idx="11"/>
+          </p:nvPr>
+        </p:nvSpPr>
+        <p:spPr/>
+        <p:txBody>
+          <a:bodyPr/>
+          <a:lstStyle/>
+          <a:p>
+            <a:endParaRPr lang="en-US"/>
+          </a:p>
+        </p:txBody>
+      </p:sp>
+      <p:sp>
+        <p:nvSpPr>
+          <p:cNvPr id="6" name="Slide Number Placeholder 5"/>
+          <p:cNvSpPr>
+            <a:spLocks noGrp="1"/>
+          </p:cNvSpPr>
+          <p:nvPr>
+            <p:ph type="sldNum" sz="quarter" idx="12"/>
+          </p:nvPr>
+        </p:nvSpPr>
+        <p:spPr/>
+        <p:txBody>
+          <a:bodyPr/>
+          <a:lstStyle/>
+          <a:p>
+            <a:fld id="{8E2924BD-83AC-4C3F-9B36-FF4E80586CCF}" type="slidenum">
+              <a:rPr lang="en-US" smtClean="0"/>
+              <a:t>‹#›</a:t>
+            </a:fld>
+            <a:endParaRPr lang="en-US"/>
+          </a:p>
+        </p:txBody>
+      </p:sp>
+    </p:spTree>
+    <p:extLst>
+      <p:ext uri="{BB962C8B-B14F-4D97-AF65-F5344CB8AC3E}">
+        <p14:creationId xmlns:p14="http://schemas.microsoft.com/office/powerpoint/2010/main" val="1734305945"/>
+      </p:ext>
+    </p:extLst>
+  </p:cSld>
+  <p:clrMapOvr>
+    <a:masterClrMapping/>
+  </p:clrMapOvr>
+</p:sldLayout>
+</file>
+
+<file path=ppt/slideLayouts/slideLayout13.xml><?xml version="1.0" encoding="utf-8"?>
+<p:sldLayout xmlns:a="http://schemas.openxmlformats.org/drawingml/2006/main" xmlns:r="http://schemas.openxmlformats.org/officeDocument/2006/relationships" xmlns:p="http://schemas.openxmlformats.org/presentationml/2006/main" preserve="1">
+  <p:cSld name="Name Card">
+    <p:spTree>
+      <p:nvGrpSpPr>
+        <p:cNvPr id="1" name=""/>
+        <p:cNvGrpSpPr/>
+        <p:nvPr/>
+      </p:nvGrpSpPr>
+      <p:grpSpPr>
+        <a:xfrm>
+          <a:off x="0" y="0"/>
+          <a:ext cx="0" cy="0"/>
+          <a:chOff x="0" y="0"/>
+          <a:chExt cx="0" cy="0"/>
+        </a:xfrm>
+      </p:grpSpPr>
+      <p:sp>
+        <p:nvSpPr>
+          <p:cNvPr id="2" name="Title 1"/>
+          <p:cNvSpPr>
+            <a:spLocks noGrp="1"/>
+          </p:cNvSpPr>
+          <p:nvPr>
+            <p:ph type="title"/>
+          </p:nvPr>
+        </p:nvSpPr>
+        <p:spPr>
+          <a:xfrm>
+            <a:off x="1484313" y="3308581"/>
+            <a:ext cx="10018709" cy="1468800"/>
+          </a:xfrm>
+        </p:spPr>
+        <p:txBody>
+          <a:bodyPr anchor="b">
+            <a:normAutofit/>
+          </a:bodyPr>
+          <a:lstStyle>
+            <a:lvl1pPr algn="r">
+              <a:defRPr sz="3200" b="0" cap="none"/>
+            </a:lvl1pPr>
+          </a:lstStyle>
+          <a:p>
+            <a:r>
+              <a:rPr lang="en-US"/>
+              <a:t>Click to edit Master title style</a:t>
+            </a:r>
+            <a:endParaRPr lang="en-US" dirty="0"/>
+          </a:p>
+        </p:txBody>
+      </p:sp>
+      <p:sp>
+        <p:nvSpPr>
+          <p:cNvPr id="3" name="Text Placeholder 2"/>
+          <p:cNvSpPr>
+            <a:spLocks noGrp="1"/>
+          </p:cNvSpPr>
+          <p:nvPr>
+            <p:ph type="body" idx="1"/>
+          </p:nvPr>
+        </p:nvSpPr>
+        <p:spPr>
+          <a:xfrm>
+            <a:off x="1484312" y="4777381"/>
+            <a:ext cx="10018710" cy="860400"/>
+          </a:xfrm>
+        </p:spPr>
+        <p:txBody>
+          <a:bodyPr anchor="t">
+            <a:normAutofit/>
+          </a:bodyPr>
+          <a:lstStyle>
+            <a:lvl1pPr marL="0" indent="0" algn="r">
+              <a:buNone/>
+              <a:defRPr sz="2000">
+                <a:solidFill>
+                  <a:schemeClr val="tx1"/>
+                </a:solidFill>
+              </a:defRPr>
+            </a:lvl1pPr>
+            <a:lvl2pPr marL="457200" indent="0">
+              <a:buNone/>
+              <a:defRPr sz="1800">
+                <a:solidFill>
+                  <a:schemeClr val="tx1">
+                    <a:tint val="75000"/>
+                  </a:schemeClr>
+                </a:solidFill>
+              </a:defRPr>
+            </a:lvl2pPr>
+            <a:lvl3pPr marL="914400" indent="0">
+              <a:buNone/>
+              <a:defRPr sz="1600">
+                <a:solidFill>
+                  <a:schemeClr val="tx1">
+                    <a:tint val="75000"/>
+                  </a:schemeClr>
+                </a:solidFill>
+              </a:defRPr>
+            </a:lvl3pPr>
+            <a:lvl4pPr marL="1371600" indent="0">
+              <a:buNone/>
+              <a:defRPr sz="1400">
+                <a:solidFill>
+                  <a:schemeClr val="tx1">
+                    <a:tint val="75000"/>
+                  </a:schemeClr>
+                </a:solidFill>
+              </a:defRPr>
+            </a:lvl4pPr>
+            <a:lvl5pPr marL="1828800" indent="0">
+              <a:buNone/>
+              <a:defRPr sz="1400">
+                <a:solidFill>
+                  <a:schemeClr val="tx1">
+                    <a:tint val="75000"/>
+                  </a:schemeClr>
+                </a:solidFill>
+              </a:defRPr>
+            </a:lvl5pPr>
+            <a:lvl6pPr marL="2286000" indent="0">
+              <a:buNone/>
+              <a:defRPr sz="1400">
+                <a:solidFill>
+                  <a:schemeClr val="tx1">
+                    <a:tint val="75000"/>
+                  </a:schemeClr>
+                </a:solidFill>
+              </a:defRPr>
+            </a:lvl6pPr>
+            <a:lvl7pPr marL="2743200" indent="0">
+              <a:buNone/>
+              <a:defRPr sz="1400">
+                <a:solidFill>
+                  <a:schemeClr val="tx1">
+                    <a:tint val="75000"/>
+                  </a:schemeClr>
+                </a:solidFill>
+              </a:defRPr>
+            </a:lvl7pPr>
+            <a:lvl8pPr marL="3200400" indent="0">
+              <a:buNone/>
+              <a:defRPr sz="1400">
+                <a:solidFill>
+                  <a:schemeClr val="tx1">
+                    <a:tint val="75000"/>
+                  </a:schemeClr>
+                </a:solidFill>
+              </a:defRPr>
+            </a:lvl8pPr>
+            <a:lvl9pPr marL="3657600" indent="0">
+              <a:buNone/>
+              <a:defRPr sz="1400">
+                <a:solidFill>
+                  <a:schemeClr val="tx1">
+                    <a:tint val="75000"/>
+                  </a:schemeClr>
+                </a:solidFill>
+              </a:defRPr>
+            </a:lvl9pPr>
+          </a:lstStyle>
+          <a:p>
+            <a:pPr lvl="0"/>
+            <a:r>
+              <a:rPr lang="en-US"/>
+              <a:t>Click to edit Master text styles</a:t>
+            </a:r>
+          </a:p>
+        </p:txBody>
+      </p:sp>
+      <p:sp>
+        <p:nvSpPr>
+          <p:cNvPr id="4" name="Date Placeholder 3"/>
+          <p:cNvSpPr>
+            <a:spLocks noGrp="1"/>
+          </p:cNvSpPr>
+          <p:nvPr>
+            <p:ph type="dt" sz="half" idx="10"/>
+          </p:nvPr>
+        </p:nvSpPr>
+        <p:spPr/>
+        <p:txBody>
+          <a:bodyPr/>
+          <a:lstStyle/>
+          <a:p>
+            <a:fld id="{9C960552-60F5-48AF-A3A9-38C0A7F49CF6}" type="datetimeFigureOut">
+              <a:rPr lang="en-US" smtClean="0"/>
+              <a:t>6/29/2019</a:t>
+            </a:fld>
+            <a:endParaRPr lang="en-US"/>
+          </a:p>
+        </p:txBody>
+      </p:sp>
+      <p:sp>
+        <p:nvSpPr>
+          <p:cNvPr id="5" name="Footer Placeholder 4"/>
+          <p:cNvSpPr>
+            <a:spLocks noGrp="1"/>
+          </p:cNvSpPr>
+          <p:nvPr>
+            <p:ph type="ftr" sz="quarter" idx="11"/>
+          </p:nvPr>
+        </p:nvSpPr>
+        <p:spPr/>
+        <p:txBody>
+          <a:bodyPr/>
+          <a:lstStyle/>
+          <a:p>
+            <a:endParaRPr lang="en-US"/>
+          </a:p>
+        </p:txBody>
+      </p:sp>
+      <p:sp>
+        <p:nvSpPr>
+          <p:cNvPr id="6" name="Slide Number Placeholder 5"/>
+          <p:cNvSpPr>
+            <a:spLocks noGrp="1"/>
+          </p:cNvSpPr>
+          <p:nvPr>
+            <p:ph type="sldNum" sz="quarter" idx="12"/>
+          </p:nvPr>
+        </p:nvSpPr>
+        <p:spPr/>
+        <p:txBody>
+          <a:bodyPr/>
+          <a:lstStyle/>
+          <a:p>
+            <a:fld id="{8E2924BD-83AC-4C3F-9B36-FF4E80586CCF}" type="slidenum">
+              <a:rPr lang="en-US" smtClean="0"/>
+              <a:t>‹#›</a:t>
+            </a:fld>
+            <a:endParaRPr lang="en-US"/>
+          </a:p>
+        </p:txBody>
+      </p:sp>
+    </p:spTree>
+    <p:extLst>
+      <p:ext uri="{BB962C8B-B14F-4D97-AF65-F5344CB8AC3E}">
+        <p14:creationId xmlns:p14="http://schemas.microsoft.com/office/powerpoint/2010/main" val="4050088598"/>
+      </p:ext>
+    </p:extLst>
+  </p:cSld>
+  <p:clrMapOvr>
+    <a:masterClrMapping/>
+  </p:clrMapOvr>
+</p:sldLayout>
+</file>
+
+<file path=ppt/slideLayouts/slideLayout14.xml><?xml version="1.0" encoding="utf-8"?>
+<p:sldLayout xmlns:a="http://schemas.openxmlformats.org/drawingml/2006/main" xmlns:r="http://schemas.openxmlformats.org/officeDocument/2006/relationships" xmlns:p="http://schemas.openxmlformats.org/presentationml/2006/main" preserve="1">
+  <p:cSld name="Quote Name Card">
+    <p:spTree>
+      <p:nvGrpSpPr>
+        <p:cNvPr id="1" name=""/>
+        <p:cNvGrpSpPr/>
+        <p:nvPr/>
+      </p:nvGrpSpPr>
+      <p:grpSpPr>
+        <a:xfrm>
+          <a:off x="0" y="0"/>
+          <a:ext cx="0" cy="0"/>
+          <a:chOff x="0" y="0"/>
+          <a:chExt cx="0" cy="0"/>
+        </a:xfrm>
+      </p:grpSpPr>
+      <p:sp>
+        <p:nvSpPr>
+          <p:cNvPr id="14" name="TextBox 13"/>
+          <p:cNvSpPr txBox="1"/>
+          <p:nvPr/>
+        </p:nvSpPr>
+        <p:spPr>
+          <a:xfrm>
+            <a:off x="1598612" y="863023"/>
+            <a:ext cx="609600" cy="584776"/>
+          </a:xfrm>
+          <a:prstGeom prst="rect">
+            <a:avLst/>
+          </a:prstGeom>
+        </p:spPr>
+        <p:txBody>
+          <a:bodyPr vert="horz" lIns="91440" tIns="45720" rIns="91440" bIns="45720" rtlCol="0" anchor="ctr">
+            <a:noAutofit/>
+          </a:bodyPr>
+          <a:lstStyle>
+            <a:lvl1pPr>
+              <a:spcBef>
+                <a:spcPct val="0"/>
+              </a:spcBef>
+              <a:buNone/>
+              <a:defRPr sz="3200" b="0" cap="all">
+                <a:ln w="3175" cmpd="sng">
+                  <a:noFill/>
+                </a:ln>
+                <a:effectLst>
+                  <a:glow rad="38100">
+                    <a:schemeClr val="bg1">
+                      <a:lumMod val="65000"/>
+                      <a:lumOff val="35000"/>
+                      <a:alpha val="40000"/>
+                    </a:schemeClr>
+                  </a:glow>
+                  <a:outerShdw blurRad="28575" dist="38100" dir="14040000" algn="tl" rotWithShape="0">
+                    <a:srgbClr val="000000">
+                      <a:alpha val="25000"/>
+                    </a:srgbClr>
+                  </a:outerShdw>
+                </a:effectLst>
+              </a:defRPr>
+            </a:lvl1pPr>
+            <a:lvl2pPr>
+              <a:defRPr>
+                <a:solidFill>
+                  <a:schemeClr val="tx2"/>
+                </a:solidFill>
+              </a:defRPr>
+            </a:lvl2pPr>
+            <a:lvl3pPr>
+              <a:defRPr>
+                <a:solidFill>
+                  <a:schemeClr val="tx2"/>
+                </a:solidFill>
+              </a:defRPr>
+            </a:lvl3pPr>
+            <a:lvl4pPr>
+              <a:defRPr>
+                <a:solidFill>
+                  <a:schemeClr val="tx2"/>
+                </a:solidFill>
+              </a:defRPr>
+            </a:lvl4pPr>
+            <a:lvl5pPr>
+              <a:defRPr>
+                <a:solidFill>
+                  <a:schemeClr val="tx2"/>
+                </a:solidFill>
+              </a:defRPr>
+            </a:lvl5pPr>
+            <a:lvl6pPr>
+              <a:defRPr>
+                <a:solidFill>
+                  <a:schemeClr val="tx2"/>
+                </a:solidFill>
+              </a:defRPr>
+            </a:lvl6pPr>
+            <a:lvl7pPr>
+              <a:defRPr>
+                <a:solidFill>
+                  <a:schemeClr val="tx2"/>
+                </a:solidFill>
+              </a:defRPr>
+            </a:lvl7pPr>
+            <a:lvl8pPr>
+              <a:defRPr>
+                <a:solidFill>
+                  <a:schemeClr val="tx2"/>
+                </a:solidFill>
+              </a:defRPr>
+            </a:lvl8pPr>
+            <a:lvl9pPr>
+              <a:defRPr>
+                <a:solidFill>
+                  <a:schemeClr val="tx2"/>
+                </a:solidFill>
+              </a:defRPr>
+            </a:lvl9pPr>
+          </a:lstStyle>
+          <a:p>
+            <a:pPr lvl="0"/>
+            <a:r>
+              <a:rPr lang="en-US" sz="8000" dirty="0">
+                <a:solidFill>
+                  <a:schemeClr val="tx1"/>
+                </a:solidFill>
+                <a:effectLst/>
+              </a:rPr>
+              <a:t>“</a:t>
+            </a:r>
+          </a:p>
+        </p:txBody>
+      </p:sp>
+      <p:sp>
+        <p:nvSpPr>
+          <p:cNvPr id="15" name="TextBox 14"/>
+          <p:cNvSpPr txBox="1"/>
+          <p:nvPr/>
+        </p:nvSpPr>
+        <p:spPr>
+          <a:xfrm>
+            <a:off x="10893425" y="2819399"/>
+            <a:ext cx="609600" cy="584776"/>
+          </a:xfrm>
+          <a:prstGeom prst="rect">
+            <a:avLst/>
+          </a:prstGeom>
+        </p:spPr>
+        <p:txBody>
+          <a:bodyPr vert="horz" lIns="91440" tIns="45720" rIns="91440" bIns="45720" rtlCol="0" anchor="ctr">
+            <a:noAutofit/>
+          </a:bodyPr>
+          <a:lstStyle>
+            <a:lvl1pPr>
+              <a:spcBef>
+                <a:spcPct val="0"/>
+              </a:spcBef>
+              <a:buNone/>
+              <a:defRPr sz="3200" b="0" cap="all">
+                <a:ln w="3175" cmpd="sng">
+                  <a:noFill/>
+                </a:ln>
+                <a:effectLst>
+                  <a:glow rad="38100">
+                    <a:schemeClr val="bg1">
+                      <a:lumMod val="65000"/>
+                      <a:lumOff val="35000"/>
+                      <a:alpha val="40000"/>
+                    </a:schemeClr>
+                  </a:glow>
+                  <a:outerShdw blurRad="28575" dist="38100" dir="14040000" algn="tl" rotWithShape="0">
+                    <a:srgbClr val="000000">
+                      <a:alpha val="25000"/>
+                    </a:srgbClr>
+                  </a:outerShdw>
+                </a:effectLst>
+              </a:defRPr>
+            </a:lvl1pPr>
+            <a:lvl2pPr>
+              <a:defRPr>
+                <a:solidFill>
+                  <a:schemeClr val="tx2"/>
+                </a:solidFill>
+              </a:defRPr>
+            </a:lvl2pPr>
+            <a:lvl3pPr>
+              <a:defRPr>
+                <a:solidFill>
+                  <a:schemeClr val="tx2"/>
+                </a:solidFill>
+              </a:defRPr>
+            </a:lvl3pPr>
+            <a:lvl4pPr>
+              <a:defRPr>
+                <a:solidFill>
+                  <a:schemeClr val="tx2"/>
+                </a:solidFill>
+              </a:defRPr>
+            </a:lvl4pPr>
+            <a:lvl5pPr>
+              <a:defRPr>
+                <a:solidFill>
+                  <a:schemeClr val="tx2"/>
+                </a:solidFill>
+              </a:defRPr>
+            </a:lvl5pPr>
+            <a:lvl6pPr>
+              <a:defRPr>
+                <a:solidFill>
+                  <a:schemeClr val="tx2"/>
+                </a:solidFill>
+              </a:defRPr>
+            </a:lvl6pPr>
+            <a:lvl7pPr>
+              <a:defRPr>
+                <a:solidFill>
+                  <a:schemeClr val="tx2"/>
+                </a:solidFill>
+              </a:defRPr>
+            </a:lvl7pPr>
+            <a:lvl8pPr>
+              <a:defRPr>
+                <a:solidFill>
+                  <a:schemeClr val="tx2"/>
+                </a:solidFill>
+              </a:defRPr>
+            </a:lvl8pPr>
+            <a:lvl9pPr>
+              <a:defRPr>
+                <a:solidFill>
+                  <a:schemeClr val="tx2"/>
+                </a:solidFill>
+              </a:defRPr>
+            </a:lvl9pPr>
+          </a:lstStyle>
+          <a:p>
+            <a:pPr lvl="0" algn="r"/>
+            <a:r>
+              <a:rPr lang="en-US" sz="8000" dirty="0">
+                <a:solidFill>
+                  <a:schemeClr val="tx1"/>
+                </a:solidFill>
+                <a:effectLst/>
+              </a:rPr>
+              <a:t>”</a:t>
+            </a:r>
+          </a:p>
+        </p:txBody>
+      </p:sp>
+      <p:sp>
+        <p:nvSpPr>
+          <p:cNvPr id="2" name="Title 1"/>
+          <p:cNvSpPr>
+            <a:spLocks noGrp="1"/>
+          </p:cNvSpPr>
+          <p:nvPr>
+            <p:ph type="title"/>
+          </p:nvPr>
+        </p:nvSpPr>
+        <p:spPr>
+          <a:xfrm>
+            <a:off x="2208212" y="685800"/>
+            <a:ext cx="8990012" cy="2743199"/>
+          </a:xfrm>
+        </p:spPr>
+        <p:txBody>
+          <a:bodyPr anchor="ctr">
+            <a:normAutofit/>
+          </a:bodyPr>
+          <a:lstStyle>
+            <a:lvl1pPr algn="ctr">
+              <a:defRPr sz="3200" b="0" cap="none">
+                <a:solidFill>
+                  <a:schemeClr val="tx1"/>
+                </a:solidFill>
+              </a:defRPr>
+            </a:lvl1pPr>
+          </a:lstStyle>
+          <a:p>
+            <a:r>
+              <a:rPr lang="en-US"/>
+              <a:t>Click to edit Master title style</a:t>
+            </a:r>
+            <a:endParaRPr lang="en-US" dirty="0"/>
+          </a:p>
+        </p:txBody>
+      </p:sp>
+      <p:sp>
+        <p:nvSpPr>
+          <p:cNvPr id="10" name="Text Placeholder 9"/>
+          <p:cNvSpPr>
+            <a:spLocks noGrp="1"/>
+          </p:cNvSpPr>
+          <p:nvPr>
+            <p:ph type="body" sz="quarter" idx="13"/>
+          </p:nvPr>
+        </p:nvSpPr>
+        <p:spPr>
+          <a:xfrm>
+            <a:off x="1484313" y="3886200"/>
+            <a:ext cx="10018710" cy="889000"/>
+          </a:xfrm>
+        </p:spPr>
+        <p:txBody>
+          <a:bodyPr vert="horz" lIns="91440" tIns="45720" rIns="91440" bIns="45720" rtlCol="0" anchor="b">
+            <a:normAutofit/>
+          </a:bodyPr>
+          <a:lstStyle>
+            <a:lvl1pPr algn="r">
+              <a:buNone/>
+              <a:defRPr lang="en-US" sz="2400" b="0" cap="none" dirty="0">
+                <a:ln w="3175" cmpd="sng">
+                  <a:noFill/>
+                </a:ln>
+                <a:solidFill>
+                  <a:schemeClr val="tx1"/>
+                </a:solidFill>
+                <a:effectLst/>
+              </a:defRPr>
+            </a:lvl1pPr>
+          </a:lstStyle>
+          <a:p>
+            <a:pPr marL="0" lvl="0">
+              <a:spcBef>
+                <a:spcPct val="0"/>
+              </a:spcBef>
+              <a:buNone/>
+            </a:pPr>
+            <a:r>
+              <a:rPr lang="en-US"/>
+              <a:t>Click to edit Master text styles</a:t>
+            </a:r>
+          </a:p>
+        </p:txBody>
+      </p:sp>
+      <p:sp>
+        <p:nvSpPr>
+          <p:cNvPr id="3" name="Text Placeholder 2"/>
+          <p:cNvSpPr>
+            <a:spLocks noGrp="1"/>
+          </p:cNvSpPr>
+          <p:nvPr>
+            <p:ph type="body" idx="1"/>
+          </p:nvPr>
+        </p:nvSpPr>
+        <p:spPr>
+          <a:xfrm>
+            <a:off x="1484312" y="4775200"/>
+            <a:ext cx="10018710" cy="1016000"/>
+          </a:xfrm>
+        </p:spPr>
+        <p:txBody>
+          <a:bodyPr anchor="t">
+            <a:normAutofit/>
+          </a:bodyPr>
+          <a:lstStyle>
+            <a:lvl1pPr marL="0" indent="0" algn="r">
+              <a:buNone/>
+              <a:defRPr sz="1800">
+                <a:solidFill>
+                  <a:schemeClr val="tx1"/>
+                </a:solidFill>
+              </a:defRPr>
+            </a:lvl1pPr>
+            <a:lvl2pPr marL="457200" indent="0">
+              <a:buNone/>
+              <a:defRPr sz="1800">
+                <a:solidFill>
+                  <a:schemeClr val="tx1">
+                    <a:tint val="75000"/>
+                  </a:schemeClr>
+                </a:solidFill>
+              </a:defRPr>
+            </a:lvl2pPr>
+            <a:lvl3pPr marL="914400" indent="0">
+              <a:buNone/>
+              <a:defRPr sz="1600">
+                <a:solidFill>
+                  <a:schemeClr val="tx1">
+                    <a:tint val="75000"/>
+                  </a:schemeClr>
+                </a:solidFill>
+              </a:defRPr>
+            </a:lvl3pPr>
+            <a:lvl4pPr marL="1371600" indent="0">
+              <a:buNone/>
+              <a:defRPr sz="1400">
+                <a:solidFill>
+                  <a:schemeClr val="tx1">
+                    <a:tint val="75000"/>
+                  </a:schemeClr>
+                </a:solidFill>
+              </a:defRPr>
+            </a:lvl4pPr>
+            <a:lvl5pPr marL="1828800" indent="0">
+              <a:buNone/>
+              <a:defRPr sz="1400">
+                <a:solidFill>
+                  <a:schemeClr val="tx1">
+                    <a:tint val="75000"/>
+                  </a:schemeClr>
+                </a:solidFill>
+              </a:defRPr>
+            </a:lvl5pPr>
+            <a:lvl6pPr marL="2286000" indent="0">
+              <a:buNone/>
+              <a:defRPr sz="1400">
+                <a:solidFill>
+                  <a:schemeClr val="tx1">
+                    <a:tint val="75000"/>
+                  </a:schemeClr>
+                </a:solidFill>
+              </a:defRPr>
+            </a:lvl6pPr>
+            <a:lvl7pPr marL="2743200" indent="0">
+              <a:buNone/>
+              <a:defRPr sz="1400">
+                <a:solidFill>
+                  <a:schemeClr val="tx1">
+                    <a:tint val="75000"/>
+                  </a:schemeClr>
+                </a:solidFill>
+              </a:defRPr>
+            </a:lvl7pPr>
+            <a:lvl8pPr marL="3200400" indent="0">
+              <a:buNone/>
+              <a:defRPr sz="1400">
+                <a:solidFill>
+                  <a:schemeClr val="tx1">
+                    <a:tint val="75000"/>
+                  </a:schemeClr>
+                </a:solidFill>
+              </a:defRPr>
+            </a:lvl8pPr>
+            <a:lvl9pPr marL="3657600" indent="0">
+              <a:buNone/>
+              <a:defRPr sz="1400">
+                <a:solidFill>
+                  <a:schemeClr val="tx1">
+                    <a:tint val="75000"/>
+                  </a:schemeClr>
+                </a:solidFill>
+              </a:defRPr>
+            </a:lvl9pPr>
+          </a:lstStyle>
+          <a:p>
+            <a:pPr lvl="0"/>
+            <a:r>
+              <a:rPr lang="en-US"/>
+              <a:t>Click to edit Master text styles</a:t>
+            </a:r>
+          </a:p>
+        </p:txBody>
+      </p:sp>
+      <p:sp>
+        <p:nvSpPr>
+          <p:cNvPr id="4" name="Date Placeholder 3"/>
+          <p:cNvSpPr>
+            <a:spLocks noGrp="1"/>
+          </p:cNvSpPr>
+          <p:nvPr>
+            <p:ph type="dt" sz="half" idx="10"/>
+          </p:nvPr>
+        </p:nvSpPr>
+        <p:spPr/>
+        <p:txBody>
+          <a:bodyPr/>
+          <a:lstStyle/>
+          <a:p>
+            <a:fld id="{9C960552-60F5-48AF-A3A9-38C0A7F49CF6}" type="datetimeFigureOut">
+              <a:rPr lang="en-US" smtClean="0"/>
+              <a:t>6/29/2019</a:t>
+            </a:fld>
+            <a:endParaRPr lang="en-US"/>
+          </a:p>
+        </p:txBody>
+      </p:sp>
+      <p:sp>
+        <p:nvSpPr>
+          <p:cNvPr id="5" name="Footer Placeholder 4"/>
+          <p:cNvSpPr>
+            <a:spLocks noGrp="1"/>
+          </p:cNvSpPr>
+          <p:nvPr>
+            <p:ph type="ftr" sz="quarter" idx="11"/>
+          </p:nvPr>
+        </p:nvSpPr>
+        <p:spPr/>
+        <p:txBody>
+          <a:bodyPr/>
+          <a:lstStyle/>
+          <a:p>
+            <a:endParaRPr lang="en-US"/>
+          </a:p>
+        </p:txBody>
+      </p:sp>
+      <p:sp>
+        <p:nvSpPr>
+          <p:cNvPr id="6" name="Slide Number Placeholder 5"/>
+          <p:cNvSpPr>
+            <a:spLocks noGrp="1"/>
+          </p:cNvSpPr>
+          <p:nvPr>
+            <p:ph type="sldNum" sz="quarter" idx="12"/>
+          </p:nvPr>
+        </p:nvSpPr>
+        <p:spPr/>
+        <p:txBody>
+          <a:bodyPr/>
+          <a:lstStyle/>
+          <a:p>
+            <a:fld id="{8E2924BD-83AC-4C3F-9B36-FF4E80586CCF}" type="slidenum">
+              <a:rPr lang="en-US" smtClean="0"/>
+              <a:t>‹#›</a:t>
+            </a:fld>
+            <a:endParaRPr lang="en-US"/>
+          </a:p>
+        </p:txBody>
+      </p:sp>
+    </p:spTree>
+    <p:extLst>
+      <p:ext uri="{BB962C8B-B14F-4D97-AF65-F5344CB8AC3E}">
+        <p14:creationId xmlns:p14="http://schemas.microsoft.com/office/powerpoint/2010/main" val="1094536301"/>
+      </p:ext>
+    </p:extLst>
+  </p:cSld>
+  <p:clrMapOvr>
+    <a:masterClrMapping/>
+  </p:clrMapOvr>
+</p:sldLayout>
+</file>
+
+<file path=ppt/slideLayouts/slideLayout15.xml><?xml version="1.0" encoding="utf-8"?>
+<p:sldLayout xmlns:a="http://schemas.openxmlformats.org/drawingml/2006/main" xmlns:r="http://schemas.openxmlformats.org/officeDocument/2006/relationships" xmlns:p="http://schemas.openxmlformats.org/presentationml/2006/main" preserve="1">
+  <p:cSld name="True or False">
+    <p:spTree>
+      <p:nvGrpSpPr>
+        <p:cNvPr id="1" name=""/>
+        <p:cNvGrpSpPr/>
+        <p:nvPr/>
+      </p:nvGrpSpPr>
+      <p:grpSpPr>
+        <a:xfrm>
+          <a:off x="0" y="0"/>
+          <a:ext cx="0" cy="0"/>
+          <a:chOff x="0" y="0"/>
+          <a:chExt cx="0" cy="0"/>
+        </a:xfrm>
+      </p:grpSpPr>
+      <p:sp>
+        <p:nvSpPr>
+          <p:cNvPr id="2" name="Title 1"/>
+          <p:cNvSpPr>
+            <a:spLocks noGrp="1"/>
+          </p:cNvSpPr>
+          <p:nvPr>
+            <p:ph type="title"/>
+          </p:nvPr>
+        </p:nvSpPr>
+        <p:spPr>
+          <a:xfrm>
+            <a:off x="1484313" y="685800"/>
+            <a:ext cx="10018712" cy="2727325"/>
+          </a:xfrm>
+        </p:spPr>
+        <p:txBody>
+          <a:bodyPr vert="horz" lIns="91440" tIns="45720" rIns="91440" bIns="45720" rtlCol="0" anchor="ctr">
+            <a:normAutofit/>
+          </a:bodyPr>
+          <a:lstStyle>
+            <a:lvl1pPr>
+              <a:defRPr lang="en-US" b="0" dirty="0"/>
+            </a:lvl1pPr>
+          </a:lstStyle>
+          <a:p>
+            <a:pPr marL="0" lvl="0"/>
+            <a:r>
+              <a:rPr lang="en-US"/>
+              <a:t>Click to edit Master title style</a:t>
+            </a:r>
+            <a:endParaRPr lang="en-US" dirty="0"/>
+          </a:p>
+        </p:txBody>
+      </p:sp>
+      <p:sp>
+        <p:nvSpPr>
+          <p:cNvPr id="10" name="Text Placeholder 9"/>
+          <p:cNvSpPr>
+            <a:spLocks noGrp="1"/>
+          </p:cNvSpPr>
+          <p:nvPr>
+            <p:ph type="body" sz="quarter" idx="13"/>
+          </p:nvPr>
+        </p:nvSpPr>
+        <p:spPr>
+          <a:xfrm>
+            <a:off x="1484312" y="3505200"/>
+            <a:ext cx="10018713" cy="838200"/>
+          </a:xfrm>
+        </p:spPr>
+        <p:txBody>
+          <a:bodyPr vert="horz" lIns="91440" tIns="45720" rIns="91440" bIns="45720" rtlCol="0" anchor="b">
+            <a:normAutofit/>
+          </a:bodyPr>
+          <a:lstStyle>
+            <a:lvl1pPr>
+              <a:buNone/>
+              <a:defRPr lang="en-US" sz="2800" b="0" cap="none" dirty="0">
+                <a:ln w="3175" cmpd="sng">
+                  <a:noFill/>
+                </a:ln>
+                <a:solidFill>
+                  <a:schemeClr val="tx1"/>
+                </a:solidFill>
+                <a:effectLst/>
+              </a:defRPr>
+            </a:lvl1pPr>
+          </a:lstStyle>
+          <a:p>
+            <a:pPr marL="0" lvl="0">
+              <a:spcBef>
+                <a:spcPct val="0"/>
+              </a:spcBef>
+              <a:buNone/>
+            </a:pPr>
+            <a:r>
+              <a:rPr lang="en-US"/>
+              <a:t>Click to edit Master text styles</a:t>
+            </a:r>
+          </a:p>
+        </p:txBody>
+      </p:sp>
+      <p:sp>
+        <p:nvSpPr>
+          <p:cNvPr id="3" name="Text Placeholder 2"/>
+          <p:cNvSpPr>
+            <a:spLocks noGrp="1"/>
+          </p:cNvSpPr>
+          <p:nvPr>
+            <p:ph type="body" idx="1"/>
+          </p:nvPr>
+        </p:nvSpPr>
+        <p:spPr>
+          <a:xfrm>
+            <a:off x="1484311" y="4343400"/>
+            <a:ext cx="10018713" cy="1447800"/>
+          </a:xfrm>
+        </p:spPr>
+        <p:txBody>
+          <a:bodyPr anchor="t">
+            <a:normAutofit/>
+          </a:bodyPr>
+          <a:lstStyle>
+            <a:lvl1pPr marL="0" indent="0" algn="l">
+              <a:buNone/>
+              <a:defRPr sz="1800">
+                <a:solidFill>
+                  <a:schemeClr val="tx1"/>
+                </a:solidFill>
+              </a:defRPr>
+            </a:lvl1pPr>
+            <a:lvl2pPr marL="457200" indent="0">
+              <a:buNone/>
+              <a:defRPr sz="1800">
+                <a:solidFill>
+                  <a:schemeClr val="tx1">
+                    <a:tint val="75000"/>
+                  </a:schemeClr>
+                </a:solidFill>
+              </a:defRPr>
+            </a:lvl2pPr>
+            <a:lvl3pPr marL="914400" indent="0">
+              <a:buNone/>
+              <a:defRPr sz="1600">
+                <a:solidFill>
+                  <a:schemeClr val="tx1">
+                    <a:tint val="75000"/>
+                  </a:schemeClr>
+                </a:solidFill>
+              </a:defRPr>
+            </a:lvl3pPr>
+            <a:lvl4pPr marL="1371600" indent="0">
+              <a:buNone/>
+              <a:defRPr sz="1400">
+                <a:solidFill>
+                  <a:schemeClr val="tx1">
+                    <a:tint val="75000"/>
+                  </a:schemeClr>
+                </a:solidFill>
+              </a:defRPr>
+            </a:lvl4pPr>
+            <a:lvl5pPr marL="1828800" indent="0">
+              <a:buNone/>
+              <a:defRPr sz="1400">
+                <a:solidFill>
+                  <a:schemeClr val="tx1">
+                    <a:tint val="75000"/>
+                  </a:schemeClr>
+                </a:solidFill>
+              </a:defRPr>
+            </a:lvl5pPr>
+            <a:lvl6pPr marL="2286000" indent="0">
+              <a:buNone/>
+              <a:defRPr sz="1400">
+                <a:solidFill>
+                  <a:schemeClr val="tx1">
+                    <a:tint val="75000"/>
+                  </a:schemeClr>
+                </a:solidFill>
+              </a:defRPr>
+            </a:lvl6pPr>
+            <a:lvl7pPr marL="2743200" indent="0">
+              <a:buNone/>
+              <a:defRPr sz="1400">
+                <a:solidFill>
+                  <a:schemeClr val="tx1">
+                    <a:tint val="75000"/>
+                  </a:schemeClr>
+                </a:solidFill>
+              </a:defRPr>
+            </a:lvl7pPr>
+            <a:lvl8pPr marL="3200400" indent="0">
+              <a:buNone/>
+              <a:defRPr sz="1400">
+                <a:solidFill>
+                  <a:schemeClr val="tx1">
+                    <a:tint val="75000"/>
+                  </a:schemeClr>
+                </a:solidFill>
+              </a:defRPr>
+            </a:lvl8pPr>
+            <a:lvl9pPr marL="3657600" indent="0">
+              <a:buNone/>
+              <a:defRPr sz="1400">
+                <a:solidFill>
+                  <a:schemeClr val="tx1">
+                    <a:tint val="75000"/>
+                  </a:schemeClr>
+                </a:solidFill>
+              </a:defRPr>
+            </a:lvl9pPr>
+          </a:lstStyle>
+          <a:p>
+            <a:pPr lvl="0"/>
+            <a:r>
+              <a:rPr lang="en-US"/>
+              <a:t>Click to edit Master text styles</a:t>
+            </a:r>
+          </a:p>
+        </p:txBody>
+      </p:sp>
+      <p:sp>
+        <p:nvSpPr>
+          <p:cNvPr id="4" name="Date Placeholder 3"/>
+          <p:cNvSpPr>
+            <a:spLocks noGrp="1"/>
+          </p:cNvSpPr>
+          <p:nvPr>
+            <p:ph type="dt" sz="half" idx="10"/>
+          </p:nvPr>
+        </p:nvSpPr>
+        <p:spPr/>
+        <p:txBody>
+          <a:bodyPr/>
+          <a:lstStyle/>
+          <a:p>
+            <a:fld id="{9C960552-60F5-48AF-A3A9-38C0A7F49CF6}" type="datetimeFigureOut">
+              <a:rPr lang="en-US" smtClean="0"/>
+              <a:t>6/29/2019</a:t>
+            </a:fld>
+            <a:endParaRPr lang="en-US"/>
+          </a:p>
+        </p:txBody>
+      </p:sp>
+      <p:sp>
+        <p:nvSpPr>
+          <p:cNvPr id="5" name="Footer Placeholder 4"/>
+          <p:cNvSpPr>
+            <a:spLocks noGrp="1"/>
+          </p:cNvSpPr>
+          <p:nvPr>
+            <p:ph type="ftr" sz="quarter" idx="11"/>
+          </p:nvPr>
+        </p:nvSpPr>
+        <p:spPr/>
+        <p:txBody>
+          <a:bodyPr/>
+          <a:lstStyle/>
+          <a:p>
+            <a:endParaRPr lang="en-US"/>
+          </a:p>
+        </p:txBody>
+      </p:sp>
+      <p:sp>
+        <p:nvSpPr>
+          <p:cNvPr id="6" name="Slide Number Placeholder 5"/>
+          <p:cNvSpPr>
+            <a:spLocks noGrp="1"/>
+          </p:cNvSpPr>
+          <p:nvPr>
+            <p:ph type="sldNum" sz="quarter" idx="12"/>
+          </p:nvPr>
+        </p:nvSpPr>
+        <p:spPr/>
+        <p:txBody>
+          <a:bodyPr/>
+          <a:lstStyle/>
+          <a:p>
+            <a:fld id="{8E2924BD-83AC-4C3F-9B36-FF4E80586CCF}" type="slidenum">
+              <a:rPr lang="en-US" smtClean="0"/>
+              <a:t>‹#›</a:t>
+            </a:fld>
+            <a:endParaRPr lang="en-US"/>
+          </a:p>
+        </p:txBody>
+      </p:sp>
+    </p:spTree>
+    <p:extLst>
+      <p:ext uri="{BB962C8B-B14F-4D97-AF65-F5344CB8AC3E}">
+        <p14:creationId xmlns:p14="http://schemas.microsoft.com/office/powerpoint/2010/main" val="1047190538"/>
+      </p:ext>
+    </p:extLst>
+  </p:cSld>
+  <p:clrMapOvr>
+    <a:masterClrMapping/>
+  </p:clrMapOvr>
+</p:sldLayout>
+</file>
+
+<file path=ppt/slideLayouts/slideLayout16.xml><?xml version="1.0" encoding="utf-8"?>
 <p:sldLayout xmlns:a="http://schemas.openxmlformats.org/drawingml/2006/main" xmlns:r="http://schemas.openxmlformats.org/officeDocument/2006/relationships" xmlns:p="http://schemas.openxmlformats.org/presentationml/2006/main" type="vertTx" preserve="1">
   <p:cSld name="Title and Vertical Text">
     <p:spTree>
@@ -351,13 +2863,7 @@
       </p:grpSpPr>
       <p:sp>
         <p:nvSpPr>
-          <p:cNvPr id="2" name="Title 1">
-            <a:extLst>
-              <a:ext uri="{FF2B5EF4-FFF2-40B4-BE49-F238E27FC236}">
-                <a16:creationId xmlns:a16="http://schemas.microsoft.com/office/drawing/2014/main" id="{3EFEDADA-6E15-4928-B75D-69A98D4F9C35}"/>
-              </a:ext>
-            </a:extLst>
-          </p:cNvPr>
+          <p:cNvPr id="2" name="Title 1"/>
           <p:cNvSpPr>
             <a:spLocks noGrp="1"/>
           </p:cNvSpPr>
@@ -368,24 +2874,23 @@
         <p:spPr/>
         <p:txBody>
           <a:bodyPr/>
-          <a:lstStyle/>
+          <a:lstStyle>
+            <a:lvl1pPr algn="ctr">
+              <a:defRPr/>
+            </a:lvl1pPr>
+          </a:lstStyle>
           <a:p>
             <a:r>
               <a:rPr lang="en-US"/>
               <a:t>Click to edit Master title style</a:t>
             </a:r>
-          </a:p>
-        </p:txBody>
-      </p:sp>
-      <p:sp>
-        <p:nvSpPr>
-          <p:cNvPr id="3" name="Vertical Text Placeholder 2">
-            <a:extLst>
-              <a:ext uri="{FF2B5EF4-FFF2-40B4-BE49-F238E27FC236}">
-                <a16:creationId xmlns:a16="http://schemas.microsoft.com/office/drawing/2014/main" id="{BD6C51B2-BD75-48B9-A514-BC8BA04A982D}"/>
-              </a:ext>
-            </a:extLst>
-          </p:cNvPr>
+            <a:endParaRPr lang="en-US" dirty="0"/>
+          </a:p>
+        </p:txBody>
+      </p:sp>
+      <p:sp>
+        <p:nvSpPr>
+          <p:cNvPr id="3" name="Vertical Text Placeholder 2"/>
           <p:cNvSpPr>
             <a:spLocks noGrp="1"/>
           </p:cNvSpPr>
@@ -395,7 +2900,7 @@
         </p:nvSpPr>
         <p:spPr/>
         <p:txBody>
-          <a:bodyPr vert="eaVert"/>
+          <a:bodyPr vert="eaVert" anchor="t"/>
           <a:lstStyle/>
           <a:p>
             <a:pPr lvl="0"/>
@@ -431,18 +2936,13 @@
               <a:rPr lang="en-US"/>
               <a:t>Fifth level</a:t>
             </a:r>
-          </a:p>
-        </p:txBody>
-      </p:sp>
-      <p:sp>
-        <p:nvSpPr>
-          <p:cNvPr id="4" name="Date Placeholder 3">
-            <a:extLst>
-              <a:ext uri="{FF2B5EF4-FFF2-40B4-BE49-F238E27FC236}">
-                <a16:creationId xmlns:a16="http://schemas.microsoft.com/office/drawing/2014/main" id="{0FB4D327-1B89-4A23-9C68-D39CFC450098}"/>
-              </a:ext>
-            </a:extLst>
-          </p:cNvPr>
+            <a:endParaRPr lang="en-US" dirty="0"/>
+          </a:p>
+        </p:txBody>
+      </p:sp>
+      <p:sp>
+        <p:nvSpPr>
+          <p:cNvPr id="4" name="Date Placeholder 3"/>
           <p:cNvSpPr>
             <a:spLocks noGrp="1"/>
           </p:cNvSpPr>
@@ -457,7 +2957,7 @@
           <a:p>
             <a:fld id="{9C960552-60F5-48AF-A3A9-38C0A7F49CF6}" type="datetimeFigureOut">
               <a:rPr lang="en-US" smtClean="0"/>
-              <a:t>6/26/2019</a:t>
+              <a:t>6/29/2019</a:t>
             </a:fld>
             <a:endParaRPr lang="en-US"/>
           </a:p>
@@ -465,13 +2965,7 @@
       </p:sp>
       <p:sp>
         <p:nvSpPr>
-          <p:cNvPr id="5" name="Footer Placeholder 4">
-            <a:extLst>
-              <a:ext uri="{FF2B5EF4-FFF2-40B4-BE49-F238E27FC236}">
-                <a16:creationId xmlns:a16="http://schemas.microsoft.com/office/drawing/2014/main" id="{DF4E4576-8A94-4849-97AC-99787DEF379E}"/>
-              </a:ext>
-            </a:extLst>
-          </p:cNvPr>
+          <p:cNvPr id="5" name="Footer Placeholder 4"/>
           <p:cNvSpPr>
             <a:spLocks noGrp="1"/>
           </p:cNvSpPr>
@@ -490,13 +2984,7 @@
       </p:sp>
       <p:sp>
         <p:nvSpPr>
-          <p:cNvPr id="6" name="Slide Number Placeholder 5">
-            <a:extLst>
-              <a:ext uri="{FF2B5EF4-FFF2-40B4-BE49-F238E27FC236}">
-                <a16:creationId xmlns:a16="http://schemas.microsoft.com/office/drawing/2014/main" id="{207020A4-01C4-4138-950A-32C1A6B6DB48}"/>
-              </a:ext>
-            </a:extLst>
-          </p:cNvPr>
+          <p:cNvPr id="6" name="Slide Number Placeholder 5"/>
           <p:cNvSpPr>
             <a:spLocks noGrp="1"/>
           </p:cNvSpPr>
@@ -520,7 +3008,7 @@
     </p:spTree>
     <p:extLst>
       <p:ext uri="{BB962C8B-B14F-4D97-AF65-F5344CB8AC3E}">
-        <p14:creationId xmlns:p14="http://schemas.microsoft.com/office/powerpoint/2010/main" val="1376968849"/>
+        <p14:creationId xmlns:p14="http://schemas.microsoft.com/office/powerpoint/2010/main" val="3400252169"/>
       </p:ext>
     </p:extLst>
   </p:cSld>
@@ -530,7 +3018,7 @@
 </p:sldLayout>
 </file>
 
-<file path=ppt/slideLayouts/slideLayout11.xml><?xml version="1.0" encoding="utf-8"?>
+<file path=ppt/slideLayouts/slideLayout17.xml><?xml version="1.0" encoding="utf-8"?>
 <p:sldLayout xmlns:a="http://schemas.openxmlformats.org/drawingml/2006/main" xmlns:r="http://schemas.openxmlformats.org/officeDocument/2006/relationships" xmlns:p="http://schemas.openxmlformats.org/presentationml/2006/main" type="vertTitleAndTx" preserve="1">
   <p:cSld name="Vertical Title and Text">
     <p:spTree>
@@ -549,13 +3037,7 @@
       </p:grpSpPr>
       <p:sp>
         <p:nvSpPr>
-          <p:cNvPr id="2" name="Vertical Title 1">
-            <a:extLst>
-              <a:ext uri="{FF2B5EF4-FFF2-40B4-BE49-F238E27FC236}">
-                <a16:creationId xmlns:a16="http://schemas.microsoft.com/office/drawing/2014/main" id="{859620E6-E6A9-4949-8EFF-A5878C4E8801}"/>
-              </a:ext>
-            </a:extLst>
-          </p:cNvPr>
+          <p:cNvPr id="2" name="Vertical Title 1"/>
           <p:cNvSpPr>
             <a:spLocks noGrp="1"/>
           </p:cNvSpPr>
@@ -565,8 +3047,8 @@
         </p:nvSpPr>
         <p:spPr>
           <a:xfrm>
-            <a:off x="8724900" y="365125"/>
-            <a:ext cx="2628900" cy="5811838"/>
+            <a:off x="9732655" y="685800"/>
+            <a:ext cx="1770369" cy="5105400"/>
           </a:xfrm>
         </p:spPr>
         <p:txBody>
@@ -577,18 +3059,13 @@
               <a:rPr lang="en-US"/>
               <a:t>Click to edit Master title style</a:t>
             </a:r>
-          </a:p>
-        </p:txBody>
-      </p:sp>
-      <p:sp>
-        <p:nvSpPr>
-          <p:cNvPr id="3" name="Vertical Text Placeholder 2">
-            <a:extLst>
-              <a:ext uri="{FF2B5EF4-FFF2-40B4-BE49-F238E27FC236}">
-                <a16:creationId xmlns:a16="http://schemas.microsoft.com/office/drawing/2014/main" id="{21EB0C08-D4C9-4DDD-9B9B-64B926CA3C5D}"/>
-              </a:ext>
-            </a:extLst>
-          </p:cNvPr>
+            <a:endParaRPr lang="en-US" dirty="0"/>
+          </a:p>
+        </p:txBody>
+      </p:sp>
+      <p:sp>
+        <p:nvSpPr>
+          <p:cNvPr id="3" name="Vertical Text Placeholder 2"/>
           <p:cNvSpPr>
             <a:spLocks noGrp="1"/>
           </p:cNvSpPr>
@@ -598,12 +3075,12 @@
         </p:nvSpPr>
         <p:spPr>
           <a:xfrm>
-            <a:off x="838200" y="365125"/>
-            <a:ext cx="7734300" cy="5811838"/>
+            <a:off x="1484312" y="685800"/>
+            <a:ext cx="8019742" cy="5105400"/>
           </a:xfrm>
         </p:spPr>
         <p:txBody>
-          <a:bodyPr vert="eaVert"/>
+          <a:bodyPr vert="eaVert" anchor="t"/>
           <a:lstStyle/>
           <a:p>
             <a:pPr lvl="0"/>
@@ -639,18 +3116,13 @@
               <a:rPr lang="en-US"/>
               <a:t>Fifth level</a:t>
             </a:r>
-          </a:p>
-        </p:txBody>
-      </p:sp>
-      <p:sp>
-        <p:nvSpPr>
-          <p:cNvPr id="4" name="Date Placeholder 3">
-            <a:extLst>
-              <a:ext uri="{FF2B5EF4-FFF2-40B4-BE49-F238E27FC236}">
-                <a16:creationId xmlns:a16="http://schemas.microsoft.com/office/drawing/2014/main" id="{C344C46D-07FC-43F2-8B9B-649B0EF57E57}"/>
-              </a:ext>
-            </a:extLst>
-          </p:cNvPr>
+            <a:endParaRPr lang="en-US" dirty="0"/>
+          </a:p>
+        </p:txBody>
+      </p:sp>
+      <p:sp>
+        <p:nvSpPr>
+          <p:cNvPr id="4" name="Date Placeholder 3"/>
           <p:cNvSpPr>
             <a:spLocks noGrp="1"/>
           </p:cNvSpPr>
@@ -665,7 +3137,7 @@
           <a:p>
             <a:fld id="{9C960552-60F5-48AF-A3A9-38C0A7F49CF6}" type="datetimeFigureOut">
               <a:rPr lang="en-US" smtClean="0"/>
-              <a:t>6/26/2019</a:t>
+              <a:t>6/29/2019</a:t>
             </a:fld>
             <a:endParaRPr lang="en-US"/>
           </a:p>
@@ -673,13 +3145,7 @@
       </p:sp>
       <p:sp>
         <p:nvSpPr>
-          <p:cNvPr id="5" name="Footer Placeholder 4">
-            <a:extLst>
-              <a:ext uri="{FF2B5EF4-FFF2-40B4-BE49-F238E27FC236}">
-                <a16:creationId xmlns:a16="http://schemas.microsoft.com/office/drawing/2014/main" id="{2515EC1C-2F46-4B4F-B440-55BAF912BE42}"/>
-              </a:ext>
-            </a:extLst>
-          </p:cNvPr>
+          <p:cNvPr id="5" name="Footer Placeholder 4"/>
           <p:cNvSpPr>
             <a:spLocks noGrp="1"/>
           </p:cNvSpPr>
@@ -698,13 +3164,7 @@
       </p:sp>
       <p:sp>
         <p:nvSpPr>
-          <p:cNvPr id="6" name="Slide Number Placeholder 5">
-            <a:extLst>
-              <a:ext uri="{FF2B5EF4-FFF2-40B4-BE49-F238E27FC236}">
-                <a16:creationId xmlns:a16="http://schemas.microsoft.com/office/drawing/2014/main" id="{0FEAC02D-90A2-49B1-B5E6-69729348C602}"/>
-              </a:ext>
-            </a:extLst>
-          </p:cNvPr>
+          <p:cNvPr id="6" name="Slide Number Placeholder 5"/>
           <p:cNvSpPr>
             <a:spLocks noGrp="1"/>
           </p:cNvSpPr>
@@ -728,7 +3188,7 @@
     </p:spTree>
     <p:extLst>
       <p:ext uri="{BB962C8B-B14F-4D97-AF65-F5344CB8AC3E}">
-        <p14:creationId xmlns:p14="http://schemas.microsoft.com/office/powerpoint/2010/main" val="3760242515"/>
+        <p14:creationId xmlns:p14="http://schemas.microsoft.com/office/powerpoint/2010/main" val="2843083061"/>
       </p:ext>
     </p:extLst>
   </p:cSld>
@@ -757,13 +3217,7 @@
       </p:grpSpPr>
       <p:sp>
         <p:nvSpPr>
-          <p:cNvPr id="2" name="Title 1">
-            <a:extLst>
-              <a:ext uri="{FF2B5EF4-FFF2-40B4-BE49-F238E27FC236}">
-                <a16:creationId xmlns:a16="http://schemas.microsoft.com/office/drawing/2014/main" id="{B8162DAB-A4E4-4DE2-A4EF-81780F85BE96}"/>
-              </a:ext>
-            </a:extLst>
-          </p:cNvPr>
+          <p:cNvPr id="2" name="Title 1"/>
           <p:cNvSpPr>
             <a:spLocks noGrp="1"/>
           </p:cNvSpPr>
@@ -780,18 +3234,13 @@
               <a:rPr lang="en-US"/>
               <a:t>Click to edit Master title style</a:t>
             </a:r>
-          </a:p>
-        </p:txBody>
-      </p:sp>
-      <p:sp>
-        <p:nvSpPr>
-          <p:cNvPr id="3" name="Content Placeholder 2">
-            <a:extLst>
-              <a:ext uri="{FF2B5EF4-FFF2-40B4-BE49-F238E27FC236}">
-                <a16:creationId xmlns:a16="http://schemas.microsoft.com/office/drawing/2014/main" id="{07C50F47-3C91-4687-A44C-F9060753A072}"/>
-              </a:ext>
-            </a:extLst>
-          </p:cNvPr>
+            <a:endParaRPr lang="en-US" dirty="0"/>
+          </a:p>
+        </p:txBody>
+      </p:sp>
+      <p:sp>
+        <p:nvSpPr>
+          <p:cNvPr id="3" name="Content Placeholder 2"/>
           <p:cNvSpPr>
             <a:spLocks noGrp="1"/>
           </p:cNvSpPr>
@@ -801,7 +3250,7 @@
         </p:nvSpPr>
         <p:spPr/>
         <p:txBody>
-          <a:bodyPr/>
+          <a:bodyPr anchor="ctr"/>
           <a:lstStyle/>
           <a:p>
             <a:pPr lvl="0"/>
@@ -837,18 +3286,13 @@
               <a:rPr lang="en-US"/>
               <a:t>Fifth level</a:t>
             </a:r>
-          </a:p>
-        </p:txBody>
-      </p:sp>
-      <p:sp>
-        <p:nvSpPr>
-          <p:cNvPr id="4" name="Date Placeholder 3">
-            <a:extLst>
-              <a:ext uri="{FF2B5EF4-FFF2-40B4-BE49-F238E27FC236}">
-                <a16:creationId xmlns:a16="http://schemas.microsoft.com/office/drawing/2014/main" id="{A527F858-E8FF-4408-B962-6367FE0268EF}"/>
-              </a:ext>
-            </a:extLst>
-          </p:cNvPr>
+            <a:endParaRPr lang="en-US" dirty="0"/>
+          </a:p>
+        </p:txBody>
+      </p:sp>
+      <p:sp>
+        <p:nvSpPr>
+          <p:cNvPr id="4" name="Date Placeholder 3"/>
           <p:cNvSpPr>
             <a:spLocks noGrp="1"/>
           </p:cNvSpPr>
@@ -863,7 +3307,7 @@
           <a:p>
             <a:fld id="{9C960552-60F5-48AF-A3A9-38C0A7F49CF6}" type="datetimeFigureOut">
               <a:rPr lang="en-US" smtClean="0"/>
-              <a:t>6/26/2019</a:t>
+              <a:t>6/29/2019</a:t>
             </a:fld>
             <a:endParaRPr lang="en-US"/>
           </a:p>
@@ -871,13 +3315,7 @@
       </p:sp>
       <p:sp>
         <p:nvSpPr>
-          <p:cNvPr id="5" name="Footer Placeholder 4">
-            <a:extLst>
-              <a:ext uri="{FF2B5EF4-FFF2-40B4-BE49-F238E27FC236}">
-                <a16:creationId xmlns:a16="http://schemas.microsoft.com/office/drawing/2014/main" id="{F510BC1C-72DD-4D5A-BA5A-DB8943C7B3B7}"/>
-              </a:ext>
-            </a:extLst>
-          </p:cNvPr>
+          <p:cNvPr id="5" name="Footer Placeholder 4"/>
           <p:cNvSpPr>
             <a:spLocks noGrp="1"/>
           </p:cNvSpPr>
@@ -896,13 +3334,7 @@
       </p:sp>
       <p:sp>
         <p:nvSpPr>
-          <p:cNvPr id="6" name="Slide Number Placeholder 5">
-            <a:extLst>
-              <a:ext uri="{FF2B5EF4-FFF2-40B4-BE49-F238E27FC236}">
-                <a16:creationId xmlns:a16="http://schemas.microsoft.com/office/drawing/2014/main" id="{E02A86B3-CABF-403B-9E32-C33BB48B54EF}"/>
-              </a:ext>
-            </a:extLst>
-          </p:cNvPr>
+          <p:cNvPr id="6" name="Slide Number Placeholder 5"/>
           <p:cNvSpPr>
             <a:spLocks noGrp="1"/>
           </p:cNvSpPr>
@@ -910,7 +3342,12 @@
             <p:ph type="sldNum" sz="quarter" idx="12"/>
           </p:nvPr>
         </p:nvSpPr>
-        <p:spPr/>
+        <p:spPr>
+          <a:xfrm>
+            <a:off x="10951856" y="5867131"/>
+            <a:ext cx="551167" cy="365125"/>
+          </a:xfrm>
+        </p:spPr>
         <p:txBody>
           <a:bodyPr/>
           <a:lstStyle/>
@@ -926,7 +3363,7 @@
     </p:spTree>
     <p:extLst>
       <p:ext uri="{BB962C8B-B14F-4D97-AF65-F5344CB8AC3E}">
-        <p14:creationId xmlns:p14="http://schemas.microsoft.com/office/powerpoint/2010/main" val="3664057976"/>
+        <p14:creationId xmlns:p14="http://schemas.microsoft.com/office/powerpoint/2010/main" val="2968197021"/>
       </p:ext>
     </p:extLst>
   </p:cSld>
@@ -955,13 +3392,7 @@
       </p:grpSpPr>
       <p:sp>
         <p:nvSpPr>
-          <p:cNvPr id="2" name="Title 1">
-            <a:extLst>
-              <a:ext uri="{FF2B5EF4-FFF2-40B4-BE49-F238E27FC236}">
-                <a16:creationId xmlns:a16="http://schemas.microsoft.com/office/drawing/2014/main" id="{F573914E-F7AF-41E3-9171-64F6ACD95887}"/>
-              </a:ext>
-            </a:extLst>
-          </p:cNvPr>
+          <p:cNvPr id="2" name="Title 1"/>
           <p:cNvSpPr>
             <a:spLocks noGrp="1"/>
           </p:cNvSpPr>
@@ -971,15 +3402,15 @@
         </p:nvSpPr>
         <p:spPr>
           <a:xfrm>
-            <a:off x="831850" y="1709738"/>
-            <a:ext cx="10515600" cy="2852737"/>
+            <a:off x="2572279" y="2666999"/>
+            <a:ext cx="8930747" cy="2110382"/>
           </a:xfrm>
         </p:spPr>
         <p:txBody>
           <a:bodyPr anchor="b"/>
           <a:lstStyle>
-            <a:lvl1pPr>
-              <a:defRPr sz="6000"/>
+            <a:lvl1pPr algn="r">
+              <a:defRPr sz="4000" b="0" cap="none"/>
             </a:lvl1pPr>
           </a:lstStyle>
           <a:p>
@@ -987,18 +3418,13 @@
               <a:rPr lang="en-US"/>
               <a:t>Click to edit Master title style</a:t>
             </a:r>
-          </a:p>
-        </p:txBody>
-      </p:sp>
-      <p:sp>
-        <p:nvSpPr>
-          <p:cNvPr id="3" name="Text Placeholder 2">
-            <a:extLst>
-              <a:ext uri="{FF2B5EF4-FFF2-40B4-BE49-F238E27FC236}">
-                <a16:creationId xmlns:a16="http://schemas.microsoft.com/office/drawing/2014/main" id="{E55BCB0F-A29F-482D-8484-4EDE35951B5D}"/>
-              </a:ext>
-            </a:extLst>
-          </p:cNvPr>
+            <a:endParaRPr lang="en-US" dirty="0"/>
+          </a:p>
+        </p:txBody>
+      </p:sp>
+      <p:sp>
+        <p:nvSpPr>
+          <p:cNvPr id="3" name="Text Placeholder 2"/>
           <p:cNvSpPr>
             <a:spLocks noGrp="1"/>
           </p:cNvSpPr>
@@ -1008,102 +3434,102 @@
         </p:nvSpPr>
         <p:spPr>
           <a:xfrm>
-            <a:off x="831850" y="4589463"/>
-            <a:ext cx="10515600" cy="1500187"/>
+            <a:off x="2572278" y="4777381"/>
+            <a:ext cx="8930748" cy="860400"/>
           </a:xfrm>
         </p:spPr>
         <p:txBody>
-          <a:bodyPr/>
+          <a:bodyPr anchor="t">
+            <a:normAutofit/>
+          </a:bodyPr>
           <a:lstStyle>
-            <a:lvl1pPr marL="0" indent="0">
-              <a:buNone/>
-              <a:defRPr sz="2400">
+            <a:lvl1pPr marL="0" indent="0" algn="r">
+              <a:buNone/>
+              <a:defRPr sz="2000">
+                <a:solidFill>
+                  <a:schemeClr val="tx1"/>
+                </a:solidFill>
+              </a:defRPr>
+            </a:lvl1pPr>
+            <a:lvl2pPr marL="457200" indent="0">
+              <a:buNone/>
+              <a:defRPr sz="1800">
                 <a:solidFill>
                   <a:schemeClr val="tx1">
                     <a:tint val="75000"/>
                   </a:schemeClr>
                 </a:solidFill>
               </a:defRPr>
-            </a:lvl1pPr>
-            <a:lvl2pPr marL="457200" indent="0">
-              <a:buNone/>
-              <a:defRPr sz="2000">
+            </a:lvl2pPr>
+            <a:lvl3pPr marL="914400" indent="0">
+              <a:buNone/>
+              <a:defRPr sz="1600">
                 <a:solidFill>
                   <a:schemeClr val="tx1">
                     <a:tint val="75000"/>
                   </a:schemeClr>
                 </a:solidFill>
               </a:defRPr>
-            </a:lvl2pPr>
-            <a:lvl3pPr marL="914400" indent="0">
-              <a:buNone/>
-              <a:defRPr sz="1800">
+            </a:lvl3pPr>
+            <a:lvl4pPr marL="1371600" indent="0">
+              <a:buNone/>
+              <a:defRPr sz="1400">
                 <a:solidFill>
                   <a:schemeClr val="tx1">
                     <a:tint val="75000"/>
                   </a:schemeClr>
                 </a:solidFill>
               </a:defRPr>
-            </a:lvl3pPr>
-            <a:lvl4pPr marL="1371600" indent="0">
-              <a:buNone/>
-              <a:defRPr sz="1600">
+            </a:lvl4pPr>
+            <a:lvl5pPr marL="1828800" indent="0">
+              <a:buNone/>
+              <a:defRPr sz="1400">
                 <a:solidFill>
                   <a:schemeClr val="tx1">
                     <a:tint val="75000"/>
                   </a:schemeClr>
                 </a:solidFill>
               </a:defRPr>
-            </a:lvl4pPr>
-            <a:lvl5pPr marL="1828800" indent="0">
-              <a:buNone/>
-              <a:defRPr sz="1600">
+            </a:lvl5pPr>
+            <a:lvl6pPr marL="2286000" indent="0">
+              <a:buNone/>
+              <a:defRPr sz="1400">
                 <a:solidFill>
                   <a:schemeClr val="tx1">
                     <a:tint val="75000"/>
                   </a:schemeClr>
                 </a:solidFill>
               </a:defRPr>
-            </a:lvl5pPr>
-            <a:lvl6pPr marL="2286000" indent="0">
-              <a:buNone/>
-              <a:defRPr sz="1600">
+            </a:lvl6pPr>
+            <a:lvl7pPr marL="2743200" indent="0">
+              <a:buNone/>
+              <a:defRPr sz="1400">
                 <a:solidFill>
                   <a:schemeClr val="tx1">
                     <a:tint val="75000"/>
                   </a:schemeClr>
                 </a:solidFill>
               </a:defRPr>
-            </a:lvl6pPr>
-            <a:lvl7pPr marL="2743200" indent="0">
-              <a:buNone/>
-              <a:defRPr sz="1600">
+            </a:lvl7pPr>
+            <a:lvl8pPr marL="3200400" indent="0">
+              <a:buNone/>
+              <a:defRPr sz="1400">
                 <a:solidFill>
                   <a:schemeClr val="tx1">
                     <a:tint val="75000"/>
                   </a:schemeClr>
                 </a:solidFill>
               </a:defRPr>
-            </a:lvl7pPr>
-            <a:lvl8pPr marL="3200400" indent="0">
-              <a:buNone/>
-              <a:defRPr sz="1600">
+            </a:lvl8pPr>
+            <a:lvl9pPr marL="3657600" indent="0">
+              <a:buNone/>
+              <a:defRPr sz="1400">
                 <a:solidFill>
                   <a:schemeClr val="tx1">
                     <a:tint val="75000"/>
                   </a:schemeClr>
                 </a:solidFill>
               </a:defRPr>
-            </a:lvl8pPr>
-            <a:lvl9pPr marL="3657600" indent="0">
-              <a:buNone/>
-              <a:defRPr sz="1600">
-                <a:solidFill>
-                  <a:schemeClr val="tx1">
-                    <a:tint val="75000"/>
-                  </a:schemeClr>
-                </a:solidFill>
-              </a:defRPr>
             </a:lvl9pPr>
           </a:lstStyle>
           <a:p>
@@ -1117,13 +3543,7 @@
       </p:sp>
       <p:sp>
         <p:nvSpPr>
-          <p:cNvPr id="4" name="Date Placeholder 3">
-            <a:extLst>
-              <a:ext uri="{FF2B5EF4-FFF2-40B4-BE49-F238E27FC236}">
-                <a16:creationId xmlns:a16="http://schemas.microsoft.com/office/drawing/2014/main" id="{47EF86A2-45EA-48AB-A8EF-CE235FECFEE8}"/>
-              </a:ext>
-            </a:extLst>
-          </p:cNvPr>
+          <p:cNvPr id="4" name="Date Placeholder 3"/>
           <p:cNvSpPr>
             <a:spLocks noGrp="1"/>
           </p:cNvSpPr>
@@ -1138,7 +3558,7 @@
           <a:p>
             <a:fld id="{9C960552-60F5-48AF-A3A9-38C0A7F49CF6}" type="datetimeFigureOut">
               <a:rPr lang="en-US" smtClean="0"/>
-              <a:t>6/26/2019</a:t>
+              <a:t>6/29/2019</a:t>
             </a:fld>
             <a:endParaRPr lang="en-US"/>
           </a:p>
@@ -1146,13 +3566,7 @@
       </p:sp>
       <p:sp>
         <p:nvSpPr>
-          <p:cNvPr id="5" name="Footer Placeholder 4">
-            <a:extLst>
-              <a:ext uri="{FF2B5EF4-FFF2-40B4-BE49-F238E27FC236}">
-                <a16:creationId xmlns:a16="http://schemas.microsoft.com/office/drawing/2014/main" id="{02DE54FF-86C8-4D4A-9073-3C3FDC243047}"/>
-              </a:ext>
-            </a:extLst>
-          </p:cNvPr>
+          <p:cNvPr id="5" name="Footer Placeholder 4"/>
           <p:cNvSpPr>
             <a:spLocks noGrp="1"/>
           </p:cNvSpPr>
@@ -1171,13 +3585,7 @@
       </p:sp>
       <p:sp>
         <p:nvSpPr>
-          <p:cNvPr id="6" name="Slide Number Placeholder 5">
-            <a:extLst>
-              <a:ext uri="{FF2B5EF4-FFF2-40B4-BE49-F238E27FC236}">
-                <a16:creationId xmlns:a16="http://schemas.microsoft.com/office/drawing/2014/main" id="{8D0495C1-6A9A-4785-8D05-1989866D9770}"/>
-              </a:ext>
-            </a:extLst>
-          </p:cNvPr>
+          <p:cNvPr id="6" name="Slide Number Placeholder 5"/>
           <p:cNvSpPr>
             <a:spLocks noGrp="1"/>
           </p:cNvSpPr>
@@ -1201,7 +3609,7 @@
     </p:spTree>
     <p:extLst>
       <p:ext uri="{BB962C8B-B14F-4D97-AF65-F5344CB8AC3E}">
-        <p14:creationId xmlns:p14="http://schemas.microsoft.com/office/powerpoint/2010/main" val="2330855981"/>
+        <p14:creationId xmlns:p14="http://schemas.microsoft.com/office/powerpoint/2010/main" val="2679471362"/>
       </p:ext>
     </p:extLst>
   </p:cSld>
@@ -1230,119 +3638,81 @@
       </p:grpSpPr>
       <p:sp>
         <p:nvSpPr>
-          <p:cNvPr id="2" name="Title 1">
-            <a:extLst>
-              <a:ext uri="{FF2B5EF4-FFF2-40B4-BE49-F238E27FC236}">
-                <a16:creationId xmlns:a16="http://schemas.microsoft.com/office/drawing/2014/main" id="{0EED723F-23A2-4586-A636-E257449BA51D}"/>
-              </a:ext>
-            </a:extLst>
-          </p:cNvPr>
+          <p:cNvPr id="2" name="Title 1"/>
           <p:cNvSpPr>
             <a:spLocks noGrp="1"/>
           </p:cNvSpPr>
           <p:nvPr>
             <p:ph type="title"/>
-          </p:nvPr>
-        </p:nvSpPr>
-        <p:spPr/>
-        <p:txBody>
-          <a:bodyPr/>
-          <a:lstStyle/>
-          <a:p>
-            <a:r>
-              <a:rPr lang="en-US"/>
-              <a:t>Click to edit Master title style</a:t>
-            </a:r>
-          </a:p>
-        </p:txBody>
-      </p:sp>
-      <p:sp>
-        <p:nvSpPr>
-          <p:cNvPr id="3" name="Content Placeholder 2">
-            <a:extLst>
-              <a:ext uri="{FF2B5EF4-FFF2-40B4-BE49-F238E27FC236}">
-                <a16:creationId xmlns:a16="http://schemas.microsoft.com/office/drawing/2014/main" id="{6EFA648E-818A-4F08-98A7-880949930E59}"/>
-              </a:ext>
-            </a:extLst>
-          </p:cNvPr>
-          <p:cNvSpPr>
-            <a:spLocks noGrp="1"/>
-          </p:cNvSpPr>
-          <p:nvPr>
-            <p:ph sz="half" idx="1"/>
           </p:nvPr>
         </p:nvSpPr>
         <p:spPr>
           <a:xfrm>
-            <a:off x="838200" y="1825625"/>
-            <a:ext cx="5181600" cy="4351338"/>
+            <a:off x="1484311" y="685800"/>
+            <a:ext cx="10018713" cy="1752599"/>
           </a:xfrm>
         </p:spPr>
         <p:txBody>
           <a:bodyPr/>
           <a:lstStyle/>
           <a:p>
-            <a:pPr lvl="0"/>
-            <a:r>
-              <a:rPr lang="en-US"/>
-              <a:t>Click to edit Master text styles</a:t>
-            </a:r>
-          </a:p>
-          <a:p>
-            <a:pPr lvl="1"/>
-            <a:r>
-              <a:rPr lang="en-US"/>
-              <a:t>Second level</a:t>
-            </a:r>
-          </a:p>
-          <a:p>
-            <a:pPr lvl="2"/>
-            <a:r>
-              <a:rPr lang="en-US"/>
-              <a:t>Third level</a:t>
-            </a:r>
-          </a:p>
-          <a:p>
-            <a:pPr lvl="3"/>
-            <a:r>
-              <a:rPr lang="en-US"/>
-              <a:t>Fourth level</a:t>
-            </a:r>
-          </a:p>
-          <a:p>
-            <a:pPr lvl="4"/>
-            <a:r>
-              <a:rPr lang="en-US"/>
-              <a:t>Fifth level</a:t>
-            </a:r>
-          </a:p>
-        </p:txBody>
-      </p:sp>
-      <p:sp>
-        <p:nvSpPr>
-          <p:cNvPr id="4" name="Content Placeholder 3">
-            <a:extLst>
-              <a:ext uri="{FF2B5EF4-FFF2-40B4-BE49-F238E27FC236}">
-                <a16:creationId xmlns:a16="http://schemas.microsoft.com/office/drawing/2014/main" id="{7D67EBF3-7B0A-4B6C-BA93-C590746C6C26}"/>
-              </a:ext>
-            </a:extLst>
-          </p:cNvPr>
-          <p:cNvSpPr>
-            <a:spLocks noGrp="1"/>
-          </p:cNvSpPr>
-          <p:nvPr>
-            <p:ph sz="half" idx="2"/>
+            <a:r>
+              <a:rPr lang="en-US"/>
+              <a:t>Click to edit Master title style</a:t>
+            </a:r>
+            <a:endParaRPr lang="en-US" dirty="0"/>
+          </a:p>
+        </p:txBody>
+      </p:sp>
+      <p:sp>
+        <p:nvSpPr>
+          <p:cNvPr id="3" name="Content Placeholder 2"/>
+          <p:cNvSpPr>
+            <a:spLocks noGrp="1"/>
+          </p:cNvSpPr>
+          <p:nvPr>
+            <p:ph sz="half" idx="1"/>
           </p:nvPr>
         </p:nvSpPr>
         <p:spPr>
           <a:xfrm>
-            <a:off x="6172200" y="1825625"/>
-            <a:ext cx="5181600" cy="4351338"/>
+            <a:off x="1484312" y="2666999"/>
+            <a:ext cx="4895055" cy="3124201"/>
           </a:xfrm>
         </p:spPr>
         <p:txBody>
-          <a:bodyPr/>
-          <a:lstStyle/>
+          <a:bodyPr>
+            <a:normAutofit/>
+          </a:bodyPr>
+          <a:lstStyle>
+            <a:lvl1pPr>
+              <a:defRPr sz="1800"/>
+            </a:lvl1pPr>
+            <a:lvl2pPr>
+              <a:defRPr sz="1600"/>
+            </a:lvl2pPr>
+            <a:lvl3pPr>
+              <a:defRPr sz="1400"/>
+            </a:lvl3pPr>
+            <a:lvl4pPr>
+              <a:defRPr sz="1200"/>
+            </a:lvl4pPr>
+            <a:lvl5pPr>
+              <a:defRPr sz="1200"/>
+            </a:lvl5pPr>
+            <a:lvl6pPr>
+              <a:defRPr sz="1200"/>
+            </a:lvl6pPr>
+            <a:lvl7pPr>
+              <a:defRPr sz="1200"/>
+            </a:lvl7pPr>
+            <a:lvl8pPr>
+              <a:defRPr sz="1200"/>
+            </a:lvl8pPr>
+            <a:lvl9pPr>
+              <a:defRPr sz="1200"/>
+            </a:lvl9pPr>
+          </a:lstStyle>
           <a:p>
             <a:pPr lvl="0"/>
             <a:r>
@@ -1377,18 +3747,100 @@
               <a:rPr lang="en-US"/>
               <a:t>Fifth level</a:t>
             </a:r>
-          </a:p>
-        </p:txBody>
-      </p:sp>
-      <p:sp>
-        <p:nvSpPr>
-          <p:cNvPr id="5" name="Date Placeholder 4">
-            <a:extLst>
-              <a:ext uri="{FF2B5EF4-FFF2-40B4-BE49-F238E27FC236}">
-                <a16:creationId xmlns:a16="http://schemas.microsoft.com/office/drawing/2014/main" id="{53075EE4-5079-4F57-A590-FBB9C501FC27}"/>
-              </a:ext>
-            </a:extLst>
-          </p:cNvPr>
+            <a:endParaRPr lang="en-US" dirty="0"/>
+          </a:p>
+        </p:txBody>
+      </p:sp>
+      <p:sp>
+        <p:nvSpPr>
+          <p:cNvPr id="4" name="Content Placeholder 3"/>
+          <p:cNvSpPr>
+            <a:spLocks noGrp="1"/>
+          </p:cNvSpPr>
+          <p:nvPr>
+            <p:ph sz="half" idx="2"/>
+          </p:nvPr>
+        </p:nvSpPr>
+        <p:spPr>
+          <a:xfrm>
+            <a:off x="6607967" y="2667000"/>
+            <a:ext cx="4895056" cy="3124200"/>
+          </a:xfrm>
+        </p:spPr>
+        <p:txBody>
+          <a:bodyPr>
+            <a:normAutofit/>
+          </a:bodyPr>
+          <a:lstStyle>
+            <a:lvl1pPr>
+              <a:defRPr sz="1800"/>
+            </a:lvl1pPr>
+            <a:lvl2pPr>
+              <a:defRPr sz="1600"/>
+            </a:lvl2pPr>
+            <a:lvl3pPr>
+              <a:defRPr sz="1400"/>
+            </a:lvl3pPr>
+            <a:lvl4pPr>
+              <a:defRPr sz="1200"/>
+            </a:lvl4pPr>
+            <a:lvl5pPr>
+              <a:defRPr sz="1200"/>
+            </a:lvl5pPr>
+            <a:lvl6pPr>
+              <a:defRPr sz="1200"/>
+            </a:lvl6pPr>
+            <a:lvl7pPr>
+              <a:defRPr sz="1200"/>
+            </a:lvl7pPr>
+            <a:lvl8pPr>
+              <a:defRPr sz="1200"/>
+            </a:lvl8pPr>
+            <a:lvl9pPr>
+              <a:defRPr sz="1200"/>
+            </a:lvl9pPr>
+          </a:lstStyle>
+          <a:p>
+            <a:pPr lvl="0"/>
+            <a:r>
+              <a:rPr lang="en-US"/>
+              <a:t>Click to edit Master text styles</a:t>
+            </a:r>
+          </a:p>
+          <a:p>
+            <a:pPr lvl="1"/>
+            <a:r>
+              <a:rPr lang="en-US"/>
+              <a:t>Second level</a:t>
+            </a:r>
+          </a:p>
+          <a:p>
+            <a:pPr lvl="2"/>
+            <a:r>
+              <a:rPr lang="en-US"/>
+              <a:t>Third level</a:t>
+            </a:r>
+          </a:p>
+          <a:p>
+            <a:pPr lvl="3"/>
+            <a:r>
+              <a:rPr lang="en-US"/>
+              <a:t>Fourth level</a:t>
+            </a:r>
+          </a:p>
+          <a:p>
+            <a:pPr lvl="4"/>
+            <a:r>
+              <a:rPr lang="en-US"/>
+              <a:t>Fifth level</a:t>
+            </a:r>
+            <a:endParaRPr lang="en-US" dirty="0"/>
+          </a:p>
+        </p:txBody>
+      </p:sp>
+      <p:sp>
+        <p:nvSpPr>
+          <p:cNvPr id="5" name="Date Placeholder 4"/>
           <p:cNvSpPr>
             <a:spLocks noGrp="1"/>
           </p:cNvSpPr>
@@ -1403,7 +3855,7 @@
           <a:p>
             <a:fld id="{9C960552-60F5-48AF-A3A9-38C0A7F49CF6}" type="datetimeFigureOut">
               <a:rPr lang="en-US" smtClean="0"/>
-              <a:t>6/26/2019</a:t>
+              <a:t>6/29/2019</a:t>
             </a:fld>
             <a:endParaRPr lang="en-US"/>
           </a:p>
@@ -1411,13 +3863,7 @@
       </p:sp>
       <p:sp>
         <p:nvSpPr>
-          <p:cNvPr id="6" name="Footer Placeholder 5">
-            <a:extLst>
-              <a:ext uri="{FF2B5EF4-FFF2-40B4-BE49-F238E27FC236}">
-                <a16:creationId xmlns:a16="http://schemas.microsoft.com/office/drawing/2014/main" id="{4E1458A5-4788-466A-8ED1-C510A516A373}"/>
-              </a:ext>
-            </a:extLst>
-          </p:cNvPr>
+          <p:cNvPr id="6" name="Footer Placeholder 5"/>
           <p:cNvSpPr>
             <a:spLocks noGrp="1"/>
           </p:cNvSpPr>
@@ -1436,13 +3882,7 @@
       </p:sp>
       <p:sp>
         <p:nvSpPr>
-          <p:cNvPr id="7" name="Slide Number Placeholder 6">
-            <a:extLst>
-              <a:ext uri="{FF2B5EF4-FFF2-40B4-BE49-F238E27FC236}">
-                <a16:creationId xmlns:a16="http://schemas.microsoft.com/office/drawing/2014/main" id="{244B8051-DB40-4B6F-B889-D588A5ADD6FB}"/>
-              </a:ext>
-            </a:extLst>
-          </p:cNvPr>
+          <p:cNvPr id="7" name="Slide Number Placeholder 6"/>
           <p:cNvSpPr>
             <a:spLocks noGrp="1"/>
           </p:cNvSpPr>
@@ -1466,7 +3906,7 @@
     </p:spTree>
     <p:extLst>
       <p:ext uri="{BB962C8B-B14F-4D97-AF65-F5344CB8AC3E}">
-        <p14:creationId xmlns:p14="http://schemas.microsoft.com/office/powerpoint/2010/main" val="2490979359"/>
+        <p14:creationId xmlns:p14="http://schemas.microsoft.com/office/powerpoint/2010/main" val="3528191419"/>
       </p:ext>
     </p:extLst>
   </p:cSld>
@@ -1495,65 +3935,61 @@
       </p:grpSpPr>
       <p:sp>
         <p:nvSpPr>
-          <p:cNvPr id="2" name="Title 1">
-            <a:extLst>
-              <a:ext uri="{FF2B5EF4-FFF2-40B4-BE49-F238E27FC236}">
-                <a16:creationId xmlns:a16="http://schemas.microsoft.com/office/drawing/2014/main" id="{C3AEB57B-DE3B-4278-B8BD-4E67119EBD8B}"/>
-              </a:ext>
-            </a:extLst>
-          </p:cNvPr>
+          <p:cNvPr id="2" name="Title 1"/>
           <p:cNvSpPr>
             <a:spLocks noGrp="1"/>
           </p:cNvSpPr>
           <p:nvPr>
             <p:ph type="title"/>
+          </p:nvPr>
+        </p:nvSpPr>
+        <p:spPr/>
+        <p:txBody>
+          <a:bodyPr/>
+          <a:lstStyle>
+            <a:lvl1pPr>
+              <a:defRPr/>
+            </a:lvl1pPr>
+          </a:lstStyle>
+          <a:p>
+            <a:r>
+              <a:rPr lang="en-US"/>
+              <a:t>Click to edit Master title style</a:t>
+            </a:r>
+            <a:endParaRPr lang="en-US" dirty="0"/>
+          </a:p>
+        </p:txBody>
+      </p:sp>
+      <p:sp>
+        <p:nvSpPr>
+          <p:cNvPr id="3" name="Text Placeholder 2"/>
+          <p:cNvSpPr>
+            <a:spLocks noGrp="1"/>
+          </p:cNvSpPr>
+          <p:nvPr>
+            <p:ph type="body" idx="1"/>
           </p:nvPr>
         </p:nvSpPr>
         <p:spPr>
           <a:xfrm>
-            <a:off x="839788" y="365125"/>
-            <a:ext cx="10515600" cy="1325563"/>
+            <a:off x="1772179" y="2658533"/>
+            <a:ext cx="4607188" cy="576262"/>
           </a:xfrm>
         </p:spPr>
         <p:txBody>
-          <a:bodyPr/>
-          <a:lstStyle/>
-          <a:p>
-            <a:r>
-              <a:rPr lang="en-US"/>
-              <a:t>Click to edit Master title style</a:t>
-            </a:r>
-          </a:p>
-        </p:txBody>
-      </p:sp>
-      <p:sp>
-        <p:nvSpPr>
-          <p:cNvPr id="3" name="Text Placeholder 2">
-            <a:extLst>
-              <a:ext uri="{FF2B5EF4-FFF2-40B4-BE49-F238E27FC236}">
-                <a16:creationId xmlns:a16="http://schemas.microsoft.com/office/drawing/2014/main" id="{A2F17C04-1A2F-4B1A-9AB4-D599AD07029D}"/>
-              </a:ext>
-            </a:extLst>
-          </p:cNvPr>
-          <p:cNvSpPr>
-            <a:spLocks noGrp="1"/>
-          </p:cNvSpPr>
-          <p:nvPr>
-            <p:ph type="body" idx="1"/>
-          </p:nvPr>
-        </p:nvSpPr>
-        <p:spPr>
-          <a:xfrm>
-            <a:off x="839788" y="1681163"/>
-            <a:ext cx="5157787" cy="823912"/>
-          </a:xfrm>
-        </p:spPr>
-        <p:txBody>
-          <a:bodyPr anchor="b"/>
+          <a:bodyPr anchor="b">
+            <a:noAutofit/>
+          </a:bodyPr>
           <a:lstStyle>
             <a:lvl1pPr marL="0" indent="0">
               <a:buNone/>
-              <a:defRPr sz="2400" b="1"/>
+              <a:defRPr sz="2800" b="0">
+                <a:solidFill>
+                  <a:schemeClr val="accent1">
+                    <a:lumMod val="75000"/>
+                  </a:schemeClr>
+                </a:solidFill>
+              </a:defRPr>
             </a:lvl1pPr>
             <a:lvl2pPr marL="457200" indent="0">
               <a:buNone/>
@@ -1599,13 +4035,7 @@
       </p:sp>
       <p:sp>
         <p:nvSpPr>
-          <p:cNvPr id="4" name="Content Placeholder 3">
-            <a:extLst>
-              <a:ext uri="{FF2B5EF4-FFF2-40B4-BE49-F238E27FC236}">
-                <a16:creationId xmlns:a16="http://schemas.microsoft.com/office/drawing/2014/main" id="{BD4D6B0E-6B87-4420-8CD5-0BCAD63877F1}"/>
-              </a:ext>
-            </a:extLst>
-          </p:cNvPr>
+          <p:cNvPr id="4" name="Content Placeholder 3"/>
           <p:cNvSpPr>
             <a:spLocks noGrp="1"/>
           </p:cNvSpPr>
@@ -1615,13 +4045,43 @@
         </p:nvSpPr>
         <p:spPr>
           <a:xfrm>
-            <a:off x="839788" y="2505075"/>
-            <a:ext cx="5157787" cy="3684588"/>
+            <a:off x="1484311" y="3335337"/>
+            <a:ext cx="4895056" cy="2455862"/>
           </a:xfrm>
         </p:spPr>
         <p:txBody>
-          <a:bodyPr/>
-          <a:lstStyle/>
+          <a:bodyPr anchor="t">
+            <a:normAutofit/>
+          </a:bodyPr>
+          <a:lstStyle>
+            <a:lvl1pPr>
+              <a:defRPr sz="1800"/>
+            </a:lvl1pPr>
+            <a:lvl2pPr>
+              <a:defRPr sz="1600"/>
+            </a:lvl2pPr>
+            <a:lvl3pPr>
+              <a:defRPr sz="1400"/>
+            </a:lvl3pPr>
+            <a:lvl4pPr>
+              <a:defRPr sz="1200"/>
+            </a:lvl4pPr>
+            <a:lvl5pPr>
+              <a:defRPr sz="1200"/>
+            </a:lvl5pPr>
+            <a:lvl6pPr>
+              <a:defRPr sz="1200"/>
+            </a:lvl6pPr>
+            <a:lvl7pPr>
+              <a:defRPr sz="1200"/>
+            </a:lvl7pPr>
+            <a:lvl8pPr>
+              <a:defRPr sz="1200"/>
+            </a:lvl8pPr>
+            <a:lvl9pPr>
+              <a:defRPr sz="1200"/>
+            </a:lvl9pPr>
+          </a:lstStyle>
           <a:p>
             <a:pPr lvl="0"/>
             <a:r>
@@ -1656,18 +4116,13 @@
               <a:rPr lang="en-US"/>
               <a:t>Fifth level</a:t>
             </a:r>
-          </a:p>
-        </p:txBody>
-      </p:sp>
-      <p:sp>
-        <p:nvSpPr>
-          <p:cNvPr id="5" name="Text Placeholder 4">
-            <a:extLst>
-              <a:ext uri="{FF2B5EF4-FFF2-40B4-BE49-F238E27FC236}">
-                <a16:creationId xmlns:a16="http://schemas.microsoft.com/office/drawing/2014/main" id="{0E460EBE-09D8-4207-A7A3-2DE4A5E93F17}"/>
-              </a:ext>
-            </a:extLst>
-          </p:cNvPr>
+            <a:endParaRPr lang="en-US" dirty="0"/>
+          </a:p>
+        </p:txBody>
+      </p:sp>
+      <p:sp>
+        <p:nvSpPr>
+          <p:cNvPr id="5" name="Text Placeholder 4"/>
           <p:cNvSpPr>
             <a:spLocks noGrp="1"/>
           </p:cNvSpPr>
@@ -1677,16 +4132,24 @@
         </p:nvSpPr>
         <p:spPr>
           <a:xfrm>
-            <a:off x="6172200" y="1681163"/>
-            <a:ext cx="5183188" cy="823912"/>
+            <a:off x="6880487" y="2667000"/>
+            <a:ext cx="4622537" cy="576262"/>
           </a:xfrm>
         </p:spPr>
         <p:txBody>
-          <a:bodyPr anchor="b"/>
+          <a:bodyPr anchor="b">
+            <a:noAutofit/>
+          </a:bodyPr>
           <a:lstStyle>
             <a:lvl1pPr marL="0" indent="0">
               <a:buNone/>
-              <a:defRPr sz="2400" b="1"/>
+              <a:defRPr sz="2800" b="0">
+                <a:solidFill>
+                  <a:schemeClr val="accent1">
+                    <a:lumMod val="75000"/>
+                  </a:schemeClr>
+                </a:solidFill>
+              </a:defRPr>
             </a:lvl1pPr>
             <a:lvl2pPr marL="457200" indent="0">
               <a:buNone/>
@@ -1732,13 +4195,7 @@
       </p:sp>
       <p:sp>
         <p:nvSpPr>
-          <p:cNvPr id="6" name="Content Placeholder 5">
-            <a:extLst>
-              <a:ext uri="{FF2B5EF4-FFF2-40B4-BE49-F238E27FC236}">
-                <a16:creationId xmlns:a16="http://schemas.microsoft.com/office/drawing/2014/main" id="{720A7FD8-7506-43F7-BC08-F346162DF821}"/>
-              </a:ext>
-            </a:extLst>
-          </p:cNvPr>
+          <p:cNvPr id="6" name="Content Placeholder 5"/>
           <p:cNvSpPr>
             <a:spLocks noGrp="1"/>
           </p:cNvSpPr>
@@ -1748,13 +4205,43 @@
         </p:nvSpPr>
         <p:spPr>
           <a:xfrm>
-            <a:off x="6172200" y="2505075"/>
-            <a:ext cx="5183188" cy="3684588"/>
+            <a:off x="6607967" y="3335337"/>
+            <a:ext cx="4895056" cy="2455862"/>
           </a:xfrm>
         </p:spPr>
         <p:txBody>
-          <a:bodyPr/>
-          <a:lstStyle/>
+          <a:bodyPr anchor="t">
+            <a:normAutofit/>
+          </a:bodyPr>
+          <a:lstStyle>
+            <a:lvl1pPr>
+              <a:defRPr sz="1800"/>
+            </a:lvl1pPr>
+            <a:lvl2pPr>
+              <a:defRPr sz="1600"/>
+            </a:lvl2pPr>
+            <a:lvl3pPr>
+              <a:defRPr sz="1400"/>
+            </a:lvl3pPr>
+            <a:lvl4pPr>
+              <a:defRPr sz="1200"/>
+            </a:lvl4pPr>
+            <a:lvl5pPr>
+              <a:defRPr sz="1200"/>
+            </a:lvl5pPr>
+            <a:lvl6pPr>
+              <a:defRPr sz="1200"/>
+            </a:lvl6pPr>
+            <a:lvl7pPr>
+              <a:defRPr sz="1200"/>
+            </a:lvl7pPr>
+            <a:lvl8pPr>
+              <a:defRPr sz="1200"/>
+            </a:lvl8pPr>
+            <a:lvl9pPr>
+              <a:defRPr sz="1200"/>
+            </a:lvl9pPr>
+          </a:lstStyle>
           <a:p>
             <a:pPr lvl="0"/>
             <a:r>
@@ -1789,18 +4276,13 @@
               <a:rPr lang="en-US"/>
               <a:t>Fifth level</a:t>
             </a:r>
-          </a:p>
-        </p:txBody>
-      </p:sp>
-      <p:sp>
-        <p:nvSpPr>
-          <p:cNvPr id="7" name="Date Placeholder 6">
-            <a:extLst>
-              <a:ext uri="{FF2B5EF4-FFF2-40B4-BE49-F238E27FC236}">
-                <a16:creationId xmlns:a16="http://schemas.microsoft.com/office/drawing/2014/main" id="{9A07D9C2-D18E-47F2-9CEE-7C78C43347AA}"/>
-              </a:ext>
-            </a:extLst>
-          </p:cNvPr>
+            <a:endParaRPr lang="en-US" dirty="0"/>
+          </a:p>
+        </p:txBody>
+      </p:sp>
+      <p:sp>
+        <p:nvSpPr>
+          <p:cNvPr id="7" name="Date Placeholder 6"/>
           <p:cNvSpPr>
             <a:spLocks noGrp="1"/>
           </p:cNvSpPr>
@@ -1815,7 +4297,7 @@
           <a:p>
             <a:fld id="{9C960552-60F5-48AF-A3A9-38C0A7F49CF6}" type="datetimeFigureOut">
               <a:rPr lang="en-US" smtClean="0"/>
-              <a:t>6/26/2019</a:t>
+              <a:t>6/29/2019</a:t>
             </a:fld>
             <a:endParaRPr lang="en-US"/>
           </a:p>
@@ -1823,13 +4305,7 @@
       </p:sp>
       <p:sp>
         <p:nvSpPr>
-          <p:cNvPr id="8" name="Footer Placeholder 7">
-            <a:extLst>
-              <a:ext uri="{FF2B5EF4-FFF2-40B4-BE49-F238E27FC236}">
-                <a16:creationId xmlns:a16="http://schemas.microsoft.com/office/drawing/2014/main" id="{B363D5E4-9870-48B1-939E-49B17BA17D5D}"/>
-              </a:ext>
-            </a:extLst>
-          </p:cNvPr>
+          <p:cNvPr id="8" name="Footer Placeholder 7"/>
           <p:cNvSpPr>
             <a:spLocks noGrp="1"/>
           </p:cNvSpPr>
@@ -1848,13 +4324,7 @@
       </p:sp>
       <p:sp>
         <p:nvSpPr>
-          <p:cNvPr id="9" name="Slide Number Placeholder 8">
-            <a:extLst>
-              <a:ext uri="{FF2B5EF4-FFF2-40B4-BE49-F238E27FC236}">
-                <a16:creationId xmlns:a16="http://schemas.microsoft.com/office/drawing/2014/main" id="{1600D2F1-860C-40DE-BC60-973BEEBF9A65}"/>
-              </a:ext>
-            </a:extLst>
-          </p:cNvPr>
+          <p:cNvPr id="9" name="Slide Number Placeholder 8"/>
           <p:cNvSpPr>
             <a:spLocks noGrp="1"/>
           </p:cNvSpPr>
@@ -1878,7 +4348,7 @@
     </p:spTree>
     <p:extLst>
       <p:ext uri="{BB962C8B-B14F-4D97-AF65-F5344CB8AC3E}">
-        <p14:creationId xmlns:p14="http://schemas.microsoft.com/office/powerpoint/2010/main" val="3893036086"/>
+        <p14:creationId xmlns:p14="http://schemas.microsoft.com/office/powerpoint/2010/main" val="1695680448"/>
       </p:ext>
     </p:extLst>
   </p:cSld>
@@ -1907,13 +4377,7 @@
       </p:grpSpPr>
       <p:sp>
         <p:nvSpPr>
-          <p:cNvPr id="2" name="Title 1">
-            <a:extLst>
-              <a:ext uri="{FF2B5EF4-FFF2-40B4-BE49-F238E27FC236}">
-                <a16:creationId xmlns:a16="http://schemas.microsoft.com/office/drawing/2014/main" id="{41543077-EC28-48E1-B984-21D092580F05}"/>
-              </a:ext>
-            </a:extLst>
-          </p:cNvPr>
+          <p:cNvPr id="2" name="Title 1"/>
           <p:cNvSpPr>
             <a:spLocks noGrp="1"/>
           </p:cNvSpPr>
@@ -1930,18 +4394,13 @@
               <a:rPr lang="en-US"/>
               <a:t>Click to edit Master title style</a:t>
             </a:r>
-          </a:p>
-        </p:txBody>
-      </p:sp>
-      <p:sp>
-        <p:nvSpPr>
-          <p:cNvPr id="3" name="Date Placeholder 2">
-            <a:extLst>
-              <a:ext uri="{FF2B5EF4-FFF2-40B4-BE49-F238E27FC236}">
-                <a16:creationId xmlns:a16="http://schemas.microsoft.com/office/drawing/2014/main" id="{1330F69E-CB5F-42E2-B366-0F280AC77C52}"/>
-              </a:ext>
-            </a:extLst>
-          </p:cNvPr>
+            <a:endParaRPr lang="en-US" dirty="0"/>
+          </a:p>
+        </p:txBody>
+      </p:sp>
+      <p:sp>
+        <p:nvSpPr>
+          <p:cNvPr id="3" name="Date Placeholder 2"/>
           <p:cNvSpPr>
             <a:spLocks noGrp="1"/>
           </p:cNvSpPr>
@@ -1956,7 +4415,7 @@
           <a:p>
             <a:fld id="{9C960552-60F5-48AF-A3A9-38C0A7F49CF6}" type="datetimeFigureOut">
               <a:rPr lang="en-US" smtClean="0"/>
-              <a:t>6/26/2019</a:t>
+              <a:t>6/29/2019</a:t>
             </a:fld>
             <a:endParaRPr lang="en-US"/>
           </a:p>
@@ -1964,13 +4423,7 @@
       </p:sp>
       <p:sp>
         <p:nvSpPr>
-          <p:cNvPr id="4" name="Footer Placeholder 3">
-            <a:extLst>
-              <a:ext uri="{FF2B5EF4-FFF2-40B4-BE49-F238E27FC236}">
-                <a16:creationId xmlns:a16="http://schemas.microsoft.com/office/drawing/2014/main" id="{703CF76F-3A33-4798-BA49-C853F8017317}"/>
-              </a:ext>
-            </a:extLst>
-          </p:cNvPr>
+          <p:cNvPr id="4" name="Footer Placeholder 3"/>
           <p:cNvSpPr>
             <a:spLocks noGrp="1"/>
           </p:cNvSpPr>
@@ -1989,13 +4442,7 @@
       </p:sp>
       <p:sp>
         <p:nvSpPr>
-          <p:cNvPr id="5" name="Slide Number Placeholder 4">
-            <a:extLst>
-              <a:ext uri="{FF2B5EF4-FFF2-40B4-BE49-F238E27FC236}">
-                <a16:creationId xmlns:a16="http://schemas.microsoft.com/office/drawing/2014/main" id="{A60980A2-F62E-45E4-A5C0-BBB5C0B7B4ED}"/>
-              </a:ext>
-            </a:extLst>
-          </p:cNvPr>
+          <p:cNvPr id="5" name="Slide Number Placeholder 4"/>
           <p:cNvSpPr>
             <a:spLocks noGrp="1"/>
           </p:cNvSpPr>
@@ -2019,7 +4466,7 @@
     </p:spTree>
     <p:extLst>
       <p:ext uri="{BB962C8B-B14F-4D97-AF65-F5344CB8AC3E}">
-        <p14:creationId xmlns:p14="http://schemas.microsoft.com/office/powerpoint/2010/main" val="2229034907"/>
+        <p14:creationId xmlns:p14="http://schemas.microsoft.com/office/powerpoint/2010/main" val="2533509944"/>
       </p:ext>
     </p:extLst>
   </p:cSld>
@@ -2048,13 +4495,7 @@
       </p:grpSpPr>
       <p:sp>
         <p:nvSpPr>
-          <p:cNvPr id="2" name="Date Placeholder 1">
-            <a:extLst>
-              <a:ext uri="{FF2B5EF4-FFF2-40B4-BE49-F238E27FC236}">
-                <a16:creationId xmlns:a16="http://schemas.microsoft.com/office/drawing/2014/main" id="{77B2917D-A405-412C-B527-7DB822444B77}"/>
-              </a:ext>
-            </a:extLst>
-          </p:cNvPr>
+          <p:cNvPr id="2" name="Date Placeholder 1"/>
           <p:cNvSpPr>
             <a:spLocks noGrp="1"/>
           </p:cNvSpPr>
@@ -2069,7 +4510,7 @@
           <a:p>
             <a:fld id="{9C960552-60F5-48AF-A3A9-38C0A7F49CF6}" type="datetimeFigureOut">
               <a:rPr lang="en-US" smtClean="0"/>
-              <a:t>6/26/2019</a:t>
+              <a:t>6/29/2019</a:t>
             </a:fld>
             <a:endParaRPr lang="en-US"/>
           </a:p>
@@ -2077,13 +4518,7 @@
       </p:sp>
       <p:sp>
         <p:nvSpPr>
-          <p:cNvPr id="3" name="Footer Placeholder 2">
-            <a:extLst>
-              <a:ext uri="{FF2B5EF4-FFF2-40B4-BE49-F238E27FC236}">
-                <a16:creationId xmlns:a16="http://schemas.microsoft.com/office/drawing/2014/main" id="{2889583C-B1B6-4950-8711-5419A9A8BD3A}"/>
-              </a:ext>
-            </a:extLst>
-          </p:cNvPr>
+          <p:cNvPr id="3" name="Footer Placeholder 2"/>
           <p:cNvSpPr>
             <a:spLocks noGrp="1"/>
           </p:cNvSpPr>
@@ -2102,13 +4537,7 @@
       </p:sp>
       <p:sp>
         <p:nvSpPr>
-          <p:cNvPr id="4" name="Slide Number Placeholder 3">
-            <a:extLst>
-              <a:ext uri="{FF2B5EF4-FFF2-40B4-BE49-F238E27FC236}">
-                <a16:creationId xmlns:a16="http://schemas.microsoft.com/office/drawing/2014/main" id="{1FC77105-268C-4395-B0D0-BD21EC83551C}"/>
-              </a:ext>
-            </a:extLst>
-          </p:cNvPr>
+          <p:cNvPr id="4" name="Slide Number Placeholder 3"/>
           <p:cNvSpPr>
             <a:spLocks noGrp="1"/>
           </p:cNvSpPr>
@@ -2132,7 +4561,7 @@
     </p:spTree>
     <p:extLst>
       <p:ext uri="{BB962C8B-B14F-4D97-AF65-F5344CB8AC3E}">
-        <p14:creationId xmlns:p14="http://schemas.microsoft.com/office/powerpoint/2010/main" val="1606413682"/>
+        <p14:creationId xmlns:p14="http://schemas.microsoft.com/office/powerpoint/2010/main" val="1758701837"/>
       </p:ext>
     </p:extLst>
   </p:cSld>
@@ -2161,13 +4590,7 @@
       </p:grpSpPr>
       <p:sp>
         <p:nvSpPr>
-          <p:cNvPr id="2" name="Title 1">
-            <a:extLst>
-              <a:ext uri="{FF2B5EF4-FFF2-40B4-BE49-F238E27FC236}">
-                <a16:creationId xmlns:a16="http://schemas.microsoft.com/office/drawing/2014/main" id="{0414D7C8-ECCD-4C4F-A410-3A480D0C6F49}"/>
-              </a:ext>
-            </a:extLst>
-          </p:cNvPr>
+          <p:cNvPr id="2" name="Title 1"/>
           <p:cNvSpPr>
             <a:spLocks noGrp="1"/>
           </p:cNvSpPr>
@@ -2177,175 +4600,171 @@
         </p:nvSpPr>
         <p:spPr>
           <a:xfrm>
-            <a:off x="839788" y="457200"/>
-            <a:ext cx="3932237" cy="1600200"/>
+            <a:off x="1484312" y="1600200"/>
+            <a:ext cx="3549121" cy="1371600"/>
           </a:xfrm>
         </p:spPr>
         <p:txBody>
-          <a:bodyPr anchor="b"/>
+          <a:bodyPr anchor="b">
+            <a:normAutofit/>
+          </a:bodyPr>
+          <a:lstStyle>
+            <a:lvl1pPr algn="ctr">
+              <a:defRPr sz="2400" b="0"/>
+            </a:lvl1pPr>
+          </a:lstStyle>
+          <a:p>
+            <a:r>
+              <a:rPr lang="en-US"/>
+              <a:t>Click to edit Master title style</a:t>
+            </a:r>
+            <a:endParaRPr lang="en-US" dirty="0"/>
+          </a:p>
+        </p:txBody>
+      </p:sp>
+      <p:sp>
+        <p:nvSpPr>
+          <p:cNvPr id="3" name="Content Placeholder 2"/>
+          <p:cNvSpPr>
+            <a:spLocks noGrp="1"/>
+          </p:cNvSpPr>
+          <p:nvPr>
+            <p:ph idx="1"/>
+          </p:nvPr>
+        </p:nvSpPr>
+        <p:spPr>
+          <a:xfrm>
+            <a:off x="5262033" y="685799"/>
+            <a:ext cx="6240990" cy="5105401"/>
+          </a:xfrm>
+        </p:spPr>
+        <p:txBody>
+          <a:bodyPr anchor="ctr">
+            <a:normAutofit/>
+          </a:bodyPr>
           <a:lstStyle>
             <a:lvl1pPr>
-              <a:defRPr sz="3200"/>
+              <a:defRPr sz="2000"/>
             </a:lvl1pPr>
+            <a:lvl2pPr>
+              <a:defRPr sz="1800"/>
+            </a:lvl2pPr>
+            <a:lvl3pPr>
+              <a:defRPr sz="1600"/>
+            </a:lvl3pPr>
+            <a:lvl4pPr>
+              <a:defRPr sz="1400"/>
+            </a:lvl4pPr>
+            <a:lvl5pPr>
+              <a:defRPr sz="1400"/>
+            </a:lvl5pPr>
+            <a:lvl6pPr>
+              <a:defRPr sz="1400"/>
+            </a:lvl6pPr>
+            <a:lvl7pPr>
+              <a:defRPr sz="1400"/>
+            </a:lvl7pPr>
+            <a:lvl8pPr>
+              <a:defRPr sz="1400"/>
+            </a:lvl8pPr>
+            <a:lvl9pPr>
+              <a:defRPr sz="1400"/>
+            </a:lvl9pPr>
           </a:lstStyle>
           <a:p>
-            <a:r>
-              <a:rPr lang="en-US"/>
-              <a:t>Click to edit Master title style</a:t>
-            </a:r>
-          </a:p>
-        </p:txBody>
-      </p:sp>
-      <p:sp>
-        <p:nvSpPr>
-          <p:cNvPr id="3" name="Content Placeholder 2">
-            <a:extLst>
-              <a:ext uri="{FF2B5EF4-FFF2-40B4-BE49-F238E27FC236}">
-                <a16:creationId xmlns:a16="http://schemas.microsoft.com/office/drawing/2014/main" id="{902CCB1E-890A-41F2-97D4-EB305A34D46D}"/>
-              </a:ext>
-            </a:extLst>
-          </p:cNvPr>
-          <p:cNvSpPr>
-            <a:spLocks noGrp="1"/>
-          </p:cNvSpPr>
-          <p:nvPr>
-            <p:ph idx="1"/>
+            <a:pPr lvl="0"/>
+            <a:r>
+              <a:rPr lang="en-US"/>
+              <a:t>Click to edit Master text styles</a:t>
+            </a:r>
+          </a:p>
+          <a:p>
+            <a:pPr lvl="1"/>
+            <a:r>
+              <a:rPr lang="en-US"/>
+              <a:t>Second level</a:t>
+            </a:r>
+          </a:p>
+          <a:p>
+            <a:pPr lvl="2"/>
+            <a:r>
+              <a:rPr lang="en-US"/>
+              <a:t>Third level</a:t>
+            </a:r>
+          </a:p>
+          <a:p>
+            <a:pPr lvl="3"/>
+            <a:r>
+              <a:rPr lang="en-US"/>
+              <a:t>Fourth level</a:t>
+            </a:r>
+          </a:p>
+          <a:p>
+            <a:pPr lvl="4"/>
+            <a:r>
+              <a:rPr lang="en-US"/>
+              <a:t>Fifth level</a:t>
+            </a:r>
+            <a:endParaRPr lang="en-US" dirty="0"/>
+          </a:p>
+        </p:txBody>
+      </p:sp>
+      <p:sp>
+        <p:nvSpPr>
+          <p:cNvPr id="4" name="Text Placeholder 3"/>
+          <p:cNvSpPr>
+            <a:spLocks noGrp="1"/>
+          </p:cNvSpPr>
+          <p:nvPr>
+            <p:ph type="body" sz="half" idx="2"/>
           </p:nvPr>
         </p:nvSpPr>
         <p:spPr>
           <a:xfrm>
-            <a:off x="5183188" y="987425"/>
-            <a:ext cx="6172200" cy="4873625"/>
+            <a:off x="1484312" y="2971800"/>
+            <a:ext cx="3549121" cy="1828800"/>
           </a:xfrm>
         </p:spPr>
         <p:txBody>
-          <a:bodyPr/>
+          <a:bodyPr>
+            <a:normAutofit/>
+          </a:bodyPr>
           <a:lstStyle>
-            <a:lvl1pPr>
-              <a:defRPr sz="3200"/>
-            </a:lvl1pPr>
-            <a:lvl2pPr>
-              <a:defRPr sz="2800"/>
-            </a:lvl2pPr>
-            <a:lvl3pPr>
-              <a:defRPr sz="2400"/>
-            </a:lvl3pPr>
-            <a:lvl4pPr>
-              <a:defRPr sz="2000"/>
-            </a:lvl4pPr>
-            <a:lvl5pPr>
-              <a:defRPr sz="2000"/>
-            </a:lvl5pPr>
-            <a:lvl6pPr>
-              <a:defRPr sz="2000"/>
-            </a:lvl6pPr>
-            <a:lvl7pPr>
-              <a:defRPr sz="2000"/>
-            </a:lvl7pPr>
-            <a:lvl8pPr>
-              <a:defRPr sz="2000"/>
-            </a:lvl8pPr>
-            <a:lvl9pPr>
-              <a:defRPr sz="2000"/>
-            </a:lvl9pPr>
-          </a:lstStyle>
-          <a:p>
-            <a:pPr lvl="0"/>
-            <a:r>
-              <a:rPr lang="en-US"/>
-              <a:t>Click to edit Master text styles</a:t>
-            </a:r>
-          </a:p>
-          <a:p>
-            <a:pPr lvl="1"/>
-            <a:r>
-              <a:rPr lang="en-US"/>
-              <a:t>Second level</a:t>
-            </a:r>
-          </a:p>
-          <a:p>
-            <a:pPr lvl="2"/>
-            <a:r>
-              <a:rPr lang="en-US"/>
-              <a:t>Third level</a:t>
-            </a:r>
-          </a:p>
-          <a:p>
-            <a:pPr lvl="3"/>
-            <a:r>
-              <a:rPr lang="en-US"/>
-              <a:t>Fourth level</a:t>
-            </a:r>
-          </a:p>
-          <a:p>
-            <a:pPr lvl="4"/>
-            <a:r>
-              <a:rPr lang="en-US"/>
-              <a:t>Fifth level</a:t>
-            </a:r>
-          </a:p>
-        </p:txBody>
-      </p:sp>
-      <p:sp>
-        <p:nvSpPr>
-          <p:cNvPr id="4" name="Text Placeholder 3">
-            <a:extLst>
-              <a:ext uri="{FF2B5EF4-FFF2-40B4-BE49-F238E27FC236}">
-                <a16:creationId xmlns:a16="http://schemas.microsoft.com/office/drawing/2014/main" id="{376F35BC-8A3B-413E-9E1E-FB90277306A8}"/>
-              </a:ext>
-            </a:extLst>
-          </p:cNvPr>
-          <p:cNvSpPr>
-            <a:spLocks noGrp="1"/>
-          </p:cNvSpPr>
-          <p:nvPr>
-            <p:ph type="body" sz="half" idx="2"/>
-          </p:nvPr>
-        </p:nvSpPr>
-        <p:spPr>
-          <a:xfrm>
-            <a:off x="839788" y="2057400"/>
-            <a:ext cx="3932237" cy="3811588"/>
-          </a:xfrm>
-        </p:spPr>
-        <p:txBody>
-          <a:bodyPr/>
-          <a:lstStyle>
-            <a:lvl1pPr marL="0" indent="0">
+            <a:lvl1pPr marL="0" indent="0" algn="ctr">
               <a:buNone/>
               <a:defRPr sz="1600"/>
             </a:lvl1pPr>
             <a:lvl2pPr marL="457200" indent="0">
               <a:buNone/>
-              <a:defRPr sz="1400"/>
+              <a:defRPr sz="1200"/>
             </a:lvl2pPr>
             <a:lvl3pPr marL="914400" indent="0">
               <a:buNone/>
-              <a:defRPr sz="1200"/>
+              <a:defRPr sz="1000"/>
             </a:lvl3pPr>
             <a:lvl4pPr marL="1371600" indent="0">
               <a:buNone/>
-              <a:defRPr sz="1000"/>
+              <a:defRPr sz="900"/>
             </a:lvl4pPr>
             <a:lvl5pPr marL="1828800" indent="0">
               <a:buNone/>
-              <a:defRPr sz="1000"/>
+              <a:defRPr sz="900"/>
             </a:lvl5pPr>
             <a:lvl6pPr marL="2286000" indent="0">
               <a:buNone/>
-              <a:defRPr sz="1000"/>
+              <a:defRPr sz="900"/>
             </a:lvl6pPr>
             <a:lvl7pPr marL="2743200" indent="0">
               <a:buNone/>
-              <a:defRPr sz="1000"/>
+              <a:defRPr sz="900"/>
             </a:lvl7pPr>
             <a:lvl8pPr marL="3200400" indent="0">
               <a:buNone/>
-              <a:defRPr sz="1000"/>
+              <a:defRPr sz="900"/>
             </a:lvl8pPr>
             <a:lvl9pPr marL="3657600" indent="0">
               <a:buNone/>
-              <a:defRPr sz="1000"/>
+              <a:defRPr sz="900"/>
             </a:lvl9pPr>
           </a:lstStyle>
           <a:p>
@@ -2359,13 +4778,7 @@
       </p:sp>
       <p:sp>
         <p:nvSpPr>
-          <p:cNvPr id="5" name="Date Placeholder 4">
-            <a:extLst>
-              <a:ext uri="{FF2B5EF4-FFF2-40B4-BE49-F238E27FC236}">
-                <a16:creationId xmlns:a16="http://schemas.microsoft.com/office/drawing/2014/main" id="{0F3DD397-3A64-410C-A1C9-F6A04EAE7D6B}"/>
-              </a:ext>
-            </a:extLst>
-          </p:cNvPr>
+          <p:cNvPr id="5" name="Date Placeholder 4"/>
           <p:cNvSpPr>
             <a:spLocks noGrp="1"/>
           </p:cNvSpPr>
@@ -2380,7 +4793,7 @@
           <a:p>
             <a:fld id="{9C960552-60F5-48AF-A3A9-38C0A7F49CF6}" type="datetimeFigureOut">
               <a:rPr lang="en-US" smtClean="0"/>
-              <a:t>6/26/2019</a:t>
+              <a:t>6/29/2019</a:t>
             </a:fld>
             <a:endParaRPr lang="en-US"/>
           </a:p>
@@ -2388,13 +4801,7 @@
       </p:sp>
       <p:sp>
         <p:nvSpPr>
-          <p:cNvPr id="6" name="Footer Placeholder 5">
-            <a:extLst>
-              <a:ext uri="{FF2B5EF4-FFF2-40B4-BE49-F238E27FC236}">
-                <a16:creationId xmlns:a16="http://schemas.microsoft.com/office/drawing/2014/main" id="{C1ECA0D2-C5C3-4C31-A6B7-AF52968DA1F1}"/>
-              </a:ext>
-            </a:extLst>
-          </p:cNvPr>
+          <p:cNvPr id="6" name="Footer Placeholder 5"/>
           <p:cNvSpPr>
             <a:spLocks noGrp="1"/>
           </p:cNvSpPr>
@@ -2413,13 +4820,7 @@
       </p:sp>
       <p:sp>
         <p:nvSpPr>
-          <p:cNvPr id="7" name="Slide Number Placeholder 6">
-            <a:extLst>
-              <a:ext uri="{FF2B5EF4-FFF2-40B4-BE49-F238E27FC236}">
-                <a16:creationId xmlns:a16="http://schemas.microsoft.com/office/drawing/2014/main" id="{1BC83498-5770-430B-83D7-2BAE62168834}"/>
-              </a:ext>
-            </a:extLst>
-          </p:cNvPr>
+          <p:cNvPr id="7" name="Slide Number Placeholder 6"/>
           <p:cNvSpPr>
             <a:spLocks noGrp="1"/>
           </p:cNvSpPr>
@@ -2443,7 +4844,7 @@
     </p:spTree>
     <p:extLst>
       <p:ext uri="{BB962C8B-B14F-4D97-AF65-F5344CB8AC3E}">
-        <p14:creationId xmlns:p14="http://schemas.microsoft.com/office/powerpoint/2010/main" val="3889552469"/>
+        <p14:creationId xmlns:p14="http://schemas.microsoft.com/office/powerpoint/2010/main" val="1191005654"/>
       </p:ext>
     </p:extLst>
   </p:cSld>
@@ -2472,13 +4873,7 @@
       </p:grpSpPr>
       <p:sp>
         <p:nvSpPr>
-          <p:cNvPr id="2" name="Title 1">
-            <a:extLst>
-              <a:ext uri="{FF2B5EF4-FFF2-40B4-BE49-F238E27FC236}">
-                <a16:creationId xmlns:a16="http://schemas.microsoft.com/office/drawing/2014/main" id="{41C13DA7-9E10-46D8-8F43-0DD8E34C5FE0}"/>
-              </a:ext>
-            </a:extLst>
-          </p:cNvPr>
+          <p:cNvPr id="2" name="Title 1"/>
           <p:cNvSpPr>
             <a:spLocks noGrp="1"/>
           </p:cNvSpPr>
@@ -2488,15 +4883,17 @@
         </p:nvSpPr>
         <p:spPr>
           <a:xfrm>
-            <a:off x="839788" y="457200"/>
-            <a:ext cx="3932237" cy="1600200"/>
+            <a:off x="1482724" y="1752599"/>
+            <a:ext cx="5426158" cy="1371600"/>
           </a:xfrm>
         </p:spPr>
         <p:txBody>
-          <a:bodyPr anchor="b"/>
+          <a:bodyPr anchor="b">
+            <a:normAutofit/>
+          </a:bodyPr>
           <a:lstStyle>
-            <a:lvl1pPr>
-              <a:defRPr sz="3200"/>
+            <a:lvl1pPr algn="ctr">
+              <a:defRPr sz="2800" b="0"/>
             </a:lvl1pPr>
           </a:lstStyle>
           <a:p>
@@ -2504,20 +4901,15 @@
               <a:rPr lang="en-US"/>
               <a:t>Click to edit Master title style</a:t>
             </a:r>
-          </a:p>
-        </p:txBody>
-      </p:sp>
-      <p:sp>
-        <p:nvSpPr>
-          <p:cNvPr id="3" name="Picture Placeholder 2">
-            <a:extLst>
-              <a:ext uri="{FF2B5EF4-FFF2-40B4-BE49-F238E27FC236}">
-                <a16:creationId xmlns:a16="http://schemas.microsoft.com/office/drawing/2014/main" id="{73850779-7E99-4596-96EF-8EEE9350CE16}"/>
-              </a:ext>
-            </a:extLst>
-          </p:cNvPr>
-          <p:cNvSpPr>
-            <a:spLocks noGrp="1"/>
+            <a:endParaRPr lang="en-US" dirty="0"/>
+          </a:p>
+        </p:txBody>
+      </p:sp>
+      <p:sp>
+        <p:nvSpPr>
+          <p:cNvPr id="14" name="Picture Placeholder 2"/>
+          <p:cNvSpPr>
+            <a:spLocks noGrp="1" noChangeAspect="1"/>
           </p:cNvSpPr>
           <p:nvPr>
             <p:ph type="pic" idx="1"/>
@@ -2525,118 +4917,148 @@
         </p:nvSpPr>
         <p:spPr>
           <a:xfrm>
-            <a:off x="5183188" y="987425"/>
-            <a:ext cx="6172200" cy="4873625"/>
+            <a:off x="7594682" y="914400"/>
+            <a:ext cx="3280974" cy="4572000"/>
           </a:xfrm>
+          <a:prstGeom prst="roundRect">
+            <a:avLst>
+              <a:gd name="adj" fmla="val 4280"/>
+            </a:avLst>
+          </a:prstGeom>
+          <a:ln w="38100">
+            <a:gradFill flip="none" rotWithShape="1">
+              <a:gsLst>
+                <a:gs pos="0">
+                  <a:schemeClr val="bg2"/>
+                </a:gs>
+                <a:gs pos="100000">
+                  <a:schemeClr val="bg2">
+                    <a:lumMod val="75000"/>
+                  </a:schemeClr>
+                </a:gs>
+              </a:gsLst>
+              <a:lin ang="5400000" scaled="0"/>
+              <a:tileRect/>
+            </a:gradFill>
+          </a:ln>
+          <a:effectLst>
+            <a:innerShdw blurRad="57150" dist="38100" dir="14460000">
+              <a:srgbClr val="000000">
+                <a:alpha val="70000"/>
+              </a:srgbClr>
+            </a:innerShdw>
+          </a:effectLst>
         </p:spPr>
         <p:txBody>
-          <a:bodyPr/>
+          <a:bodyPr anchor="t">
+            <a:normAutofit/>
+          </a:bodyPr>
           <a:lstStyle>
-            <a:lvl1pPr marL="0" indent="0">
-              <a:buNone/>
-              <a:defRPr sz="3200"/>
-            </a:lvl1pPr>
-            <a:lvl2pPr marL="457200" indent="0">
-              <a:buNone/>
-              <a:defRPr sz="2800"/>
-            </a:lvl2pPr>
-            <a:lvl3pPr marL="914400" indent="0">
-              <a:buNone/>
-              <a:defRPr sz="2400"/>
-            </a:lvl3pPr>
-            <a:lvl4pPr marL="1371600" indent="0">
-              <a:buNone/>
-              <a:defRPr sz="2000"/>
-            </a:lvl4pPr>
-            <a:lvl5pPr marL="1828800" indent="0">
-              <a:buNone/>
-              <a:defRPr sz="2000"/>
-            </a:lvl5pPr>
-            <a:lvl6pPr marL="2286000" indent="0">
-              <a:buNone/>
-              <a:defRPr sz="2000"/>
-            </a:lvl6pPr>
-            <a:lvl7pPr marL="2743200" indent="0">
-              <a:buNone/>
-              <a:defRPr sz="2000"/>
-            </a:lvl7pPr>
-            <a:lvl8pPr marL="3200400" indent="0">
-              <a:buNone/>
-              <a:defRPr sz="2000"/>
-            </a:lvl8pPr>
-            <a:lvl9pPr marL="3657600" indent="0">
-              <a:buNone/>
-              <a:defRPr sz="2000"/>
-            </a:lvl9pPr>
-          </a:lstStyle>
-          <a:p>
-            <a:endParaRPr lang="en-US"/>
-          </a:p>
-        </p:txBody>
-      </p:sp>
-      <p:sp>
-        <p:nvSpPr>
-          <p:cNvPr id="4" name="Text Placeholder 3">
-            <a:extLst>
-              <a:ext uri="{FF2B5EF4-FFF2-40B4-BE49-F238E27FC236}">
-                <a16:creationId xmlns:a16="http://schemas.microsoft.com/office/drawing/2014/main" id="{80A4A279-20D8-4054-930C-CE881B15EA5B}"/>
-              </a:ext>
-            </a:extLst>
-          </p:cNvPr>
-          <p:cNvSpPr>
-            <a:spLocks noGrp="1"/>
-          </p:cNvSpPr>
-          <p:nvPr>
-            <p:ph type="body" sz="half" idx="2"/>
-          </p:nvPr>
-        </p:nvSpPr>
-        <p:spPr>
-          <a:xfrm>
-            <a:off x="839788" y="2057400"/>
-            <a:ext cx="3932237" cy="3811588"/>
-          </a:xfrm>
-        </p:spPr>
-        <p:txBody>
-          <a:bodyPr/>
-          <a:lstStyle>
-            <a:lvl1pPr marL="0" indent="0">
+            <a:lvl1pPr marL="0" indent="0" algn="ctr">
               <a:buNone/>
               <a:defRPr sz="1600"/>
             </a:lvl1pPr>
             <a:lvl2pPr marL="457200" indent="0">
               <a:buNone/>
-              <a:defRPr sz="1400"/>
+              <a:defRPr sz="1600"/>
             </a:lvl2pPr>
             <a:lvl3pPr marL="914400" indent="0">
               <a:buNone/>
-              <a:defRPr sz="1200"/>
+              <a:defRPr sz="1600"/>
             </a:lvl3pPr>
             <a:lvl4pPr marL="1371600" indent="0">
               <a:buNone/>
-              <a:defRPr sz="1000"/>
+              <a:defRPr sz="1600"/>
             </a:lvl4pPr>
             <a:lvl5pPr marL="1828800" indent="0">
               <a:buNone/>
-              <a:defRPr sz="1000"/>
+              <a:defRPr sz="1600"/>
             </a:lvl5pPr>
             <a:lvl6pPr marL="2286000" indent="0">
               <a:buNone/>
-              <a:defRPr sz="1000"/>
+              <a:defRPr sz="1600"/>
             </a:lvl6pPr>
             <a:lvl7pPr marL="2743200" indent="0">
               <a:buNone/>
-              <a:defRPr sz="1000"/>
+              <a:defRPr sz="1600"/>
             </a:lvl7pPr>
             <a:lvl8pPr marL="3200400" indent="0">
               <a:buNone/>
-              <a:defRPr sz="1000"/>
+              <a:defRPr sz="1600"/>
             </a:lvl8pPr>
             <a:lvl9pPr marL="3657600" indent="0">
               <a:buNone/>
-              <a:defRPr sz="1000"/>
+              <a:defRPr sz="1600"/>
             </a:lvl9pPr>
           </a:lstStyle>
           <a:p>
+            <a:r>
+              <a:rPr lang="en-US"/>
+              <a:t>Click icon to add picture</a:t>
+            </a:r>
+            <a:endParaRPr lang="en-US" dirty="0"/>
+          </a:p>
+        </p:txBody>
+      </p:sp>
+      <p:sp>
+        <p:nvSpPr>
+          <p:cNvPr id="4" name="Text Placeholder 3"/>
+          <p:cNvSpPr>
+            <a:spLocks noGrp="1"/>
+          </p:cNvSpPr>
+          <p:nvPr>
+            <p:ph type="body" sz="half" idx="2"/>
+          </p:nvPr>
+        </p:nvSpPr>
+        <p:spPr>
+          <a:xfrm>
+            <a:off x="1482724" y="3124199"/>
+            <a:ext cx="5426158" cy="1828800"/>
+          </a:xfrm>
+        </p:spPr>
+        <p:txBody>
+          <a:bodyPr>
+            <a:normAutofit/>
+          </a:bodyPr>
+          <a:lstStyle>
+            <a:lvl1pPr marL="0" indent="0" algn="ctr">
+              <a:buNone/>
+              <a:defRPr sz="1800"/>
+            </a:lvl1pPr>
+            <a:lvl2pPr marL="457200" indent="0">
+              <a:buNone/>
+              <a:defRPr sz="1200"/>
+            </a:lvl2pPr>
+            <a:lvl3pPr marL="914400" indent="0">
+              <a:buNone/>
+              <a:defRPr sz="1000"/>
+            </a:lvl3pPr>
+            <a:lvl4pPr marL="1371600" indent="0">
+              <a:buNone/>
+              <a:defRPr sz="900"/>
+            </a:lvl4pPr>
+            <a:lvl5pPr marL="1828800" indent="0">
+              <a:buNone/>
+              <a:defRPr sz="900"/>
+            </a:lvl5pPr>
+            <a:lvl6pPr marL="2286000" indent="0">
+              <a:buNone/>
+              <a:defRPr sz="900"/>
+            </a:lvl6pPr>
+            <a:lvl7pPr marL="2743200" indent="0">
+              <a:buNone/>
+              <a:defRPr sz="900"/>
+            </a:lvl7pPr>
+            <a:lvl8pPr marL="3200400" indent="0">
+              <a:buNone/>
+              <a:defRPr sz="900"/>
+            </a:lvl8pPr>
+            <a:lvl9pPr marL="3657600" indent="0">
+              <a:buNone/>
+              <a:defRPr sz="900"/>
+            </a:lvl9pPr>
+          </a:lstStyle>
+          <a:p>
             <a:pPr lvl="0"/>
             <a:r>
               <a:rPr lang="en-US"/>
@@ -2647,13 +5069,7 @@
       </p:sp>
       <p:sp>
         <p:nvSpPr>
-          <p:cNvPr id="5" name="Date Placeholder 4">
-            <a:extLst>
-              <a:ext uri="{FF2B5EF4-FFF2-40B4-BE49-F238E27FC236}">
-                <a16:creationId xmlns:a16="http://schemas.microsoft.com/office/drawing/2014/main" id="{7D9EECD6-0D31-4D65-BA37-8C17960EEB83}"/>
-              </a:ext>
-            </a:extLst>
-          </p:cNvPr>
+          <p:cNvPr id="5" name="Date Placeholder 4"/>
           <p:cNvSpPr>
             <a:spLocks noGrp="1"/>
           </p:cNvSpPr>
@@ -2668,7 +5084,7 @@
           <a:p>
             <a:fld id="{9C960552-60F5-48AF-A3A9-38C0A7F49CF6}" type="datetimeFigureOut">
               <a:rPr lang="en-US" smtClean="0"/>
-              <a:t>6/26/2019</a:t>
+              <a:t>6/29/2019</a:t>
             </a:fld>
             <a:endParaRPr lang="en-US"/>
           </a:p>
@@ -2676,13 +5092,7 @@
       </p:sp>
       <p:sp>
         <p:nvSpPr>
-          <p:cNvPr id="6" name="Footer Placeholder 5">
-            <a:extLst>
-              <a:ext uri="{FF2B5EF4-FFF2-40B4-BE49-F238E27FC236}">
-                <a16:creationId xmlns:a16="http://schemas.microsoft.com/office/drawing/2014/main" id="{2A18C504-326E-4DF6-A64F-603931DD2220}"/>
-              </a:ext>
-            </a:extLst>
-          </p:cNvPr>
+          <p:cNvPr id="6" name="Footer Placeholder 5"/>
           <p:cNvSpPr>
             <a:spLocks noGrp="1"/>
           </p:cNvSpPr>
@@ -2695,19 +5105,13 @@
           <a:bodyPr/>
           <a:lstStyle/>
           <a:p>
-            <a:endParaRPr lang="en-US"/>
-          </a:p>
-        </p:txBody>
-      </p:sp>
-      <p:sp>
-        <p:nvSpPr>
-          <p:cNvPr id="7" name="Slide Number Placeholder 6">
-            <a:extLst>
-              <a:ext uri="{FF2B5EF4-FFF2-40B4-BE49-F238E27FC236}">
-                <a16:creationId xmlns:a16="http://schemas.microsoft.com/office/drawing/2014/main" id="{4C42F8A8-8E07-482B-9523-0AA7DC59A5CE}"/>
-              </a:ext>
-            </a:extLst>
-          </p:cNvPr>
+            <a:endParaRPr lang="en-US" dirty="0"/>
+          </a:p>
+        </p:txBody>
+      </p:sp>
+      <p:sp>
+        <p:nvSpPr>
+          <p:cNvPr id="7" name="Slide Number Placeholder 6"/>
           <p:cNvSpPr>
             <a:spLocks noGrp="1"/>
           </p:cNvSpPr>
@@ -2731,7 +5135,7 @@
     </p:spTree>
     <p:extLst>
       <p:ext uri="{BB962C8B-B14F-4D97-AF65-F5344CB8AC3E}">
-        <p14:creationId xmlns:p14="http://schemas.microsoft.com/office/powerpoint/2010/main" val="3357562991"/>
+        <p14:creationId xmlns:p14="http://schemas.microsoft.com/office/powerpoint/2010/main" val="929555417"/>
       </p:ext>
     </p:extLst>
   </p:cSld>
@@ -2745,8 +5149,8 @@
 <p:sldMaster xmlns:a="http://schemas.openxmlformats.org/drawingml/2006/main" xmlns:r="http://schemas.openxmlformats.org/officeDocument/2006/relationships" xmlns:p="http://schemas.openxmlformats.org/presentationml/2006/main">
   <p:cSld>
     <p:bg>
-      <p:bgRef idx="1001">
-        <a:schemeClr val="bg1"/>
+      <p:bgRef idx="1003">
+        <a:schemeClr val="bg2"/>
       </p:bgRef>
     </p:bg>
     <p:spTree>
@@ -2763,15 +5167,325 @@
           <a:chExt cx="0" cy="0"/>
         </a:xfrm>
       </p:grpSpPr>
-      <p:sp>
-        <p:nvSpPr>
-          <p:cNvPr id="2" name="Title Placeholder 1">
-            <a:extLst>
-              <a:ext uri="{FF2B5EF4-FFF2-40B4-BE49-F238E27FC236}">
-                <a16:creationId xmlns:a16="http://schemas.microsoft.com/office/drawing/2014/main" id="{EC1C6C5A-FCFB-4928-9F1C-5B1E03CE324D}"/>
-              </a:ext>
-            </a:extLst>
-          </p:cNvPr>
+      <p:grpSp>
+        <p:nvGrpSpPr>
+          <p:cNvPr id="7" name="Group 6"/>
+          <p:cNvGrpSpPr/>
+          <p:nvPr/>
+        </p:nvGrpSpPr>
+        <p:grpSpPr>
+          <a:xfrm>
+            <a:off x="150812" y="0"/>
+            <a:ext cx="2436813" cy="6858001"/>
+            <a:chOff x="1320800" y="0"/>
+            <a:chExt cx="2436813" cy="6858001"/>
+          </a:xfrm>
+        </p:grpSpPr>
+        <p:sp>
+          <p:nvSpPr>
+            <p:cNvPr id="8" name="Freeform 6"/>
+            <p:cNvSpPr/>
+            <p:nvPr/>
+          </p:nvSpPr>
+          <p:spPr bwMode="auto">
+            <a:xfrm>
+              <a:off x="1627188" y="0"/>
+              <a:ext cx="1122363" cy="5329238"/>
+            </a:xfrm>
+            <a:custGeom>
+              <a:avLst/>
+              <a:gdLst/>
+              <a:ahLst/>
+              <a:cxnLst/>
+              <a:rect l="0" t="0" r="r" b="b"/>
+              <a:pathLst>
+                <a:path w="707" h="3357">
+                  <a:moveTo>
+                    <a:pt x="0" y="3330"/>
+                  </a:moveTo>
+                  <a:lnTo>
+                    <a:pt x="156" y="3357"/>
+                  </a:lnTo>
+                  <a:lnTo>
+                    <a:pt x="707" y="0"/>
+                  </a:lnTo>
+                  <a:lnTo>
+                    <a:pt x="547" y="0"/>
+                  </a:lnTo>
+                  <a:lnTo>
+                    <a:pt x="0" y="3330"/>
+                  </a:lnTo>
+                  <a:close/>
+                </a:path>
+              </a:pathLst>
+            </a:custGeom>
+            <a:solidFill>
+              <a:schemeClr val="accent1"/>
+            </a:solidFill>
+            <a:ln>
+              <a:noFill/>
+            </a:ln>
+          </p:spPr>
+        </p:sp>
+        <p:sp>
+          <p:nvSpPr>
+            <p:cNvPr id="9" name="Freeform 7"/>
+            <p:cNvSpPr/>
+            <p:nvPr/>
+          </p:nvSpPr>
+          <p:spPr bwMode="auto">
+            <a:xfrm>
+              <a:off x="1320800" y="0"/>
+              <a:ext cx="1117600" cy="5276850"/>
+            </a:xfrm>
+            <a:custGeom>
+              <a:avLst/>
+              <a:gdLst/>
+              <a:ahLst/>
+              <a:cxnLst/>
+              <a:rect l="0" t="0" r="r" b="b"/>
+              <a:pathLst>
+                <a:path w="704" h="3324">
+                  <a:moveTo>
+                    <a:pt x="704" y="0"/>
+                  </a:moveTo>
+                  <a:lnTo>
+                    <a:pt x="545" y="0"/>
+                  </a:lnTo>
+                  <a:lnTo>
+                    <a:pt x="0" y="3300"/>
+                  </a:lnTo>
+                  <a:lnTo>
+                    <a:pt x="157" y="3324"/>
+                  </a:lnTo>
+                  <a:lnTo>
+                    <a:pt x="704" y="0"/>
+                  </a:lnTo>
+                  <a:close/>
+                </a:path>
+              </a:pathLst>
+            </a:custGeom>
+            <a:solidFill>
+              <a:schemeClr val="tx1">
+                <a:lumMod val="65000"/>
+                <a:lumOff val="35000"/>
+              </a:schemeClr>
+            </a:solidFill>
+            <a:ln>
+              <a:noFill/>
+            </a:ln>
+          </p:spPr>
+        </p:sp>
+        <p:sp>
+          <p:nvSpPr>
+            <p:cNvPr id="10" name="Freeform 8"/>
+            <p:cNvSpPr/>
+            <p:nvPr/>
+          </p:nvSpPr>
+          <p:spPr bwMode="auto">
+            <a:xfrm>
+              <a:off x="1320800" y="5238750"/>
+              <a:ext cx="1228725" cy="1619250"/>
+            </a:xfrm>
+            <a:custGeom>
+              <a:avLst/>
+              <a:gdLst/>
+              <a:ahLst/>
+              <a:cxnLst/>
+              <a:rect l="0" t="0" r="r" b="b"/>
+              <a:pathLst>
+                <a:path w="774" h="1020">
+                  <a:moveTo>
+                    <a:pt x="0" y="0"/>
+                  </a:moveTo>
+                  <a:lnTo>
+                    <a:pt x="740" y="1020"/>
+                  </a:lnTo>
+                  <a:lnTo>
+                    <a:pt x="774" y="1020"/>
+                  </a:lnTo>
+                  <a:lnTo>
+                    <a:pt x="0" y="0"/>
+                  </a:lnTo>
+                  <a:close/>
+                </a:path>
+              </a:pathLst>
+            </a:custGeom>
+            <a:solidFill>
+              <a:schemeClr val="tx1">
+                <a:lumMod val="85000"/>
+                <a:lumOff val="15000"/>
+              </a:schemeClr>
+            </a:solidFill>
+            <a:ln>
+              <a:noFill/>
+            </a:ln>
+          </p:spPr>
+        </p:sp>
+        <p:sp>
+          <p:nvSpPr>
+            <p:cNvPr id="11" name="Freeform 9"/>
+            <p:cNvSpPr/>
+            <p:nvPr/>
+          </p:nvSpPr>
+          <p:spPr bwMode="auto">
+            <a:xfrm>
+              <a:off x="1627188" y="5291138"/>
+              <a:ext cx="1495425" cy="1566863"/>
+            </a:xfrm>
+            <a:custGeom>
+              <a:avLst/>
+              <a:gdLst/>
+              <a:ahLst/>
+              <a:cxnLst/>
+              <a:rect l="0" t="0" r="r" b="b"/>
+              <a:pathLst>
+                <a:path w="942" h="987">
+                  <a:moveTo>
+                    <a:pt x="0" y="0"/>
+                  </a:moveTo>
+                  <a:lnTo>
+                    <a:pt x="909" y="987"/>
+                  </a:lnTo>
+                  <a:lnTo>
+                    <a:pt x="942" y="987"/>
+                  </a:lnTo>
+                  <a:lnTo>
+                    <a:pt x="0" y="0"/>
+                  </a:lnTo>
+                  <a:close/>
+                </a:path>
+              </a:pathLst>
+            </a:custGeom>
+            <a:solidFill>
+              <a:schemeClr val="accent1">
+                <a:lumMod val="50000"/>
+              </a:schemeClr>
+            </a:solidFill>
+            <a:ln>
+              <a:noFill/>
+            </a:ln>
+          </p:spPr>
+        </p:sp>
+        <p:sp>
+          <p:nvSpPr>
+            <p:cNvPr id="12" name="Freeform 10"/>
+            <p:cNvSpPr/>
+            <p:nvPr/>
+          </p:nvSpPr>
+          <p:spPr bwMode="auto">
+            <a:xfrm>
+              <a:off x="1627188" y="5286375"/>
+              <a:ext cx="2130425" cy="1571625"/>
+            </a:xfrm>
+            <a:custGeom>
+              <a:avLst/>
+              <a:gdLst/>
+              <a:ahLst/>
+              <a:cxnLst/>
+              <a:rect l="0" t="0" r="r" b="b"/>
+              <a:pathLst>
+                <a:path w="1342" h="990">
+                  <a:moveTo>
+                    <a:pt x="0" y="3"/>
+                  </a:moveTo>
+                  <a:lnTo>
+                    <a:pt x="942" y="990"/>
+                  </a:lnTo>
+                  <a:lnTo>
+                    <a:pt x="1342" y="990"/>
+                  </a:lnTo>
+                  <a:lnTo>
+                    <a:pt x="156" y="27"/>
+                  </a:lnTo>
+                  <a:lnTo>
+                    <a:pt x="0" y="0"/>
+                  </a:lnTo>
+                  <a:lnTo>
+                    <a:pt x="0" y="3"/>
+                  </a:lnTo>
+                  <a:close/>
+                </a:path>
+              </a:pathLst>
+            </a:custGeom>
+            <a:solidFill>
+              <a:schemeClr val="accent1">
+                <a:lumMod val="75000"/>
+              </a:schemeClr>
+            </a:solidFill>
+            <a:ln>
+              <a:noFill/>
+            </a:ln>
+          </p:spPr>
+        </p:sp>
+        <p:sp>
+          <p:nvSpPr>
+            <p:cNvPr id="13" name="Freeform 11"/>
+            <p:cNvSpPr/>
+            <p:nvPr/>
+          </p:nvSpPr>
+          <p:spPr bwMode="auto">
+            <a:xfrm>
+              <a:off x="1320800" y="5238750"/>
+              <a:ext cx="1695450" cy="1619250"/>
+            </a:xfrm>
+            <a:custGeom>
+              <a:avLst/>
+              <a:gdLst/>
+              <a:ahLst/>
+              <a:cxnLst/>
+              <a:rect l="0" t="0" r="r" b="b"/>
+              <a:pathLst>
+                <a:path w="1068" h="1020">
+                  <a:moveTo>
+                    <a:pt x="1068" y="1020"/>
+                  </a:moveTo>
+                  <a:lnTo>
+                    <a:pt x="184" y="60"/>
+                  </a:lnTo>
+                  <a:lnTo>
+                    <a:pt x="154" y="27"/>
+                  </a:lnTo>
+                  <a:lnTo>
+                    <a:pt x="157" y="27"/>
+                  </a:lnTo>
+                  <a:lnTo>
+                    <a:pt x="157" y="24"/>
+                  </a:lnTo>
+                  <a:lnTo>
+                    <a:pt x="154" y="24"/>
+                  </a:lnTo>
+                  <a:lnTo>
+                    <a:pt x="0" y="0"/>
+                  </a:lnTo>
+                  <a:lnTo>
+                    <a:pt x="0" y="0"/>
+                  </a:lnTo>
+                  <a:lnTo>
+                    <a:pt x="774" y="1020"/>
+                  </a:lnTo>
+                  <a:lnTo>
+                    <a:pt x="1068" y="1020"/>
+                  </a:lnTo>
+                  <a:close/>
+                </a:path>
+              </a:pathLst>
+            </a:custGeom>
+            <a:solidFill>
+              <a:schemeClr val="tx1">
+                <a:lumMod val="75000"/>
+                <a:lumOff val="25000"/>
+              </a:schemeClr>
+            </a:solidFill>
+            <a:ln>
+              <a:noFill/>
+            </a:ln>
+          </p:spPr>
+        </p:sp>
+      </p:grpSp>
+      <p:sp>
+        <p:nvSpPr>
+          <p:cNvPr id="2" name="Title Placeholder 1"/>
           <p:cNvSpPr>
             <a:spLocks noGrp="1"/>
           </p:cNvSpPr>
@@ -2781,8 +5495,42 @@
         </p:nvSpPr>
         <p:spPr>
           <a:xfrm>
-            <a:off x="838200" y="365125"/>
-            <a:ext cx="10515600" cy="1325563"/>
+            <a:off x="1484311" y="685800"/>
+            <a:ext cx="10018713" cy="1752599"/>
+          </a:xfrm>
+          <a:prstGeom prst="rect">
+            <a:avLst/>
+          </a:prstGeom>
+          <a:effectLst/>
+        </p:spPr>
+        <p:txBody>
+          <a:bodyPr vert="horz" lIns="91440" tIns="45720" rIns="91440" bIns="45720" rtlCol="0" anchor="ctr">
+            <a:normAutofit/>
+          </a:bodyPr>
+          <a:lstStyle/>
+          <a:p>
+            <a:r>
+              <a:rPr lang="en-US"/>
+              <a:t>Click to edit Master title style</a:t>
+            </a:r>
+            <a:endParaRPr lang="en-US" dirty="0"/>
+          </a:p>
+        </p:txBody>
+      </p:sp>
+      <p:sp>
+        <p:nvSpPr>
+          <p:cNvPr id="3" name="Text Placeholder 2"/>
+          <p:cNvSpPr>
+            <a:spLocks noGrp="1"/>
+          </p:cNvSpPr>
+          <p:nvPr>
+            <p:ph type="body" idx="1"/>
+          </p:nvPr>
+        </p:nvSpPr>
+        <p:spPr>
+          <a:xfrm>
+            <a:off x="1484310" y="2666999"/>
+            <a:ext cx="10018713" cy="3124201"/>
           </a:xfrm>
           <a:prstGeom prst="rect">
             <a:avLst/>
@@ -2794,100 +5542,98 @@
           </a:bodyPr>
           <a:lstStyle/>
           <a:p>
-            <a:r>
-              <a:rPr lang="en-US"/>
-              <a:t>Click to edit Master title style</a:t>
-            </a:r>
-          </a:p>
-        </p:txBody>
-      </p:sp>
-      <p:sp>
-        <p:nvSpPr>
-          <p:cNvPr id="3" name="Text Placeholder 2">
-            <a:extLst>
-              <a:ext uri="{FF2B5EF4-FFF2-40B4-BE49-F238E27FC236}">
-                <a16:creationId xmlns:a16="http://schemas.microsoft.com/office/drawing/2014/main" id="{AAA58018-6F18-44E6-A2EF-64FE66CECDE2}"/>
-              </a:ext>
-            </a:extLst>
-          </p:cNvPr>
-          <p:cNvSpPr>
-            <a:spLocks noGrp="1"/>
-          </p:cNvSpPr>
-          <p:nvPr>
-            <p:ph type="body" idx="1"/>
+            <a:pPr lvl="0"/>
+            <a:r>
+              <a:rPr lang="en-US"/>
+              <a:t>Click to edit Master text styles</a:t>
+            </a:r>
+          </a:p>
+          <a:p>
+            <a:pPr lvl="1"/>
+            <a:r>
+              <a:rPr lang="en-US"/>
+              <a:t>Second level</a:t>
+            </a:r>
+          </a:p>
+          <a:p>
+            <a:pPr lvl="2"/>
+            <a:r>
+              <a:rPr lang="en-US"/>
+              <a:t>Third level</a:t>
+            </a:r>
+          </a:p>
+          <a:p>
+            <a:pPr lvl="3"/>
+            <a:r>
+              <a:rPr lang="en-US"/>
+              <a:t>Fourth level</a:t>
+            </a:r>
+          </a:p>
+          <a:p>
+            <a:pPr lvl="4"/>
+            <a:r>
+              <a:rPr lang="en-US"/>
+              <a:t>Fifth level</a:t>
+            </a:r>
+            <a:endParaRPr lang="en-US" dirty="0"/>
+          </a:p>
+        </p:txBody>
+      </p:sp>
+      <p:sp>
+        <p:nvSpPr>
+          <p:cNvPr id="4" name="Date Placeholder 3"/>
+          <p:cNvSpPr>
+            <a:spLocks noGrp="1"/>
+          </p:cNvSpPr>
+          <p:nvPr>
+            <p:ph type="dt" sz="half" idx="2"/>
           </p:nvPr>
         </p:nvSpPr>
         <p:spPr>
           <a:xfrm>
-            <a:off x="838200" y="1825625"/>
-            <a:ext cx="10515600" cy="4351338"/>
+            <a:off x="9732656" y="5883275"/>
+            <a:ext cx="1143000" cy="365125"/>
           </a:xfrm>
           <a:prstGeom prst="rect">
             <a:avLst/>
           </a:prstGeom>
         </p:spPr>
         <p:txBody>
-          <a:bodyPr vert="horz" lIns="91440" tIns="45720" rIns="91440" bIns="45720" rtlCol="0">
-            <a:normAutofit/>
-          </a:bodyPr>
-          <a:lstStyle/>
-          <a:p>
-            <a:pPr lvl="0"/>
-            <a:r>
-              <a:rPr lang="en-US"/>
-              <a:t>Click to edit Master text styles</a:t>
-            </a:r>
-          </a:p>
-          <a:p>
-            <a:pPr lvl="1"/>
-            <a:r>
-              <a:rPr lang="en-US"/>
-              <a:t>Second level</a:t>
-            </a:r>
-          </a:p>
-          <a:p>
-            <a:pPr lvl="2"/>
-            <a:r>
-              <a:rPr lang="en-US"/>
-              <a:t>Third level</a:t>
-            </a:r>
-          </a:p>
-          <a:p>
-            <a:pPr lvl="3"/>
-            <a:r>
-              <a:rPr lang="en-US"/>
-              <a:t>Fourth level</a:t>
-            </a:r>
-          </a:p>
-          <a:p>
-            <a:pPr lvl="4"/>
-            <a:r>
-              <a:rPr lang="en-US"/>
-              <a:t>Fifth level</a:t>
-            </a:r>
-          </a:p>
-        </p:txBody>
-      </p:sp>
-      <p:sp>
-        <p:nvSpPr>
-          <p:cNvPr id="4" name="Date Placeholder 3">
-            <a:extLst>
-              <a:ext uri="{FF2B5EF4-FFF2-40B4-BE49-F238E27FC236}">
-                <a16:creationId xmlns:a16="http://schemas.microsoft.com/office/drawing/2014/main" id="{15234513-6E99-4540-A9AC-F3CF7BC80C6C}"/>
-              </a:ext>
-            </a:extLst>
-          </p:cNvPr>
-          <p:cNvSpPr>
-            <a:spLocks noGrp="1"/>
-          </p:cNvSpPr>
-          <p:nvPr>
-            <p:ph type="dt" sz="half" idx="2"/>
+          <a:bodyPr vert="horz" lIns="91440" tIns="45720" rIns="91440" bIns="45720" rtlCol="0" anchor="ctr"/>
+          <a:lstStyle>
+            <a:lvl1pPr algn="r">
+              <a:defRPr sz="1000" b="0" i="0">
+                <a:solidFill>
+                  <a:schemeClr val="tx1"/>
+                </a:solidFill>
+                <a:effectLst/>
+                <a:latin typeface="+mn-lt"/>
+              </a:defRPr>
+            </a:lvl1pPr>
+          </a:lstStyle>
+          <a:p>
+            <a:fld id="{9C960552-60F5-48AF-A3A9-38C0A7F49CF6}" type="datetimeFigureOut">
+              <a:rPr lang="en-US" smtClean="0"/>
+              <a:t>6/29/2019</a:t>
+            </a:fld>
+            <a:endParaRPr lang="en-US"/>
+          </a:p>
+        </p:txBody>
+      </p:sp>
+      <p:sp>
+        <p:nvSpPr>
+          <p:cNvPr id="5" name="Footer Placeholder 4"/>
+          <p:cNvSpPr>
+            <a:spLocks noGrp="1"/>
+          </p:cNvSpPr>
+          <p:nvPr>
+            <p:ph type="ftr" sz="quarter" idx="3"/>
           </p:nvPr>
         </p:nvSpPr>
         <p:spPr>
           <a:xfrm>
-            <a:off x="838200" y="6356350"/>
-            <a:ext cx="2743200" cy="365125"/>
+            <a:off x="2572279" y="5883275"/>
+            <a:ext cx="7084177" cy="365125"/>
           </a:xfrm>
           <a:prstGeom prst="rect">
             <a:avLst/>
@@ -2897,44 +5643,34 @@
           <a:bodyPr vert="horz" lIns="91440" tIns="45720" rIns="91440" bIns="45720" rtlCol="0" anchor="ctr"/>
           <a:lstStyle>
             <a:lvl1pPr algn="l">
-              <a:defRPr sz="1200">
-                <a:solidFill>
-                  <a:schemeClr val="tx1">
-                    <a:tint val="75000"/>
-                  </a:schemeClr>
-                </a:solidFill>
+              <a:defRPr sz="1000" b="0" i="0">
+                <a:solidFill>
+                  <a:schemeClr val="tx1"/>
+                </a:solidFill>
+                <a:effectLst/>
+                <a:latin typeface="+mn-lt"/>
               </a:defRPr>
             </a:lvl1pPr>
           </a:lstStyle>
           <a:p>
-            <a:fld id="{9C960552-60F5-48AF-A3A9-38C0A7F49CF6}" type="datetimeFigureOut">
-              <a:rPr lang="en-US" smtClean="0"/>
-              <a:t>6/26/2019</a:t>
-            </a:fld>
             <a:endParaRPr lang="en-US"/>
           </a:p>
         </p:txBody>
       </p:sp>
       <p:sp>
         <p:nvSpPr>
-          <p:cNvPr id="5" name="Footer Placeholder 4">
-            <a:extLst>
-              <a:ext uri="{FF2B5EF4-FFF2-40B4-BE49-F238E27FC236}">
-                <a16:creationId xmlns:a16="http://schemas.microsoft.com/office/drawing/2014/main" id="{0C9E273A-019B-4CE3-87D7-65CD247C9B1B}"/>
-              </a:ext>
-            </a:extLst>
-          </p:cNvPr>
-          <p:cNvSpPr>
-            <a:spLocks noGrp="1"/>
-          </p:cNvSpPr>
-          <p:nvPr>
-            <p:ph type="ftr" sz="quarter" idx="3"/>
+          <p:cNvPr id="6" name="Slide Number Placeholder 5"/>
+          <p:cNvSpPr>
+            <a:spLocks noGrp="1"/>
+          </p:cNvSpPr>
+          <p:nvPr>
+            <p:ph type="sldNum" sz="quarter" idx="4"/>
           </p:nvPr>
         </p:nvSpPr>
         <p:spPr>
           <a:xfrm>
-            <a:off x="4038600" y="6356350"/>
-            <a:ext cx="4114800" cy="365125"/>
+            <a:off x="10951856" y="5883275"/>
+            <a:ext cx="551167" cy="365125"/>
           </a:xfrm>
           <a:prstGeom prst="rect">
             <a:avLst/>
@@ -2943,56 +5679,13 @@
         <p:txBody>
           <a:bodyPr vert="horz" lIns="91440" tIns="45720" rIns="91440" bIns="45720" rtlCol="0" anchor="ctr"/>
           <a:lstStyle>
-            <a:lvl1pPr algn="ctr">
-              <a:defRPr sz="1200">
-                <a:solidFill>
-                  <a:schemeClr val="tx1">
-                    <a:tint val="75000"/>
-                  </a:schemeClr>
-                </a:solidFill>
-              </a:defRPr>
-            </a:lvl1pPr>
-          </a:lstStyle>
-          <a:p>
-            <a:endParaRPr lang="en-US"/>
-          </a:p>
-        </p:txBody>
-      </p:sp>
-      <p:sp>
-        <p:nvSpPr>
-          <p:cNvPr id="6" name="Slide Number Placeholder 5">
-            <a:extLst>
-              <a:ext uri="{FF2B5EF4-FFF2-40B4-BE49-F238E27FC236}">
-                <a16:creationId xmlns:a16="http://schemas.microsoft.com/office/drawing/2014/main" id="{110695AE-4431-463D-983C-23066DA38E64}"/>
-              </a:ext>
-            </a:extLst>
-          </p:cNvPr>
-          <p:cNvSpPr>
-            <a:spLocks noGrp="1"/>
-          </p:cNvSpPr>
-          <p:nvPr>
-            <p:ph type="sldNum" sz="quarter" idx="4"/>
-          </p:nvPr>
-        </p:nvSpPr>
-        <p:spPr>
-          <a:xfrm>
-            <a:off x="8610600" y="6356350"/>
-            <a:ext cx="2743200" cy="365125"/>
-          </a:xfrm>
-          <a:prstGeom prst="rect">
-            <a:avLst/>
-          </a:prstGeom>
-        </p:spPr>
-        <p:txBody>
-          <a:bodyPr vert="horz" lIns="91440" tIns="45720" rIns="91440" bIns="45720" rtlCol="0" anchor="ctr"/>
-          <a:lstStyle>
             <a:lvl1pPr algn="r">
-              <a:defRPr sz="1200">
-                <a:solidFill>
-                  <a:schemeClr val="tx1">
-                    <a:tint val="75000"/>
-                  </a:schemeClr>
-                </a:solidFill>
+              <a:defRPr sz="1000" b="0" i="0">
+                <a:solidFill>
+                  <a:schemeClr val="tx1"/>
+                </a:solidFill>
+                <a:effectLst/>
+                <a:latin typeface="+mn-lt"/>
               </a:defRPr>
             </a:lvl1pPr>
           </a:lstStyle>
@@ -3008,202 +5701,328 @@
     </p:spTree>
     <p:extLst>
       <p:ext uri="{BB962C8B-B14F-4D97-AF65-F5344CB8AC3E}">
-        <p14:creationId xmlns:p14="http://schemas.microsoft.com/office/powerpoint/2010/main" val="3833757592"/>
+        <p14:creationId xmlns:p14="http://schemas.microsoft.com/office/powerpoint/2010/main" val="3551586573"/>
       </p:ext>
     </p:extLst>
   </p:cSld>
   <p:clrMap bg1="lt1" tx1="dk1" bg2="lt2" tx2="dk2" accent1="accent1" accent2="accent2" accent3="accent3" accent4="accent4" accent5="accent5" accent6="accent6" hlink="hlink" folHlink="folHlink"/>
   <p:sldLayoutIdLst>
-    <p:sldLayoutId id="2147483649" r:id="rId1"/>
-    <p:sldLayoutId id="2147483650" r:id="rId2"/>
-    <p:sldLayoutId id="2147483651" r:id="rId3"/>
-    <p:sldLayoutId id="2147483652" r:id="rId4"/>
-    <p:sldLayoutId id="2147483653" r:id="rId5"/>
-    <p:sldLayoutId id="2147483654" r:id="rId6"/>
-    <p:sldLayoutId id="2147483655" r:id="rId7"/>
-    <p:sldLayoutId id="2147483656" r:id="rId8"/>
-    <p:sldLayoutId id="2147483657" r:id="rId9"/>
-    <p:sldLayoutId id="2147483658" r:id="rId10"/>
-    <p:sldLayoutId id="2147483659" r:id="rId11"/>
+    <p:sldLayoutId id="2147483739" r:id="rId1"/>
+    <p:sldLayoutId id="2147483740" r:id="rId2"/>
+    <p:sldLayoutId id="2147483741" r:id="rId3"/>
+    <p:sldLayoutId id="2147483742" r:id="rId4"/>
+    <p:sldLayoutId id="2147483743" r:id="rId5"/>
+    <p:sldLayoutId id="2147483744" r:id="rId6"/>
+    <p:sldLayoutId id="2147483745" r:id="rId7"/>
+    <p:sldLayoutId id="2147483746" r:id="rId8"/>
+    <p:sldLayoutId id="2147483747" r:id="rId9"/>
+    <p:sldLayoutId id="2147483748" r:id="rId10"/>
+    <p:sldLayoutId id="2147483749" r:id="rId11"/>
+    <p:sldLayoutId id="2147483750" r:id="rId12"/>
+    <p:sldLayoutId id="2147483751" r:id="rId13"/>
+    <p:sldLayoutId id="2147483752" r:id="rId14"/>
+    <p:sldLayoutId id="2147483753" r:id="rId15"/>
+    <p:sldLayoutId id="2147483754" r:id="rId16"/>
+    <p:sldLayoutId id="2147483755" r:id="rId17"/>
   </p:sldLayoutIdLst>
   <p:txStyles>
     <p:titleStyle>
-      <a:lvl1pPr algn="l" defTabSz="914400" rtl="0" eaLnBrk="1" latinLnBrk="0" hangingPunct="1">
-        <a:lnSpc>
-          <a:spcPct val="90000"/>
-        </a:lnSpc>
+      <a:lvl1pPr algn="ctr" defTabSz="457200" rtl="0" eaLnBrk="1" latinLnBrk="0" hangingPunct="1">
         <a:spcBef>
           <a:spcPct val="0"/>
         </a:spcBef>
         <a:buNone/>
-        <a:defRPr sz="4400" kern="1200">
+        <a:defRPr sz="4000" kern="1200" cap="none">
+          <a:ln w="3175" cmpd="sng">
+            <a:noFill/>
+          </a:ln>
           <a:solidFill>
             <a:schemeClr val="tx1"/>
           </a:solidFill>
+          <a:effectLst/>
           <a:latin typeface="+mj-lt"/>
           <a:ea typeface="+mj-ea"/>
           <a:cs typeface="+mj-cs"/>
         </a:defRPr>
       </a:lvl1pPr>
+      <a:lvl2pPr eaLnBrk="1" hangingPunct="1">
+        <a:defRPr>
+          <a:solidFill>
+            <a:schemeClr val="tx2"/>
+          </a:solidFill>
+        </a:defRPr>
+      </a:lvl2pPr>
+      <a:lvl3pPr eaLnBrk="1" hangingPunct="1">
+        <a:defRPr>
+          <a:solidFill>
+            <a:schemeClr val="tx2"/>
+          </a:solidFill>
+        </a:defRPr>
+      </a:lvl3pPr>
+      <a:lvl4pPr eaLnBrk="1" hangingPunct="1">
+        <a:defRPr>
+          <a:solidFill>
+            <a:schemeClr val="tx2"/>
+          </a:solidFill>
+        </a:defRPr>
+      </a:lvl4pPr>
+      <a:lvl5pPr eaLnBrk="1" hangingPunct="1">
+        <a:defRPr>
+          <a:solidFill>
+            <a:schemeClr val="tx2"/>
+          </a:solidFill>
+        </a:defRPr>
+      </a:lvl5pPr>
+      <a:lvl6pPr eaLnBrk="1" hangingPunct="1">
+        <a:defRPr>
+          <a:solidFill>
+            <a:schemeClr val="tx2"/>
+          </a:solidFill>
+        </a:defRPr>
+      </a:lvl6pPr>
+      <a:lvl7pPr eaLnBrk="1" hangingPunct="1">
+        <a:defRPr>
+          <a:solidFill>
+            <a:schemeClr val="tx2"/>
+          </a:solidFill>
+        </a:defRPr>
+      </a:lvl7pPr>
+      <a:lvl8pPr eaLnBrk="1" hangingPunct="1">
+        <a:defRPr>
+          <a:solidFill>
+            <a:schemeClr val="tx2"/>
+          </a:solidFill>
+        </a:defRPr>
+      </a:lvl8pPr>
+      <a:lvl9pPr eaLnBrk="1" hangingPunct="1">
+        <a:defRPr>
+          <a:solidFill>
+            <a:schemeClr val="tx2"/>
+          </a:solidFill>
+        </a:defRPr>
+      </a:lvl9pPr>
     </p:titleStyle>
     <p:bodyStyle>
-      <a:lvl1pPr marL="228600" indent="-228600" algn="l" defTabSz="914400" rtl="0" eaLnBrk="1" latinLnBrk="0" hangingPunct="1">
-        <a:lnSpc>
-          <a:spcPct val="90000"/>
-        </a:lnSpc>
+      <a:lvl1pPr marL="285750" indent="-285750" algn="l" defTabSz="457200" rtl="0" eaLnBrk="1" latinLnBrk="0" hangingPunct="1">
         <a:spcBef>
-          <a:spcPts val="1000"/>
+          <a:spcPct val="20000"/>
         </a:spcBef>
-        <a:buFont typeface="Arial" panose="020B0604020202020204" pitchFamily="34" charset="0"/>
+        <a:spcAft>
+          <a:spcPts val="600"/>
+        </a:spcAft>
+        <a:buClr>
+          <a:schemeClr val="accent1">
+            <a:lumMod val="75000"/>
+          </a:schemeClr>
+        </a:buClr>
+        <a:buSzPct val="145000"/>
+        <a:buFont typeface="Arial"/>
         <a:buChar char="•"/>
-        <a:defRPr sz="2800" kern="1200">
+        <a:defRPr sz="2400" kern="1200" cap="none">
           <a:solidFill>
             <a:schemeClr val="tx1"/>
           </a:solidFill>
+          <a:effectLst/>
           <a:latin typeface="+mn-lt"/>
           <a:ea typeface="+mn-ea"/>
           <a:cs typeface="+mn-cs"/>
         </a:defRPr>
       </a:lvl1pPr>
-      <a:lvl2pPr marL="685800" indent="-228600" algn="l" defTabSz="914400" rtl="0" eaLnBrk="1" latinLnBrk="0" hangingPunct="1">
-        <a:lnSpc>
-          <a:spcPct val="90000"/>
-        </a:lnSpc>
+      <a:lvl2pPr marL="742950" indent="-285750" algn="l" defTabSz="457200" rtl="0" eaLnBrk="1" latinLnBrk="0" hangingPunct="1">
         <a:spcBef>
-          <a:spcPts val="500"/>
+          <a:spcPct val="20000"/>
         </a:spcBef>
-        <a:buFont typeface="Arial" panose="020B0604020202020204" pitchFamily="34" charset="0"/>
+        <a:spcAft>
+          <a:spcPts val="600"/>
+        </a:spcAft>
+        <a:buClr>
+          <a:schemeClr val="accent1">
+            <a:lumMod val="75000"/>
+          </a:schemeClr>
+        </a:buClr>
+        <a:buSzPct val="145000"/>
+        <a:buFont typeface="Arial"/>
         <a:buChar char="•"/>
-        <a:defRPr sz="2400" kern="1200">
+        <a:defRPr sz="2000" kern="1200" cap="none">
           <a:solidFill>
             <a:schemeClr val="tx1"/>
           </a:solidFill>
+          <a:effectLst/>
           <a:latin typeface="+mn-lt"/>
           <a:ea typeface="+mn-ea"/>
           <a:cs typeface="+mn-cs"/>
         </a:defRPr>
       </a:lvl2pPr>
-      <a:lvl3pPr marL="1143000" indent="-228600" algn="l" defTabSz="914400" rtl="0" eaLnBrk="1" latinLnBrk="0" hangingPunct="1">
-        <a:lnSpc>
-          <a:spcPct val="90000"/>
-        </a:lnSpc>
+      <a:lvl3pPr marL="1200150" indent="-285750" algn="l" defTabSz="457200" rtl="0" eaLnBrk="1" latinLnBrk="0" hangingPunct="1">
         <a:spcBef>
-          <a:spcPts val="500"/>
+          <a:spcPct val="20000"/>
         </a:spcBef>
-        <a:buFont typeface="Arial" panose="020B0604020202020204" pitchFamily="34" charset="0"/>
+        <a:spcAft>
+          <a:spcPts val="600"/>
+        </a:spcAft>
+        <a:buClr>
+          <a:schemeClr val="accent1">
+            <a:lumMod val="75000"/>
+          </a:schemeClr>
+        </a:buClr>
+        <a:buSzPct val="145000"/>
+        <a:buFont typeface="Arial"/>
         <a:buChar char="•"/>
-        <a:defRPr sz="2000" kern="1200">
+        <a:defRPr sz="1800" kern="1200" cap="none">
           <a:solidFill>
             <a:schemeClr val="tx1"/>
           </a:solidFill>
+          <a:effectLst/>
           <a:latin typeface="+mn-lt"/>
           <a:ea typeface="+mn-ea"/>
           <a:cs typeface="+mn-cs"/>
         </a:defRPr>
       </a:lvl3pPr>
-      <a:lvl4pPr marL="1600200" indent="-228600" algn="l" defTabSz="914400" rtl="0" eaLnBrk="1" latinLnBrk="0" hangingPunct="1">
-        <a:lnSpc>
-          <a:spcPct val="90000"/>
-        </a:lnSpc>
+      <a:lvl4pPr marL="1543050" indent="-171450" algn="l" defTabSz="457200" rtl="0" eaLnBrk="1" latinLnBrk="0" hangingPunct="1">
         <a:spcBef>
-          <a:spcPts val="500"/>
+          <a:spcPct val="20000"/>
         </a:spcBef>
-        <a:buFont typeface="Arial" panose="020B0604020202020204" pitchFamily="34" charset="0"/>
+        <a:spcAft>
+          <a:spcPts val="600"/>
+        </a:spcAft>
+        <a:buClr>
+          <a:schemeClr val="accent1">
+            <a:lumMod val="75000"/>
+          </a:schemeClr>
+        </a:buClr>
+        <a:buSzPct val="145000"/>
+        <a:buFont typeface="Arial"/>
         <a:buChar char="•"/>
-        <a:defRPr sz="1800" kern="1200">
+        <a:defRPr sz="1600" kern="1200" cap="none">
           <a:solidFill>
             <a:schemeClr val="tx1"/>
           </a:solidFill>
+          <a:effectLst/>
           <a:latin typeface="+mn-lt"/>
           <a:ea typeface="+mn-ea"/>
           <a:cs typeface="+mn-cs"/>
         </a:defRPr>
       </a:lvl4pPr>
-      <a:lvl5pPr marL="2057400" indent="-228600" algn="l" defTabSz="914400" rtl="0" eaLnBrk="1" latinLnBrk="0" hangingPunct="1">
-        <a:lnSpc>
-          <a:spcPct val="90000"/>
-        </a:lnSpc>
+      <a:lvl5pPr marL="2000250" indent="-171450" algn="l" defTabSz="457200" rtl="0" eaLnBrk="1" latinLnBrk="0" hangingPunct="1">
         <a:spcBef>
-          <a:spcPts val="500"/>
+          <a:spcPct val="20000"/>
         </a:spcBef>
-        <a:buFont typeface="Arial" panose="020B0604020202020204" pitchFamily="34" charset="0"/>
+        <a:spcAft>
+          <a:spcPts val="600"/>
+        </a:spcAft>
+        <a:buClr>
+          <a:schemeClr val="accent1">
+            <a:lumMod val="75000"/>
+          </a:schemeClr>
+        </a:buClr>
+        <a:buSzPct val="145000"/>
+        <a:buFont typeface="Arial"/>
         <a:buChar char="•"/>
-        <a:defRPr sz="1800" kern="1200">
+        <a:defRPr sz="1400" kern="1200" cap="none">
           <a:solidFill>
             <a:schemeClr val="tx1"/>
           </a:solidFill>
+          <a:effectLst/>
           <a:latin typeface="+mn-lt"/>
           <a:ea typeface="+mn-ea"/>
           <a:cs typeface="+mn-cs"/>
         </a:defRPr>
       </a:lvl5pPr>
-      <a:lvl6pPr marL="2514600" indent="-228600" algn="l" defTabSz="914400" rtl="0" eaLnBrk="1" latinLnBrk="0" hangingPunct="1">
-        <a:lnSpc>
-          <a:spcPct val="90000"/>
-        </a:lnSpc>
+      <a:lvl6pPr marL="2514600" indent="-228600" algn="l" defTabSz="457200" rtl="0" eaLnBrk="1" latinLnBrk="0" hangingPunct="1">
         <a:spcBef>
-          <a:spcPts val="500"/>
+          <a:spcPct val="20000"/>
         </a:spcBef>
-        <a:buFont typeface="Arial" panose="020B0604020202020204" pitchFamily="34" charset="0"/>
+        <a:spcAft>
+          <a:spcPts val="600"/>
+        </a:spcAft>
+        <a:buClr>
+          <a:schemeClr val="accent1">
+            <a:lumMod val="75000"/>
+          </a:schemeClr>
+        </a:buClr>
+        <a:buSzPct val="145000"/>
+        <a:buFont typeface="Arial"/>
         <a:buChar char="•"/>
-        <a:defRPr sz="1800" kern="1200">
+        <a:defRPr sz="1400" kern="1200" cap="none">
           <a:solidFill>
             <a:schemeClr val="tx1"/>
           </a:solidFill>
+          <a:effectLst/>
           <a:latin typeface="+mn-lt"/>
           <a:ea typeface="+mn-ea"/>
           <a:cs typeface="+mn-cs"/>
         </a:defRPr>
       </a:lvl6pPr>
-      <a:lvl7pPr marL="2971800" indent="-228600" algn="l" defTabSz="914400" rtl="0" eaLnBrk="1" latinLnBrk="0" hangingPunct="1">
-        <a:lnSpc>
-          <a:spcPct val="90000"/>
-        </a:lnSpc>
+      <a:lvl7pPr marL="2971800" indent="-228600" algn="l" defTabSz="457200" rtl="0" eaLnBrk="1" latinLnBrk="0" hangingPunct="1">
         <a:spcBef>
-          <a:spcPts val="500"/>
+          <a:spcPct val="20000"/>
         </a:spcBef>
-        <a:buFont typeface="Arial" panose="020B0604020202020204" pitchFamily="34" charset="0"/>
+        <a:spcAft>
+          <a:spcPts val="600"/>
+        </a:spcAft>
+        <a:buClr>
+          <a:schemeClr val="accent1">
+            <a:lumMod val="75000"/>
+          </a:schemeClr>
+        </a:buClr>
+        <a:buSzPct val="145000"/>
+        <a:buFont typeface="Arial"/>
         <a:buChar char="•"/>
-        <a:defRPr sz="1800" kern="1200">
+        <a:defRPr sz="1400" kern="1200" cap="none">
           <a:solidFill>
             <a:schemeClr val="tx1"/>
           </a:solidFill>
+          <a:effectLst/>
           <a:latin typeface="+mn-lt"/>
           <a:ea typeface="+mn-ea"/>
           <a:cs typeface="+mn-cs"/>
         </a:defRPr>
       </a:lvl7pPr>
-      <a:lvl8pPr marL="3429000" indent="-228600" algn="l" defTabSz="914400" rtl="0" eaLnBrk="1" latinLnBrk="0" hangingPunct="1">
-        <a:lnSpc>
-          <a:spcPct val="90000"/>
-        </a:lnSpc>
+      <a:lvl8pPr marL="3429000" indent="-228600" algn="l" defTabSz="457200" rtl="0" eaLnBrk="1" latinLnBrk="0" hangingPunct="1">
         <a:spcBef>
-          <a:spcPts val="500"/>
+          <a:spcPct val="20000"/>
         </a:spcBef>
-        <a:buFont typeface="Arial" panose="020B0604020202020204" pitchFamily="34" charset="0"/>
+        <a:spcAft>
+          <a:spcPts val="600"/>
+        </a:spcAft>
+        <a:buClr>
+          <a:schemeClr val="accent1">
+            <a:lumMod val="75000"/>
+          </a:schemeClr>
+        </a:buClr>
+        <a:buSzPct val="145000"/>
+        <a:buFont typeface="Arial"/>
         <a:buChar char="•"/>
-        <a:defRPr sz="1800" kern="1200">
+        <a:defRPr sz="1400" kern="1200" cap="none">
           <a:solidFill>
             <a:schemeClr val="tx1"/>
           </a:solidFill>
+          <a:effectLst/>
           <a:latin typeface="+mn-lt"/>
           <a:ea typeface="+mn-ea"/>
           <a:cs typeface="+mn-cs"/>
         </a:defRPr>
       </a:lvl8pPr>
-      <a:lvl9pPr marL="3886200" indent="-228600" algn="l" defTabSz="914400" rtl="0" eaLnBrk="1" latinLnBrk="0" hangingPunct="1">
-        <a:lnSpc>
-          <a:spcPct val="90000"/>
-        </a:lnSpc>
+      <a:lvl9pPr marL="3886200" indent="-228600" algn="l" defTabSz="457200" rtl="0" eaLnBrk="1" latinLnBrk="0" hangingPunct="1">
         <a:spcBef>
-          <a:spcPts val="500"/>
+          <a:spcPct val="20000"/>
         </a:spcBef>
-        <a:buFont typeface="Arial" panose="020B0604020202020204" pitchFamily="34" charset="0"/>
+        <a:spcAft>
+          <a:spcPts val="600"/>
+        </a:spcAft>
+        <a:buClr>
+          <a:schemeClr val="accent1">
+            <a:lumMod val="75000"/>
+          </a:schemeClr>
+        </a:buClr>
+        <a:buSzPct val="145000"/>
+        <a:buFont typeface="Arial"/>
         <a:buChar char="•"/>
-        <a:defRPr sz="1800" kern="1200">
+        <a:defRPr sz="1400" kern="1200" cap="none">
           <a:solidFill>
             <a:schemeClr val="tx1"/>
           </a:solidFill>
+          <a:effectLst/>
           <a:latin typeface="+mn-lt"/>
           <a:ea typeface="+mn-ea"/>
           <a:cs typeface="+mn-cs"/>
@@ -3214,7 +6033,7 @@
       <a:defPPr>
         <a:defRPr lang="en-US"/>
       </a:defPPr>
-      <a:lvl1pPr marL="0" algn="l" defTabSz="914400" rtl="0" eaLnBrk="1" latinLnBrk="0" hangingPunct="1">
+      <a:lvl1pPr marL="0" algn="l" defTabSz="457200" rtl="0" eaLnBrk="1" latinLnBrk="0" hangingPunct="1">
         <a:defRPr sz="1800" kern="1200">
           <a:solidFill>
             <a:schemeClr val="tx1"/>
@@ -3224,7 +6043,7 @@
           <a:cs typeface="+mn-cs"/>
         </a:defRPr>
       </a:lvl1pPr>
-      <a:lvl2pPr marL="457200" algn="l" defTabSz="914400" rtl="0" eaLnBrk="1" latinLnBrk="0" hangingPunct="1">
+      <a:lvl2pPr marL="457200" algn="l" defTabSz="457200" rtl="0" eaLnBrk="1" latinLnBrk="0" hangingPunct="1">
         <a:defRPr sz="1800" kern="1200">
           <a:solidFill>
             <a:schemeClr val="tx1"/>
@@ -3234,7 +6053,7 @@
           <a:cs typeface="+mn-cs"/>
         </a:defRPr>
       </a:lvl2pPr>
-      <a:lvl3pPr marL="914400" algn="l" defTabSz="914400" rtl="0" eaLnBrk="1" latinLnBrk="0" hangingPunct="1">
+      <a:lvl3pPr marL="914400" algn="l" defTabSz="457200" rtl="0" eaLnBrk="1" latinLnBrk="0" hangingPunct="1">
         <a:defRPr sz="1800" kern="1200">
           <a:solidFill>
             <a:schemeClr val="tx1"/>
@@ -3244,7 +6063,7 @@
           <a:cs typeface="+mn-cs"/>
         </a:defRPr>
       </a:lvl3pPr>
-      <a:lvl4pPr marL="1371600" algn="l" defTabSz="914400" rtl="0" eaLnBrk="1" latinLnBrk="0" hangingPunct="1">
+      <a:lvl4pPr marL="1371600" algn="l" defTabSz="457200" rtl="0" eaLnBrk="1" latinLnBrk="0" hangingPunct="1">
         <a:defRPr sz="1800" kern="1200">
           <a:solidFill>
             <a:schemeClr val="tx1"/>
@@ -3254,7 +6073,7 @@
           <a:cs typeface="+mn-cs"/>
         </a:defRPr>
       </a:lvl4pPr>
-      <a:lvl5pPr marL="1828800" algn="l" defTabSz="914400" rtl="0" eaLnBrk="1" latinLnBrk="0" hangingPunct="1">
+      <a:lvl5pPr marL="1828800" algn="l" defTabSz="457200" rtl="0" eaLnBrk="1" latinLnBrk="0" hangingPunct="1">
         <a:defRPr sz="1800" kern="1200">
           <a:solidFill>
             <a:schemeClr val="tx1"/>
@@ -3264,7 +6083,7 @@
           <a:cs typeface="+mn-cs"/>
         </a:defRPr>
       </a:lvl5pPr>
-      <a:lvl6pPr marL="2286000" algn="l" defTabSz="914400" rtl="0" eaLnBrk="1" latinLnBrk="0" hangingPunct="1">
+      <a:lvl6pPr marL="2286000" algn="l" defTabSz="457200" rtl="0" eaLnBrk="1" latinLnBrk="0" hangingPunct="1">
         <a:defRPr sz="1800" kern="1200">
           <a:solidFill>
             <a:schemeClr val="tx1"/>
@@ -3274,7 +6093,7 @@
           <a:cs typeface="+mn-cs"/>
         </a:defRPr>
       </a:lvl6pPr>
-      <a:lvl7pPr marL="2743200" algn="l" defTabSz="914400" rtl="0" eaLnBrk="1" latinLnBrk="0" hangingPunct="1">
+      <a:lvl7pPr marL="2743200" algn="l" defTabSz="457200" rtl="0" eaLnBrk="1" latinLnBrk="0" hangingPunct="1">
         <a:defRPr sz="1800" kern="1200">
           <a:solidFill>
             <a:schemeClr val="tx1"/>
@@ -3284,7 +6103,7 @@
           <a:cs typeface="+mn-cs"/>
         </a:defRPr>
       </a:lvl7pPr>
-      <a:lvl8pPr marL="3200400" algn="l" defTabSz="914400" rtl="0" eaLnBrk="1" latinLnBrk="0" hangingPunct="1">
+      <a:lvl8pPr marL="3200400" algn="l" defTabSz="457200" rtl="0" eaLnBrk="1" latinLnBrk="0" hangingPunct="1">
         <a:defRPr sz="1800" kern="1200">
           <a:solidFill>
             <a:schemeClr val="tx1"/>
@@ -3294,7 +6113,7 @@
           <a:cs typeface="+mn-cs"/>
         </a:defRPr>
       </a:lvl8pPr>
-      <a:lvl9pPr marL="3657600" algn="l" defTabSz="914400" rtl="0" eaLnBrk="1" latinLnBrk="0" hangingPunct="1">
+      <a:lvl9pPr marL="3657600" algn="l" defTabSz="457200" rtl="0" eaLnBrk="1" latinLnBrk="0" hangingPunct="1">
         <a:defRPr sz="1800" kern="1200">
           <a:solidFill>
             <a:schemeClr val="tx1"/>
@@ -3377,7 +6196,7 @@
         <p:spPr/>
         <p:txBody>
           <a:bodyPr>
-            <a:normAutofit fontScale="92500" lnSpcReduction="10000"/>
+            <a:normAutofit fontScale="70000" lnSpcReduction="20000"/>
           </a:bodyPr>
           <a:lstStyle/>
           <a:p>
@@ -3490,7 +6309,9 @@
         </p:nvSpPr>
         <p:spPr/>
         <p:txBody>
-          <a:bodyPr/>
+          <a:bodyPr>
+            <a:normAutofit lnSpcReduction="10000"/>
+          </a:bodyPr>
           <a:lstStyle/>
           <a:p>
             <a:r>
@@ -3587,7 +6408,7 @@
         <p:spPr/>
         <p:txBody>
           <a:bodyPr>
-            <a:normAutofit/>
+            <a:normAutofit lnSpcReduction="10000"/>
           </a:bodyPr>
           <a:lstStyle/>
           <a:p>
@@ -3686,7 +6507,7 @@
         <p:spPr/>
         <p:txBody>
           <a:bodyPr>
-            <a:normAutofit/>
+            <a:normAutofit fontScale="92500"/>
           </a:bodyPr>
           <a:lstStyle/>
           <a:p>
@@ -3873,42 +6694,13 @@
               <a:rPr lang="ro-RO" dirty="0"/>
               <a:t>:</a:t>
             </a:r>
+            <a:br>
+              <a:rPr lang="ro-RO" dirty="0"/>
+            </a:br>
             <a:endParaRPr lang="en-US" dirty="0"/>
           </a:p>
         </p:txBody>
       </p:sp>
-      <p:pic>
-        <p:nvPicPr>
-          <p:cNvPr id="4" name="Content Placeholder 3">
-            <a:extLst>
-              <a:ext uri="{FF2B5EF4-FFF2-40B4-BE49-F238E27FC236}">
-                <a16:creationId xmlns:a16="http://schemas.microsoft.com/office/drawing/2014/main" id="{F408E207-27FF-45FD-9E60-865D8E39D255}"/>
-              </a:ext>
-            </a:extLst>
-          </p:cNvPr>
-          <p:cNvPicPr>
-            <a:picLocks noGrp="1" noChangeAspect="1"/>
-          </p:cNvPicPr>
-          <p:nvPr>
-            <p:ph idx="1"/>
-          </p:nvPr>
-        </p:nvPicPr>
-        <p:blipFill>
-          <a:blip r:embed="rId2"/>
-          <a:stretch>
-            <a:fillRect/>
-          </a:stretch>
-        </p:blipFill>
-        <p:spPr>
-          <a:xfrm>
-            <a:off x="1126780" y="1857709"/>
-            <a:ext cx="5544608" cy="4351338"/>
-          </a:xfrm>
-          <a:prstGeom prst="rect">
-            <a:avLst/>
-          </a:prstGeom>
-        </p:spPr>
-      </p:pic>
       <p:pic>
         <p:nvPicPr>
           <p:cNvPr id="8" name="Picture 7">
@@ -3924,6 +6716,38 @@
           <p:nvPr/>
         </p:nvPicPr>
         <p:blipFill>
+          <a:blip r:embed="rId2"/>
+          <a:stretch>
+            <a:fillRect/>
+          </a:stretch>
+        </p:blipFill>
+        <p:spPr>
+          <a:xfrm>
+            <a:off x="8101205" y="2080727"/>
+            <a:ext cx="3534068" cy="4128321"/>
+          </a:xfrm>
+          <a:prstGeom prst="rect">
+            <a:avLst/>
+          </a:prstGeom>
+        </p:spPr>
+      </p:pic>
+      <p:pic>
+        <p:nvPicPr>
+          <p:cNvPr id="7" name="Content Placeholder 6">
+            <a:extLst>
+              <a:ext uri="{FF2B5EF4-FFF2-40B4-BE49-F238E27FC236}">
+                <a16:creationId xmlns:a16="http://schemas.microsoft.com/office/drawing/2014/main" id="{7BC0A225-CEDC-4441-BFED-14856373082F}"/>
+              </a:ext>
+            </a:extLst>
+          </p:cNvPr>
+          <p:cNvPicPr>
+            <a:picLocks noGrp="1" noChangeAspect="1"/>
+          </p:cNvPicPr>
+          <p:nvPr>
+            <p:ph idx="1"/>
+          </p:nvPr>
+        </p:nvPicPr>
+        <p:blipFill>
           <a:blip r:embed="rId3"/>
           <a:stretch>
             <a:fillRect/>
@@ -3931,8 +6755,8 @@
         </p:blipFill>
         <p:spPr>
           <a:xfrm>
-            <a:off x="7464490" y="1857709"/>
-            <a:ext cx="3600730" cy="4351339"/>
+            <a:off x="2609948" y="2080726"/>
+            <a:ext cx="4630607" cy="4091473"/>
           </a:xfrm>
           <a:prstGeom prst="rect">
             <a:avLst/>
@@ -3952,10 +6776,334 @@
 </p:sld>
 </file>
 
+<file path=ppt/slides/slide7.xml><?xml version="1.0" encoding="utf-8"?>
+<p:sld xmlns:a="http://schemas.openxmlformats.org/drawingml/2006/main" xmlns:r="http://schemas.openxmlformats.org/officeDocument/2006/relationships" xmlns:p="http://schemas.openxmlformats.org/presentationml/2006/main">
+  <p:cSld>
+    <p:spTree>
+      <p:nvGrpSpPr>
+        <p:cNvPr id="1" name=""/>
+        <p:cNvGrpSpPr/>
+        <p:nvPr/>
+      </p:nvGrpSpPr>
+      <p:grpSpPr>
+        <a:xfrm>
+          <a:off x="0" y="0"/>
+          <a:ext cx="0" cy="0"/>
+          <a:chOff x="0" y="0"/>
+          <a:chExt cx="0" cy="0"/>
+        </a:xfrm>
+      </p:grpSpPr>
+      <p:pic>
+        <p:nvPicPr>
+          <p:cNvPr id="7" name="Picture 6">
+            <a:extLst>
+              <a:ext uri="{FF2B5EF4-FFF2-40B4-BE49-F238E27FC236}">
+                <a16:creationId xmlns:a16="http://schemas.microsoft.com/office/drawing/2014/main" id="{1FB8DFE2-EF9A-4634-B6B7-34F6ABEDA99D}"/>
+              </a:ext>
+            </a:extLst>
+          </p:cNvPr>
+          <p:cNvPicPr>
+            <a:picLocks noChangeAspect="1"/>
+          </p:cNvPicPr>
+          <p:nvPr/>
+        </p:nvPicPr>
+        <p:blipFill>
+          <a:blip r:embed="rId2"/>
+          <a:stretch>
+            <a:fillRect/>
+          </a:stretch>
+        </p:blipFill>
+        <p:spPr>
+          <a:xfrm>
+            <a:off x="2239347" y="391886"/>
+            <a:ext cx="7915322" cy="5775649"/>
+          </a:xfrm>
+          <a:prstGeom prst="rect">
+            <a:avLst/>
+          </a:prstGeom>
+        </p:spPr>
+      </p:pic>
+    </p:spTree>
+    <p:extLst>
+      <p:ext uri="{BB962C8B-B14F-4D97-AF65-F5344CB8AC3E}">
+        <p14:creationId xmlns:p14="http://schemas.microsoft.com/office/powerpoint/2010/main" val="3373653633"/>
+      </p:ext>
+    </p:extLst>
+  </p:cSld>
+  <p:clrMapOvr>
+    <a:masterClrMapping/>
+  </p:clrMapOvr>
+</p:sld>
+</file>
+
+<file path=ppt/slides/slide8.xml><?xml version="1.0" encoding="utf-8"?>
+<p:sld xmlns:a="http://schemas.openxmlformats.org/drawingml/2006/main" xmlns:r="http://schemas.openxmlformats.org/officeDocument/2006/relationships" xmlns:p="http://schemas.openxmlformats.org/presentationml/2006/main">
+  <p:cSld>
+    <p:spTree>
+      <p:nvGrpSpPr>
+        <p:cNvPr id="1" name=""/>
+        <p:cNvGrpSpPr/>
+        <p:nvPr/>
+      </p:nvGrpSpPr>
+      <p:grpSpPr>
+        <a:xfrm>
+          <a:off x="0" y="0"/>
+          <a:ext cx="0" cy="0"/>
+          <a:chOff x="0" y="0"/>
+          <a:chExt cx="0" cy="0"/>
+        </a:xfrm>
+      </p:grpSpPr>
+      <p:sp>
+        <p:nvSpPr>
+          <p:cNvPr id="2" name="Title 1">
+            <a:extLst>
+              <a:ext uri="{FF2B5EF4-FFF2-40B4-BE49-F238E27FC236}">
+                <a16:creationId xmlns:a16="http://schemas.microsoft.com/office/drawing/2014/main" id="{5835D070-11E7-4DB9-9C86-19DCED24DE0D}"/>
+              </a:ext>
+            </a:extLst>
+          </p:cNvPr>
+          <p:cNvSpPr>
+            <a:spLocks noGrp="1"/>
+          </p:cNvSpPr>
+          <p:nvPr>
+            <p:ph type="title"/>
+          </p:nvPr>
+        </p:nvSpPr>
+        <p:spPr/>
+        <p:txBody>
+          <a:bodyPr/>
+          <a:lstStyle/>
+          <a:p>
+            <a:r>
+              <a:rPr lang="ro-RO" b="1" dirty="0"/>
+              <a:t>Concluzii</a:t>
+            </a:r>
+            <a:r>
+              <a:rPr lang="en-US" b="1" dirty="0"/>
+              <a:t> </a:t>
+            </a:r>
+            <a:r>
+              <a:rPr lang="ro-RO" b="1" dirty="0"/>
+              <a:t>generale</a:t>
+            </a:r>
+            <a:r>
+              <a:rPr lang="en-US" b="1" dirty="0"/>
+              <a:t>:</a:t>
+            </a:r>
+          </a:p>
+        </p:txBody>
+      </p:sp>
+      <p:sp>
+        <p:nvSpPr>
+          <p:cNvPr id="3" name="Content Placeholder 2">
+            <a:extLst>
+              <a:ext uri="{FF2B5EF4-FFF2-40B4-BE49-F238E27FC236}">
+                <a16:creationId xmlns:a16="http://schemas.microsoft.com/office/drawing/2014/main" id="{1BFE3640-D632-4272-BC4D-DC49749C3349}"/>
+              </a:ext>
+            </a:extLst>
+          </p:cNvPr>
+          <p:cNvSpPr>
+            <a:spLocks noGrp="1"/>
+          </p:cNvSpPr>
+          <p:nvPr>
+            <p:ph idx="1"/>
+          </p:nvPr>
+        </p:nvSpPr>
+        <p:spPr/>
+        <p:txBody>
+          <a:bodyPr>
+            <a:normAutofit fontScale="92500"/>
+          </a:bodyPr>
+          <a:lstStyle/>
+          <a:p>
+            <a:pPr marL="0" indent="0">
+              <a:buNone/>
+            </a:pPr>
+            <a:r>
+              <a:rPr lang="en-US" dirty="0"/>
+              <a:t>Piece of cake:</a:t>
+            </a:r>
+          </a:p>
+          <a:p>
+            <a:r>
+              <a:rPr lang="ro-RO" dirty="0"/>
+              <a:t>Permite începerea unei afaceri în industria culinară fără a fi nevoie de un spațiu fizic pentru a primi clienții;</a:t>
+            </a:r>
+          </a:p>
+          <a:p>
+            <a:r>
+              <a:rPr lang="ro-RO" dirty="0"/>
+              <a:t>Permite menținerea unei afaceri cu un număr minimi de oameni drept personal</a:t>
+            </a:r>
+          </a:p>
+          <a:p>
+            <a:r>
+              <a:rPr lang="ro-RO" dirty="0"/>
+              <a:t>Ușurează procesul de comandare ducând la o plasare mai rapidă și o înțelegere mai bună a comenzilor</a:t>
+            </a:r>
+          </a:p>
+          <a:p>
+            <a:r>
+              <a:rPr lang="ro-RO" dirty="0"/>
+              <a:t>Duce la mărirea câștigului afacerii</a:t>
+            </a:r>
+          </a:p>
+        </p:txBody>
+      </p:sp>
+    </p:spTree>
+    <p:extLst>
+      <p:ext uri="{BB962C8B-B14F-4D97-AF65-F5344CB8AC3E}">
+        <p14:creationId xmlns:p14="http://schemas.microsoft.com/office/powerpoint/2010/main" val="1224735544"/>
+      </p:ext>
+    </p:extLst>
+  </p:cSld>
+  <p:clrMapOvr>
+    <a:masterClrMapping/>
+  </p:clrMapOvr>
+</p:sld>
+</file>
+
+<file path=ppt/slides/slide9.xml><?xml version="1.0" encoding="utf-8"?>
+<p:sld xmlns:a="http://schemas.openxmlformats.org/drawingml/2006/main" xmlns:r="http://schemas.openxmlformats.org/officeDocument/2006/relationships" xmlns:p="http://schemas.openxmlformats.org/presentationml/2006/main">
+  <p:cSld>
+    <p:spTree>
+      <p:nvGrpSpPr>
+        <p:cNvPr id="1" name=""/>
+        <p:cNvGrpSpPr/>
+        <p:nvPr/>
+      </p:nvGrpSpPr>
+      <p:grpSpPr>
+        <a:xfrm>
+          <a:off x="0" y="0"/>
+          <a:ext cx="0" cy="0"/>
+          <a:chOff x="0" y="0"/>
+          <a:chExt cx="0" cy="0"/>
+        </a:xfrm>
+      </p:grpSpPr>
+      <p:sp>
+        <p:nvSpPr>
+          <p:cNvPr id="2" name="Title 1">
+            <a:extLst>
+              <a:ext uri="{FF2B5EF4-FFF2-40B4-BE49-F238E27FC236}">
+                <a16:creationId xmlns:a16="http://schemas.microsoft.com/office/drawing/2014/main" id="{3D1AEFE2-811E-45B7-ADE3-056B3419B7C3}"/>
+              </a:ext>
+            </a:extLst>
+          </p:cNvPr>
+          <p:cNvSpPr>
+            <a:spLocks noGrp="1"/>
+          </p:cNvSpPr>
+          <p:nvPr>
+            <p:ph type="title"/>
+          </p:nvPr>
+        </p:nvSpPr>
+        <p:spPr/>
+        <p:txBody>
+          <a:bodyPr/>
+          <a:lstStyle/>
+          <a:p>
+            <a:r>
+              <a:rPr lang="ro-RO" b="1" dirty="0"/>
+              <a:t>Direcț</a:t>
+            </a:r>
+            <a:r>
+              <a:rPr lang="en-US" b="1" dirty="0"/>
+              <a:t>ii de </a:t>
+            </a:r>
+            <a:r>
+              <a:rPr lang="ro-RO" b="1" dirty="0"/>
+              <a:t>viitor</a:t>
+            </a:r>
+            <a:r>
+              <a:rPr lang="en-US" b="1" dirty="0"/>
+              <a:t>:</a:t>
+            </a:r>
+          </a:p>
+        </p:txBody>
+      </p:sp>
+      <p:sp>
+        <p:nvSpPr>
+          <p:cNvPr id="3" name="Content Placeholder 2">
+            <a:extLst>
+              <a:ext uri="{FF2B5EF4-FFF2-40B4-BE49-F238E27FC236}">
+                <a16:creationId xmlns:a16="http://schemas.microsoft.com/office/drawing/2014/main" id="{DE25C55D-E4A7-4AAB-8389-6A4F436291B4}"/>
+              </a:ext>
+            </a:extLst>
+          </p:cNvPr>
+          <p:cNvSpPr>
+            <a:spLocks noGrp="1"/>
+          </p:cNvSpPr>
+          <p:nvPr>
+            <p:ph idx="1"/>
+          </p:nvPr>
+        </p:nvSpPr>
+        <p:spPr/>
+        <p:txBody>
+          <a:bodyPr/>
+          <a:lstStyle/>
+          <a:p>
+            <a:pPr marL="0" indent="0">
+              <a:buNone/>
+            </a:pPr>
+            <a:r>
+              <a:rPr lang="ro-RO" dirty="0"/>
+              <a:t>Aplicația ar putea fi îmbunătățită prin adăugarea unor funcții precum:</a:t>
+            </a:r>
+            <a:endParaRPr lang="en-US" dirty="0"/>
+          </a:p>
+          <a:p>
+            <a:pPr lvl="0" fontAlgn="base"/>
+            <a:r>
+              <a:rPr lang="ro-RO" dirty="0"/>
+              <a:t>Posibilitatea ca un client să poată plăti cu cardul; </a:t>
+            </a:r>
+            <a:endParaRPr lang="en-US" dirty="0"/>
+          </a:p>
+          <a:p>
+            <a:pPr lvl="0" fontAlgn="base"/>
+            <a:r>
+              <a:rPr lang="ro-RO" dirty="0"/>
+              <a:t>Adăugare de filtre multiple pe pagina de de meniu;</a:t>
+            </a:r>
+            <a:endParaRPr lang="en-US" dirty="0"/>
+          </a:p>
+          <a:p>
+            <a:pPr lvl="0" fontAlgn="base"/>
+            <a:r>
+              <a:rPr lang="ro-RO" dirty="0"/>
+              <a:t>Înlocuire chestionarului din pagina Personalizare cu un joc interactiv, drag and drop</a:t>
+            </a:r>
+            <a:endParaRPr lang="en-US" dirty="0"/>
+          </a:p>
+          <a:p>
+            <a:pPr lvl="0" fontAlgn="base"/>
+            <a:r>
+              <a:rPr lang="ro-RO" dirty="0"/>
+              <a:t>Adăugarea unei note pe pagina unui produs, dată de voturile clienților.</a:t>
+            </a:r>
+            <a:endParaRPr lang="en-US" dirty="0"/>
+          </a:p>
+          <a:p>
+            <a:endParaRPr lang="en-US" dirty="0"/>
+          </a:p>
+        </p:txBody>
+      </p:sp>
+    </p:spTree>
+    <p:extLst>
+      <p:ext uri="{BB962C8B-B14F-4D97-AF65-F5344CB8AC3E}">
+        <p14:creationId xmlns:p14="http://schemas.microsoft.com/office/powerpoint/2010/main" val="4255708924"/>
+      </p:ext>
+    </p:extLst>
+  </p:cSld>
+  <p:clrMapOvr>
+    <a:masterClrMapping/>
+  </p:clrMapOvr>
+</p:sld>
+</file>
+
 <file path=ppt/theme/theme1.xml><?xml version="1.0" encoding="utf-8"?>
-<a:theme xmlns:a="http://schemas.openxmlformats.org/drawingml/2006/main" name="Office Theme">
+<a:theme xmlns:a="http://schemas.openxmlformats.org/drawingml/2006/main" name="Parallax">
   <a:themeElements>
-    <a:clrScheme name="Office">
+    <a:clrScheme name="Parallax">
       <a:dk1>
         <a:sysClr val="windowText" lastClr="000000"/>
       </a:dk1>
@@ -3963,100 +7111,48 @@
         <a:sysClr val="window" lastClr="FFFFFF"/>
       </a:lt1>
       <a:dk2>
-        <a:srgbClr val="44546A"/>
+        <a:srgbClr val="212121"/>
       </a:dk2>
       <a:lt2>
-        <a:srgbClr val="E7E6E6"/>
+        <a:srgbClr val="CDD0D1"/>
       </a:lt2>
       <a:accent1>
-        <a:srgbClr val="4472C4"/>
+        <a:srgbClr val="30ACEC"/>
       </a:accent1>
       <a:accent2>
-        <a:srgbClr val="ED7D31"/>
+        <a:srgbClr val="80C34F"/>
       </a:accent2>
       <a:accent3>
-        <a:srgbClr val="A5A5A5"/>
+        <a:srgbClr val="E29D3E"/>
       </a:accent3>
       <a:accent4>
-        <a:srgbClr val="FFC000"/>
+        <a:srgbClr val="D64A3B"/>
       </a:accent4>
       <a:accent5>
-        <a:srgbClr val="5B9BD5"/>
+        <a:srgbClr val="D64787"/>
       </a:accent5>
       <a:accent6>
-        <a:srgbClr val="70AD47"/>
+        <a:srgbClr val="A666E1"/>
       </a:accent6>
       <a:hlink>
-        <a:srgbClr val="0563C1"/>
+        <a:srgbClr val="3085ED"/>
       </a:hlink>
       <a:folHlink>
-        <a:srgbClr val="954F72"/>
+        <a:srgbClr val="82B6F4"/>
       </a:folHlink>
     </a:clrScheme>
-    <a:fontScheme name="Office">
+    <a:fontScheme name="Parallax">
       <a:majorFont>
-        <a:latin typeface="Calibri Light" panose="020F0302020204030204"/>
+        <a:latin typeface="Corbel" panose="020B0503020204020204"/>
         <a:ea typeface=""/>
         <a:cs typeface=""/>
-        <a:font script="Jpan" typeface="游ゴシック Light"/>
-        <a:font script="Hang" typeface="맑은 고딕"/>
-        <a:font script="Hans" typeface="等线 Light"/>
+        <a:font script="Jpan" typeface="HGｺﾞｼｯｸM"/>
+        <a:font script="Hang" typeface="HY엽서L"/>
+        <a:font script="Hans" typeface="华文楷体"/>
         <a:font script="Hant" typeface="新細明體"/>
-        <a:font script="Arab" typeface="Times New Roman"/>
-        <a:font script="Hebr" typeface="Times New Roman"/>
-        <a:font script="Thai" typeface="Angsana New"/>
-        <a:font script="Ethi" typeface="Nyala"/>
-        <a:font script="Beng" typeface="Vrinda"/>
-        <a:font script="Gujr" typeface="Shruti"/>
-        <a:font script="Khmr" typeface="MoolBoran"/>
-        <a:font script="Knda" typeface="Tunga"/>
-        <a:font script="Guru" typeface="Raavi"/>
-        <a:font script="Cans" typeface="Euphemia"/>
-        <a:font script="Cher" typeface="Plantagenet Cherokee"/>
-        <a:font script="Yiii" typeface="Microsoft Yi Baiti"/>
-        <a:font script="Tibt" typeface="Microsoft Himalaya"/>
-        <a:font script="Thaa" typeface="MV Boli"/>
-        <a:font script="Deva" typeface="Mangal"/>
-        <a:font script="Telu" typeface="Gautami"/>
-        <a:font script="Taml" typeface="Latha"/>
-        <a:font script="Syrc" typeface="Estrangelo Edessa"/>
-        <a:font script="Orya" typeface="Kalinga"/>
-        <a:font script="Mlym" typeface="Kartika"/>
-        <a:font script="Laoo" typeface="DokChampa"/>
-        <a:font script="Sinh" typeface="Iskoola Pota"/>
-        <a:font script="Mong" typeface="Mongolian Baiti"/>
-        <a:font script="Viet" typeface="Times New Roman"/>
-        <a:font script="Uigh" typeface="Microsoft Uighur"/>
-        <a:font script="Geor" typeface="Sylfaen"/>
-        <a:font script="Armn" typeface="Arial"/>
-        <a:font script="Bugi" typeface="Leelawadee UI"/>
-        <a:font script="Bopo" typeface="Microsoft JhengHei"/>
-        <a:font script="Java" typeface="Javanese Text"/>
-        <a:font script="Lisu" typeface="Segoe UI"/>
-        <a:font script="Mymr" typeface="Myanmar Text"/>
-        <a:font script="Nkoo" typeface="Ebrima"/>
-        <a:font script="Olck" typeface="Nirmala UI"/>
-        <a:font script="Osma" typeface="Ebrima"/>
-        <a:font script="Phag" typeface="Phagspa"/>
-        <a:font script="Syrn" typeface="Estrangelo Edessa"/>
-        <a:font script="Syrj" typeface="Estrangelo Edessa"/>
-        <a:font script="Syre" typeface="Estrangelo Edessa"/>
-        <a:font script="Sora" typeface="Nirmala UI"/>
-        <a:font script="Tale" typeface="Microsoft Tai Le"/>
-        <a:font script="Talu" typeface="Microsoft New Tai Lue"/>
-        <a:font script="Tfng" typeface="Ebrima"/>
-      </a:majorFont>
-      <a:minorFont>
-        <a:latin typeface="Calibri" panose="020F0502020204030204"/>
-        <a:ea typeface=""/>
-        <a:cs typeface=""/>
-        <a:font script="Jpan" typeface="游ゴシック"/>
-        <a:font script="Hang" typeface="맑은 고딕"/>
-        <a:font script="Hans" typeface="等线"/>
-        <a:font script="Hant" typeface="新細明體"/>
-        <a:font script="Arab" typeface="Arial"/>
-        <a:font script="Hebr" typeface="Arial"/>
-        <a:font script="Thai" typeface="Cordia New"/>
+        <a:font script="Arab" typeface="Tahoma"/>
+        <a:font script="Hebr" typeface="Miriam"/>
+        <a:font script="Thai" typeface="DilleniaUPC"/>
         <a:font script="Ethi" typeface="Nyala"/>
         <a:font script="Beng" typeface="Vrinda"/>
         <a:font script="Gujr" typeface="Shruti"/>
@@ -4080,26 +7176,44 @@
         <a:font script="Viet" typeface="Arial"/>
         <a:font script="Uigh" typeface="Microsoft Uighur"/>
         <a:font script="Geor" typeface="Sylfaen"/>
-        <a:font script="Armn" typeface="Arial"/>
-        <a:font script="Bugi" typeface="Leelawadee UI"/>
-        <a:font script="Bopo" typeface="Microsoft JhengHei"/>
-        <a:font script="Java" typeface="Javanese Text"/>
-        <a:font script="Lisu" typeface="Segoe UI"/>
-        <a:font script="Mymr" typeface="Myanmar Text"/>
-        <a:font script="Nkoo" typeface="Ebrima"/>
-        <a:font script="Olck" typeface="Nirmala UI"/>
-        <a:font script="Osma" typeface="Ebrima"/>
-        <a:font script="Phag" typeface="Phagspa"/>
-        <a:font script="Syrn" typeface="Estrangelo Edessa"/>
-        <a:font script="Syrj" typeface="Estrangelo Edessa"/>
-        <a:font script="Syre" typeface="Estrangelo Edessa"/>
-        <a:font script="Sora" typeface="Nirmala UI"/>
-        <a:font script="Tale" typeface="Microsoft Tai Le"/>
-        <a:font script="Talu" typeface="Microsoft New Tai Lue"/>
-        <a:font script="Tfng" typeface="Ebrima"/>
+      </a:majorFont>
+      <a:minorFont>
+        <a:latin typeface="Corbel" panose="020B0503020204020204"/>
+        <a:ea typeface=""/>
+        <a:cs typeface=""/>
+        <a:font script="Jpan" typeface="HGｺﾞｼｯｸM"/>
+        <a:font script="Hang" typeface="HY엽서L"/>
+        <a:font script="Hans" typeface="华文楷体"/>
+        <a:font script="Hant" typeface="新細明體"/>
+        <a:font script="Arab" typeface="Tahoma"/>
+        <a:font script="Hebr" typeface="Miriam"/>
+        <a:font script="Thai" typeface="DilleniaUPC"/>
+        <a:font script="Ethi" typeface="Nyala"/>
+        <a:font script="Beng" typeface="Vrinda"/>
+        <a:font script="Gujr" typeface="Shruti"/>
+        <a:font script="Khmr" typeface="DaunPenh"/>
+        <a:font script="Knda" typeface="Tunga"/>
+        <a:font script="Guru" typeface="Raavi"/>
+        <a:font script="Cans" typeface="Euphemia"/>
+        <a:font script="Cher" typeface="Plantagenet Cherokee"/>
+        <a:font script="Yiii" typeface="Microsoft Yi Baiti"/>
+        <a:font script="Tibt" typeface="Microsoft Himalaya"/>
+        <a:font script="Thaa" typeface="MV Boli"/>
+        <a:font script="Deva" typeface="Mangal"/>
+        <a:font script="Telu" typeface="Gautami"/>
+        <a:font script="Taml" typeface="Latha"/>
+        <a:font script="Syrc" typeface="Estrangelo Edessa"/>
+        <a:font script="Orya" typeface="Kalinga"/>
+        <a:font script="Mlym" typeface="Kartika"/>
+        <a:font script="Laoo" typeface="DokChampa"/>
+        <a:font script="Sinh" typeface="Iskoola Pota"/>
+        <a:font script="Mong" typeface="Mongolian Baiti"/>
+        <a:font script="Viet" typeface="Arial"/>
+        <a:font script="Uigh" typeface="Microsoft Uighur"/>
+        <a:font script="Geor" typeface="Sylfaen"/>
       </a:minorFont>
     </a:fontScheme>
-    <a:fmtScheme name="Office">
+    <a:fmtScheme name="Parallax">
       <a:fillStyleLst>
         <a:solidFill>
           <a:schemeClr val="phClr"/>
@@ -4108,23 +7222,13 @@
           <a:gsLst>
             <a:gs pos="0">
               <a:schemeClr val="phClr">
-                <a:lumMod val="110000"/>
-                <a:satMod val="105000"/>
-                <a:tint val="67000"/>
-              </a:schemeClr>
-            </a:gs>
-            <a:gs pos="50000">
-              <a:schemeClr val="phClr">
-                <a:lumMod val="105000"/>
-                <a:satMod val="103000"/>
-                <a:tint val="73000"/>
+                <a:tint val="60000"/>
+                <a:lumMod val="104000"/>
               </a:schemeClr>
             </a:gs>
             <a:gs pos="100000">
               <a:schemeClr val="phClr">
-                <a:lumMod val="105000"/>
-                <a:satMod val="109000"/>
-                <a:tint val="81000"/>
+                <a:tint val="84000"/>
               </a:schemeClr>
             </a:gs>
           </a:gsLst>
@@ -4134,50 +7238,42 @@
           <a:gsLst>
             <a:gs pos="0">
               <a:schemeClr val="phClr">
-                <a:satMod val="103000"/>
+                <a:tint val="96000"/>
                 <a:lumMod val="102000"/>
-                <a:tint val="94000"/>
-              </a:schemeClr>
-            </a:gs>
-            <a:gs pos="50000">
-              <a:schemeClr val="phClr">
-                <a:satMod val="110000"/>
-                <a:lumMod val="100000"/>
-                <a:shade val="100000"/>
               </a:schemeClr>
             </a:gs>
             <a:gs pos="100000">
               <a:schemeClr val="phClr">
-                <a:lumMod val="99000"/>
-                <a:satMod val="120000"/>
-                <a:shade val="78000"/>
+                <a:shade val="88000"/>
+                <a:lumMod val="94000"/>
               </a:schemeClr>
             </a:gs>
           </a:gsLst>
-          <a:lin ang="5400000" scaled="0"/>
+          <a:path path="circle">
+            <a:fillToRect l="50000" t="100000" r="100000" b="50000"/>
+          </a:path>
         </a:gradFill>
       </a:fillStyleLst>
       <a:lnStyleLst>
-        <a:ln w="6350" cap="flat" cmpd="sng" algn="ctr">
+        <a:ln w="9525" cap="rnd" cmpd="sng" algn="ctr">
+          <a:solidFill>
+            <a:schemeClr val="phClr">
+              <a:tint val="60000"/>
+            </a:schemeClr>
+          </a:solidFill>
+          <a:prstDash val="solid"/>
+        </a:ln>
+        <a:ln w="15875" cap="rnd" cmpd="sng" algn="ctr">
           <a:solidFill>
             <a:schemeClr val="phClr"/>
           </a:solidFill>
           <a:prstDash val="solid"/>
-          <a:miter lim="800000"/>
         </a:ln>
-        <a:ln w="12700" cap="flat" cmpd="sng" algn="ctr">
+        <a:ln w="22225" cap="rnd" cmpd="sng" algn="ctr">
           <a:solidFill>
             <a:schemeClr val="phClr"/>
           </a:solidFill>
           <a:prstDash val="solid"/>
-          <a:miter lim="800000"/>
-        </a:ln>
-        <a:ln w="19050" cap="flat" cmpd="sng" algn="ctr">
-          <a:solidFill>
-            <a:schemeClr val="phClr"/>
-          </a:solidFill>
-          <a:prstDash val="solid"/>
-          <a:miter lim="800000"/>
         </a:ln>
       </a:lnStyleLst>
       <a:effectStyleLst>
@@ -4185,55 +7281,68 @@
           <a:effectLst/>
         </a:effectStyle>
         <a:effectStyle>
-          <a:effectLst/>
+          <a:effectLst>
+            <a:reflection blurRad="12700" stA="26000" endPos="32000" dist="12700" dir="5400000" sy="-100000" rotWithShape="0"/>
+          </a:effectLst>
         </a:effectStyle>
         <a:effectStyle>
           <a:effectLst>
-            <a:outerShdw blurRad="57150" dist="19050" dir="5400000" algn="ctr" rotWithShape="0">
+            <a:outerShdw blurRad="38100" dist="25400" dir="5400000" rotWithShape="0">
               <a:srgbClr val="000000">
-                <a:alpha val="63000"/>
+                <a:alpha val="64000"/>
               </a:srgbClr>
             </a:outerShdw>
           </a:effectLst>
+          <a:scene3d>
+            <a:camera prst="orthographicFront">
+              <a:rot lat="0" lon="0" rev="0"/>
+            </a:camera>
+            <a:lightRig rig="threePt" dir="tl">
+              <a:rot lat="0" lon="0" rev="1200000"/>
+            </a:lightRig>
+          </a:scene3d>
+          <a:sp3d>
+            <a:bevelT w="25400" h="12700"/>
+          </a:sp3d>
         </a:effectStyle>
       </a:effectStyleLst>
       <a:bgFillStyleLst>
         <a:solidFill>
           <a:schemeClr val="phClr"/>
         </a:solidFill>
-        <a:solidFill>
-          <a:schemeClr val="phClr">
-            <a:tint val="95000"/>
-            <a:satMod val="170000"/>
-          </a:schemeClr>
-        </a:solidFill>
         <a:gradFill rotWithShape="1">
           <a:gsLst>
             <a:gs pos="0">
               <a:schemeClr val="phClr">
-                <a:tint val="93000"/>
-                <a:satMod val="150000"/>
-                <a:shade val="98000"/>
-                <a:lumMod val="102000"/>
-              </a:schemeClr>
-            </a:gs>
-            <a:gs pos="50000">
-              <a:schemeClr val="phClr">
-                <a:tint val="98000"/>
-                <a:satMod val="130000"/>
-                <a:shade val="90000"/>
-                <a:lumMod val="103000"/>
+                <a:tint val="90000"/>
+                <a:lumMod val="110000"/>
               </a:schemeClr>
             </a:gs>
             <a:gs pos="100000">
               <a:schemeClr val="phClr">
-                <a:shade val="63000"/>
-                <a:satMod val="120000"/>
+                <a:shade val="64000"/>
+                <a:lumMod val="98000"/>
               </a:schemeClr>
             </a:gs>
           </a:gsLst>
           <a:lin ang="5400000" scaled="0"/>
         </a:gradFill>
+        <a:blipFill rotWithShape="1">
+          <a:blip xmlns:r="http://schemas.openxmlformats.org/officeDocument/2006/relationships" r:embed="rId1">
+            <a:duotone>
+              <a:schemeClr val="phClr">
+                <a:shade val="76000"/>
+                <a:satMod val="180000"/>
+              </a:schemeClr>
+              <a:schemeClr val="phClr">
+                <a:tint val="80000"/>
+                <a:satMod val="120000"/>
+                <a:lumMod val="180000"/>
+              </a:schemeClr>
+            </a:duotone>
+          </a:blip>
+          <a:stretch/>
+        </a:blipFill>
       </a:bgFillStyleLst>
     </a:fmtScheme>
   </a:themeElements>
@@ -4241,7 +7350,7 @@
   <a:extraClrSchemeLst/>
   <a:extLst>
     <a:ext uri="{05A4C25C-085E-4340-85A3-A5531E510DB2}">
-      <thm15:themeFamily xmlns:thm15="http://schemas.microsoft.com/office/thememl/2012/main" name="Office Theme" id="{62F939B6-93AF-4DB8-9C6B-D6C7DFDC589F}" vid="{4A3C46E8-61CC-4603-A589-7422A47A8E4A}"/>
+      <thm15:themeFamily xmlns:thm15="http://schemas.microsoft.com/office/thememl/2012/main" name="Parallax" id="{3388167B-A2EB-4685-9635-1831D9AEF8C4}" vid="{4F7A876A-7598-49CA-AFC8-8EDA2551E4A7}"/>
     </a:ext>
   </a:extLst>
 </a:theme>
